--- a/dist/styleguide-fa/Jibres-brand-styleguide-fa-v1.pptx
+++ b/dist/styleguide-fa/Jibres-brand-styleguide-fa-v1.pptx
@@ -514,8 +514,8 @@
 </file>
 
 <file path=ppt/slideLayouts/slideLayout1.xml><?xml version="1.0" encoding="utf-8"?>
-<p:sldLayout xmlns:a="http://schemas.openxmlformats.org/drawingml/2006/main" xmlns:r="http://schemas.openxmlformats.org/officeDocument/2006/relationships" xmlns:p="http://schemas.openxmlformats.org/presentationml/2006/main" type="picTx" preserve="1">
-  <p:cSld name="Picture with Caption">
+<p:sldLayout xmlns:a="http://schemas.openxmlformats.org/drawingml/2006/main" xmlns:r="http://schemas.openxmlformats.org/officeDocument/2006/relationships" xmlns:p="http://schemas.openxmlformats.org/presentationml/2006/main" preserve="1" userDrawn="1">
+  <p:cSld name="Picture with Caption md">
     <p:spTree>
       <p:nvGrpSpPr>
         <p:cNvPr id="1" name=""/>
@@ -537,13 +537,13 @@
             <a:spLocks noGrp="1"/>
           </p:cNvSpPr>
           <p:nvPr>
-            <p:ph type="title"/>
+            <p:ph type="title" hasCustomPrompt="1"/>
           </p:nvPr>
         </p:nvSpPr>
         <p:spPr>
           <a:xfrm>
-            <a:off x="1080000" y="1296000"/>
-            <a:ext cx="3712346" cy="700348"/>
+            <a:off x="8250420" y="1296000"/>
+            <a:ext cx="2880000" cy="720000"/>
           </a:xfrm>
         </p:spPr>
         <p:txBody>
@@ -558,7 +558,7 @@
           <a:p>
             <a:r>
               <a:rPr lang="en-US" dirty="0"/>
-              <a:t>Click to edit Master title style</a:t>
+              <a:t>CLICK TO EDIT MASTER TITLE STYLE</a:t>
             </a:r>
           </a:p>
         </p:txBody>
@@ -575,8 +575,8 @@
         </p:nvSpPr>
         <p:spPr>
           <a:xfrm>
-            <a:off x="5375305" y="1273325"/>
-            <a:ext cx="5757016" cy="4597636"/>
+            <a:off x="1067940" y="1800000"/>
+            <a:ext cx="5036321" cy="3508227"/>
           </a:xfrm>
         </p:spPr>
         <p:txBody>
@@ -636,8 +636,8 @@
         </p:nvSpPr>
         <p:spPr>
           <a:xfrm>
-            <a:off x="1080000" y="2232000"/>
-            <a:ext cx="3712346" cy="2686050"/>
+            <a:off x="8250420" y="2232000"/>
+            <a:ext cx="2880000" cy="3330000"/>
           </a:xfrm>
         </p:spPr>
         <p:txBody>
@@ -647,7 +647,7 @@
           <a:lstStyle>
             <a:lvl1pPr marL="0" indent="0">
               <a:lnSpc>
-                <a:spcPct val="150000"/>
+                <a:spcPct val="200000"/>
               </a:lnSpc>
               <a:spcAft>
                 <a:spcPts val="1000"/>
@@ -712,7 +712,7 @@
         </p:nvSpPr>
         <p:spPr>
           <a:xfrm>
-            <a:off x="8868064" y="5937599"/>
+            <a:off x="1065184" y="5937599"/>
             <a:ext cx="2268249" cy="365125"/>
           </a:xfrm>
         </p:spPr>
@@ -731,7 +731,7 @@
     </p:spTree>
     <p:extLst>
       <p:ext uri="{BB962C8B-B14F-4D97-AF65-F5344CB8AC3E}">
-        <p14:creationId xmlns:p14="http://schemas.microsoft.com/office/powerpoint/2010/main" val="2898031074"/>
+        <p14:creationId xmlns:p14="http://schemas.microsoft.com/office/powerpoint/2010/main" val="782072992"/>
       </p:ext>
     </p:extLst>
   </p:cSld>
@@ -744,7 +744,7 @@
   <p:extLst>
     <p:ext uri="{DCECCB84-F9BA-43D5-87BE-67443E8EF086}">
       <p15:sldGuideLst xmlns:p15="http://schemas.microsoft.com/office/powerpoint/2012/main">
-        <p15:guide id="1" pos="3840" userDrawn="1">
+        <p15:guide id="1" pos="3840">
           <p15:clr>
             <a:srgbClr val="FBAE40"/>
           </p15:clr>
@@ -756,484 +756,6 @@
 </file>
 
 <file path=ppt/slideLayouts/slideLayout10.xml><?xml version="1.0" encoding="utf-8"?>
-<p:sldLayout xmlns:a="http://schemas.openxmlformats.org/drawingml/2006/main" xmlns:r="http://schemas.openxmlformats.org/officeDocument/2006/relationships" xmlns:p="http://schemas.openxmlformats.org/presentationml/2006/main" type="obj" preserve="1">
-  <p:cSld name="Title and Content">
-    <p:spTree>
-      <p:nvGrpSpPr>
-        <p:cNvPr id="1" name=""/>
-        <p:cNvGrpSpPr/>
-        <p:nvPr/>
-      </p:nvGrpSpPr>
-      <p:grpSpPr>
-        <a:xfrm>
-          <a:off x="0" y="0"/>
-          <a:ext cx="0" cy="0"/>
-          <a:chOff x="0" y="0"/>
-          <a:chExt cx="0" cy="0"/>
-        </a:xfrm>
-      </p:grpSpPr>
-      <p:sp>
-        <p:nvSpPr>
-          <p:cNvPr id="2" name="Title 1"/>
-          <p:cNvSpPr>
-            <a:spLocks noGrp="1"/>
-          </p:cNvSpPr>
-          <p:nvPr>
-            <p:ph type="title"/>
-          </p:nvPr>
-        </p:nvSpPr>
-        <p:spPr/>
-        <p:txBody>
-          <a:bodyPr/>
-          <a:lstStyle/>
-          <a:p>
-            <a:r>
-              <a:rPr lang="en-US"/>
-              <a:t>Click to edit Master title style</a:t>
-            </a:r>
-          </a:p>
-        </p:txBody>
-      </p:sp>
-      <p:sp>
-        <p:nvSpPr>
-          <p:cNvPr id="3" name="Content Placeholder 2"/>
-          <p:cNvSpPr>
-            <a:spLocks noGrp="1"/>
-          </p:cNvSpPr>
-          <p:nvPr>
-            <p:ph idx="1"/>
-          </p:nvPr>
-        </p:nvSpPr>
-        <p:spPr/>
-        <p:txBody>
-          <a:bodyPr/>
-          <a:lstStyle/>
-          <a:p>
-            <a:pPr lvl="0"/>
-            <a:r>
-              <a:rPr lang="en-US"/>
-              <a:t>Edit Master text styles</a:t>
-            </a:r>
-          </a:p>
-          <a:p>
-            <a:pPr lvl="1"/>
-            <a:r>
-              <a:rPr lang="en-US"/>
-              <a:t>Second level</a:t>
-            </a:r>
-          </a:p>
-          <a:p>
-            <a:pPr lvl="2"/>
-            <a:r>
-              <a:rPr lang="en-US"/>
-              <a:t>Third level</a:t>
-            </a:r>
-          </a:p>
-          <a:p>
-            <a:pPr lvl="3"/>
-            <a:r>
-              <a:rPr lang="en-US"/>
-              <a:t>Fourth level</a:t>
-            </a:r>
-          </a:p>
-          <a:p>
-            <a:pPr lvl="4"/>
-            <a:r>
-              <a:rPr lang="en-US"/>
-              <a:t>Fifth level</a:t>
-            </a:r>
-          </a:p>
-        </p:txBody>
-      </p:sp>
-      <p:sp>
-        <p:nvSpPr>
-          <p:cNvPr id="5" name="Footer Placeholder 4"/>
-          <p:cNvSpPr>
-            <a:spLocks noGrp="1"/>
-          </p:cNvSpPr>
-          <p:nvPr>
-            <p:ph type="ftr" sz="quarter" idx="11"/>
-          </p:nvPr>
-        </p:nvSpPr>
-        <p:spPr>
-          <a:xfrm>
-            <a:off x="1055687" y="5943599"/>
-            <a:ext cx="3033045" cy="365125"/>
-          </a:xfrm>
-          <a:prstGeom prst="rect">
-            <a:avLst/>
-          </a:prstGeom>
-        </p:spPr>
-        <p:txBody>
-          <a:bodyPr/>
-          <a:lstStyle/>
-          <a:p>
-            <a:endParaRPr lang="en-US"/>
-          </a:p>
-        </p:txBody>
-      </p:sp>
-      <p:sp>
-        <p:nvSpPr>
-          <p:cNvPr id="6" name="Slide Number Placeholder 5"/>
-          <p:cNvSpPr>
-            <a:spLocks noGrp="1"/>
-          </p:cNvSpPr>
-          <p:nvPr>
-            <p:ph type="sldNum" sz="quarter" idx="12"/>
-          </p:nvPr>
-        </p:nvSpPr>
-        <p:spPr/>
-        <p:txBody>
-          <a:bodyPr/>
-          <a:lstStyle/>
-          <a:p>
-            <a:fld id="{6B8230D4-A52F-48C3-88BB-7CF0A26BA1C5}" type="slidenum">
-              <a:rPr lang="en-US" smtClean="0"/>
-              <a:t>‹#›</a:t>
-            </a:fld>
-            <a:endParaRPr lang="en-US"/>
-          </a:p>
-        </p:txBody>
-      </p:sp>
-    </p:spTree>
-    <p:extLst>
-      <p:ext uri="{BB962C8B-B14F-4D97-AF65-F5344CB8AC3E}">
-        <p14:creationId xmlns:p14="http://schemas.microsoft.com/office/powerpoint/2010/main" val="751939655"/>
-      </p:ext>
-    </p:extLst>
-  </p:cSld>
-  <p:clrMapOvr>
-    <a:masterClrMapping/>
-  </p:clrMapOvr>
-  <p:transition spd="slow">
-    <p:push dir="u"/>
-  </p:transition>
-</p:sldLayout>
-</file>
-
-<file path=ppt/slideLayouts/slideLayout11.xml><?xml version="1.0" encoding="utf-8"?>
-<p:sldLayout xmlns:a="http://schemas.openxmlformats.org/drawingml/2006/main" xmlns:r="http://schemas.openxmlformats.org/officeDocument/2006/relationships" xmlns:p="http://schemas.openxmlformats.org/presentationml/2006/main" type="twoObj" preserve="1">
-  <p:cSld name="Two Content">
-    <p:spTree>
-      <p:nvGrpSpPr>
-        <p:cNvPr id="1" name=""/>
-        <p:cNvGrpSpPr/>
-        <p:nvPr/>
-      </p:nvGrpSpPr>
-      <p:grpSpPr>
-        <a:xfrm>
-          <a:off x="0" y="0"/>
-          <a:ext cx="0" cy="0"/>
-          <a:chOff x="0" y="0"/>
-          <a:chExt cx="0" cy="0"/>
-        </a:xfrm>
-      </p:grpSpPr>
-      <p:sp>
-        <p:nvSpPr>
-          <p:cNvPr id="2" name="Title 1"/>
-          <p:cNvSpPr>
-            <a:spLocks noGrp="1"/>
-          </p:cNvSpPr>
-          <p:nvPr>
-            <p:ph type="title"/>
-          </p:nvPr>
-        </p:nvSpPr>
-        <p:spPr/>
-        <p:txBody>
-          <a:bodyPr/>
-          <a:lstStyle/>
-          <a:p>
-            <a:r>
-              <a:rPr lang="en-US"/>
-              <a:t>Click to edit Master title style</a:t>
-            </a:r>
-          </a:p>
-        </p:txBody>
-      </p:sp>
-      <p:sp>
-        <p:nvSpPr>
-          <p:cNvPr id="3" name="Content Placeholder 2"/>
-          <p:cNvSpPr>
-            <a:spLocks noGrp="1"/>
-          </p:cNvSpPr>
-          <p:nvPr>
-            <p:ph sz="half" idx="1"/>
-          </p:nvPr>
-        </p:nvSpPr>
-        <p:spPr>
-          <a:xfrm>
-            <a:off x="1059678" y="2144993"/>
-            <a:ext cx="4960121" cy="3785787"/>
-          </a:xfrm>
-        </p:spPr>
-        <p:txBody>
-          <a:bodyPr/>
-          <a:lstStyle/>
-          <a:p>
-            <a:pPr lvl="0"/>
-            <a:r>
-              <a:rPr lang="en-US"/>
-              <a:t>Edit Master text styles</a:t>
-            </a:r>
-          </a:p>
-          <a:p>
-            <a:pPr lvl="1"/>
-            <a:r>
-              <a:rPr lang="en-US"/>
-              <a:t>Second level</a:t>
-            </a:r>
-          </a:p>
-          <a:p>
-            <a:pPr lvl="2"/>
-            <a:r>
-              <a:rPr lang="en-US"/>
-              <a:t>Third level</a:t>
-            </a:r>
-          </a:p>
-          <a:p>
-            <a:pPr lvl="3"/>
-            <a:r>
-              <a:rPr lang="en-US"/>
-              <a:t>Fourth level</a:t>
-            </a:r>
-          </a:p>
-          <a:p>
-            <a:pPr lvl="4"/>
-            <a:r>
-              <a:rPr lang="en-US"/>
-              <a:t>Fifth level</a:t>
-            </a:r>
-          </a:p>
-        </p:txBody>
-      </p:sp>
-      <p:sp>
-        <p:nvSpPr>
-          <p:cNvPr id="4" name="Content Placeholder 3"/>
-          <p:cNvSpPr>
-            <a:spLocks noGrp="1"/>
-          </p:cNvSpPr>
-          <p:nvPr>
-            <p:ph sz="half" idx="2"/>
-          </p:nvPr>
-        </p:nvSpPr>
-        <p:spPr>
-          <a:xfrm>
-            <a:off x="6172200" y="2144993"/>
-            <a:ext cx="4962971" cy="3785787"/>
-          </a:xfrm>
-        </p:spPr>
-        <p:txBody>
-          <a:bodyPr/>
-          <a:lstStyle/>
-          <a:p>
-            <a:pPr lvl="0"/>
-            <a:r>
-              <a:rPr lang="en-US"/>
-              <a:t>Edit Master text styles</a:t>
-            </a:r>
-          </a:p>
-          <a:p>
-            <a:pPr lvl="1"/>
-            <a:r>
-              <a:rPr lang="en-US"/>
-              <a:t>Second level</a:t>
-            </a:r>
-          </a:p>
-          <a:p>
-            <a:pPr lvl="2"/>
-            <a:r>
-              <a:rPr lang="en-US"/>
-              <a:t>Third level</a:t>
-            </a:r>
-          </a:p>
-          <a:p>
-            <a:pPr lvl="3"/>
-            <a:r>
-              <a:rPr lang="en-US"/>
-              <a:t>Fourth level</a:t>
-            </a:r>
-          </a:p>
-          <a:p>
-            <a:pPr lvl="4"/>
-            <a:r>
-              <a:rPr lang="en-US"/>
-              <a:t>Fifth level</a:t>
-            </a:r>
-          </a:p>
-        </p:txBody>
-      </p:sp>
-      <p:sp>
-        <p:nvSpPr>
-          <p:cNvPr id="6" name="Footer Placeholder 5"/>
-          <p:cNvSpPr>
-            <a:spLocks noGrp="1"/>
-          </p:cNvSpPr>
-          <p:nvPr>
-            <p:ph type="ftr" sz="quarter" idx="11"/>
-          </p:nvPr>
-        </p:nvSpPr>
-        <p:spPr>
-          <a:xfrm>
-            <a:off x="1055687" y="5943599"/>
-            <a:ext cx="3033045" cy="365125"/>
-          </a:xfrm>
-          <a:prstGeom prst="rect">
-            <a:avLst/>
-          </a:prstGeom>
-        </p:spPr>
-        <p:txBody>
-          <a:bodyPr/>
-          <a:lstStyle/>
-          <a:p>
-            <a:endParaRPr lang="en-US"/>
-          </a:p>
-        </p:txBody>
-      </p:sp>
-      <p:sp>
-        <p:nvSpPr>
-          <p:cNvPr id="7" name="Slide Number Placeholder 6"/>
-          <p:cNvSpPr>
-            <a:spLocks noGrp="1"/>
-          </p:cNvSpPr>
-          <p:nvPr>
-            <p:ph type="sldNum" sz="quarter" idx="12"/>
-          </p:nvPr>
-        </p:nvSpPr>
-        <p:spPr/>
-        <p:txBody>
-          <a:bodyPr/>
-          <a:lstStyle/>
-          <a:p>
-            <a:fld id="{6B8230D4-A52F-48C3-88BB-7CF0A26BA1C5}" type="slidenum">
-              <a:rPr lang="en-US" smtClean="0"/>
-              <a:t>‹#›</a:t>
-            </a:fld>
-            <a:endParaRPr lang="en-US"/>
-          </a:p>
-        </p:txBody>
-      </p:sp>
-    </p:spTree>
-    <p:extLst>
-      <p:ext uri="{BB962C8B-B14F-4D97-AF65-F5344CB8AC3E}">
-        <p14:creationId xmlns:p14="http://schemas.microsoft.com/office/powerpoint/2010/main" val="3625817372"/>
-      </p:ext>
-    </p:extLst>
-  </p:cSld>
-  <p:clrMapOvr>
-    <a:masterClrMapping/>
-  </p:clrMapOvr>
-  <p:transition spd="slow">
-    <p:push dir="u"/>
-  </p:transition>
-</p:sldLayout>
-</file>
-
-<file path=ppt/slideLayouts/slideLayout12.xml><?xml version="1.0" encoding="utf-8"?>
-<p:sldLayout xmlns:a="http://schemas.openxmlformats.org/drawingml/2006/main" xmlns:r="http://schemas.openxmlformats.org/officeDocument/2006/relationships" xmlns:p="http://schemas.openxmlformats.org/presentationml/2006/main" type="titleOnly" preserve="1">
-  <p:cSld name="Title Only">
-    <p:spTree>
-      <p:nvGrpSpPr>
-        <p:cNvPr id="1" name=""/>
-        <p:cNvGrpSpPr/>
-        <p:nvPr/>
-      </p:nvGrpSpPr>
-      <p:grpSpPr>
-        <a:xfrm>
-          <a:off x="0" y="0"/>
-          <a:ext cx="0" cy="0"/>
-          <a:chOff x="0" y="0"/>
-          <a:chExt cx="0" cy="0"/>
-        </a:xfrm>
-      </p:grpSpPr>
-      <p:sp>
-        <p:nvSpPr>
-          <p:cNvPr id="2" name="Title 1"/>
-          <p:cNvSpPr>
-            <a:spLocks noGrp="1"/>
-          </p:cNvSpPr>
-          <p:nvPr>
-            <p:ph type="title"/>
-          </p:nvPr>
-        </p:nvSpPr>
-        <p:spPr/>
-        <p:txBody>
-          <a:bodyPr/>
-          <a:lstStyle/>
-          <a:p>
-            <a:r>
-              <a:rPr lang="en-US"/>
-              <a:t>Click to edit Master title style</a:t>
-            </a:r>
-          </a:p>
-        </p:txBody>
-      </p:sp>
-      <p:sp>
-        <p:nvSpPr>
-          <p:cNvPr id="4" name="Footer Placeholder 3"/>
-          <p:cNvSpPr>
-            <a:spLocks noGrp="1"/>
-          </p:cNvSpPr>
-          <p:nvPr>
-            <p:ph type="ftr" sz="quarter" idx="11"/>
-          </p:nvPr>
-        </p:nvSpPr>
-        <p:spPr>
-          <a:xfrm>
-            <a:off x="1055687" y="5943599"/>
-            <a:ext cx="3033045" cy="365125"/>
-          </a:xfrm>
-          <a:prstGeom prst="rect">
-            <a:avLst/>
-          </a:prstGeom>
-        </p:spPr>
-        <p:txBody>
-          <a:bodyPr/>
-          <a:lstStyle/>
-          <a:p>
-            <a:endParaRPr lang="en-US"/>
-          </a:p>
-        </p:txBody>
-      </p:sp>
-      <p:sp>
-        <p:nvSpPr>
-          <p:cNvPr id="5" name="Slide Number Placeholder 4"/>
-          <p:cNvSpPr>
-            <a:spLocks noGrp="1"/>
-          </p:cNvSpPr>
-          <p:nvPr>
-            <p:ph type="sldNum" sz="quarter" idx="12"/>
-          </p:nvPr>
-        </p:nvSpPr>
-        <p:spPr/>
-        <p:txBody>
-          <a:bodyPr/>
-          <a:lstStyle/>
-          <a:p>
-            <a:fld id="{6B8230D4-A52F-48C3-88BB-7CF0A26BA1C5}" type="slidenum">
-              <a:rPr lang="en-US" smtClean="0"/>
-              <a:t>‹#›</a:t>
-            </a:fld>
-            <a:endParaRPr lang="en-US"/>
-          </a:p>
-        </p:txBody>
-      </p:sp>
-    </p:spTree>
-    <p:extLst>
-      <p:ext uri="{BB962C8B-B14F-4D97-AF65-F5344CB8AC3E}">
-        <p14:creationId xmlns:p14="http://schemas.microsoft.com/office/powerpoint/2010/main" val="3929964775"/>
-      </p:ext>
-    </p:extLst>
-  </p:cSld>
-  <p:clrMapOvr>
-    <a:masterClrMapping/>
-  </p:clrMapOvr>
-  <p:transition spd="slow">
-    <p:push dir="u"/>
-  </p:transition>
-</p:sldLayout>
-</file>
-
-<file path=ppt/slideLayouts/slideLayout13.xml><?xml version="1.0" encoding="utf-8"?>
 <p:sldLayout xmlns:a="http://schemas.openxmlformats.org/drawingml/2006/main" xmlns:r="http://schemas.openxmlformats.org/officeDocument/2006/relationships" xmlns:p="http://schemas.openxmlformats.org/presentationml/2006/main" type="blank" preserve="1">
   <p:cSld name="1_Blank">
     <p:spTree>
@@ -1316,7 +838,7 @@
 </p:sldLayout>
 </file>
 
-<file path=ppt/slideLayouts/slideLayout14.xml><?xml version="1.0" encoding="utf-8"?>
+<file path=ppt/slideLayouts/slideLayout11.xml><?xml version="1.0" encoding="utf-8"?>
 <p:sldLayout xmlns:a="http://schemas.openxmlformats.org/drawingml/2006/main" xmlns:r="http://schemas.openxmlformats.org/officeDocument/2006/relationships" xmlns:p="http://schemas.openxmlformats.org/presentationml/2006/main" type="blank" preserve="1">
   <p:cSld name="Cover">
     <p:bg>
@@ -1389,7 +911,7 @@
 </p:sldLayout>
 </file>
 
-<file path=ppt/slideLayouts/slideLayout15.xml><?xml version="1.0" encoding="utf-8"?>
+<file path=ppt/slideLayouts/slideLayout12.xml><?xml version="1.0" encoding="utf-8"?>
 <p:sldLayout xmlns:a="http://schemas.openxmlformats.org/drawingml/2006/main" xmlns:r="http://schemas.openxmlformats.org/officeDocument/2006/relationships" xmlns:p="http://schemas.openxmlformats.org/presentationml/2006/main" type="blank" preserve="1">
   <p:cSld name="draw-rules">
     <p:bg>
@@ -1474,7 +996,7 @@
 </p:sldLayout>
 </file>
 
-<file path=ppt/slideLayouts/slideLayout16.xml><?xml version="1.0" encoding="utf-8"?>
+<file path=ppt/slideLayouts/slideLayout13.xml><?xml version="1.0" encoding="utf-8"?>
 <p:sldLayout xmlns:a="http://schemas.openxmlformats.org/drawingml/2006/main" xmlns:r="http://schemas.openxmlformats.org/officeDocument/2006/relationships" xmlns:p="http://schemas.openxmlformats.org/presentationml/2006/main" preserve="1" userDrawn="1">
   <p:cSld name="Intro">
     <p:spTree>
@@ -1569,8 +1091,8 @@
 </file>
 
 <file path=ppt/slideLayouts/slideLayout2.xml><?xml version="1.0" encoding="utf-8"?>
-<p:sldLayout xmlns:a="http://schemas.openxmlformats.org/drawingml/2006/main" xmlns:r="http://schemas.openxmlformats.org/officeDocument/2006/relationships" xmlns:p="http://schemas.openxmlformats.org/presentationml/2006/main" type="picTx" preserve="1">
-  <p:cSld name="Picture with Caption md">
+<p:sldLayout xmlns:a="http://schemas.openxmlformats.org/drawingml/2006/main" xmlns:r="http://schemas.openxmlformats.org/officeDocument/2006/relationships" xmlns:p="http://schemas.openxmlformats.org/presentationml/2006/main" preserve="1" userDrawn="1">
+  <p:cSld name="JibresLogo with Caption">
     <p:spTree>
       <p:nvGrpSpPr>
         <p:cNvPr id="1" name=""/>
@@ -1597,7 +1119,7 @@
         </p:nvSpPr>
         <p:spPr>
           <a:xfrm>
-            <a:off x="1080000" y="1296000"/>
+            <a:off x="8250420" y="1296000"/>
             <a:ext cx="2880000" cy="720000"/>
           </a:xfrm>
         </p:spPr>
@@ -1615,67 +1137,6 @@
               <a:rPr lang="en-US" dirty="0"/>
               <a:t>CLICK TO EDIT MASTER TITLE STYLE</a:t>
             </a:r>
-          </a:p>
-        </p:txBody>
-      </p:sp>
-      <p:sp>
-        <p:nvSpPr>
-          <p:cNvPr id="3" name="Picture Placeholder 2"/>
-          <p:cNvSpPr>
-            <a:spLocks noGrp="1"/>
-          </p:cNvSpPr>
-          <p:nvPr>
-            <p:ph type="pic" idx="1"/>
-          </p:nvPr>
-        </p:nvSpPr>
-        <p:spPr>
-          <a:xfrm>
-            <a:off x="6120000" y="1800000"/>
-            <a:ext cx="5036321" cy="3508227"/>
-          </a:xfrm>
-        </p:spPr>
-        <p:txBody>
-          <a:bodyPr/>
-          <a:lstStyle>
-            <a:lvl1pPr marL="0" indent="0">
-              <a:buNone/>
-              <a:defRPr sz="3200"/>
-            </a:lvl1pPr>
-            <a:lvl2pPr marL="457200" indent="0">
-              <a:buNone/>
-              <a:defRPr sz="2800"/>
-            </a:lvl2pPr>
-            <a:lvl3pPr marL="914400" indent="0">
-              <a:buNone/>
-              <a:defRPr sz="2400"/>
-            </a:lvl3pPr>
-            <a:lvl4pPr marL="1371600" indent="0">
-              <a:buNone/>
-              <a:defRPr sz="2000"/>
-            </a:lvl4pPr>
-            <a:lvl5pPr marL="1828800" indent="0">
-              <a:buNone/>
-              <a:defRPr sz="2000"/>
-            </a:lvl5pPr>
-            <a:lvl6pPr marL="2286000" indent="0">
-              <a:buNone/>
-              <a:defRPr sz="2000"/>
-            </a:lvl6pPr>
-            <a:lvl7pPr marL="2743200" indent="0">
-              <a:buNone/>
-              <a:defRPr sz="2000"/>
-            </a:lvl7pPr>
-            <a:lvl8pPr marL="3200400" indent="0">
-              <a:buNone/>
-              <a:defRPr sz="2000"/>
-            </a:lvl8pPr>
-            <a:lvl9pPr marL="3657600" indent="0">
-              <a:buNone/>
-              <a:defRPr sz="2000"/>
-            </a:lvl9pPr>
-          </a:lstStyle>
-          <a:p>
-            <a:endParaRPr lang="en-US" dirty="0"/>
           </a:p>
         </p:txBody>
       </p:sp>
@@ -1691,8 +1152,8 @@
         </p:nvSpPr>
         <p:spPr>
           <a:xfrm>
-            <a:off x="1080000" y="2232000"/>
-            <a:ext cx="2880000" cy="2520000"/>
+            <a:off x="8250420" y="2232000"/>
+            <a:ext cx="2880000" cy="3330000"/>
           </a:xfrm>
         </p:spPr>
         <p:txBody>
@@ -1702,7 +1163,7 @@
           <a:lstStyle>
             <a:lvl1pPr marL="0" indent="0">
               <a:lnSpc>
-                <a:spcPct val="150000"/>
+                <a:spcPct val="200000"/>
               </a:lnSpc>
               <a:spcAft>
                 <a:spcPts val="1000"/>
@@ -1767,7 +1228,7 @@
         </p:nvSpPr>
         <p:spPr>
           <a:xfrm>
-            <a:off x="8868064" y="5937599"/>
+            <a:off x="1065184" y="5937599"/>
             <a:ext cx="2268249" cy="365125"/>
           </a:xfrm>
         </p:spPr>
@@ -1779,14 +1240,52 @@
               <a:rPr lang="en-US" smtClean="0"/>
               <a:t>‹#›</a:t>
             </a:fld>
-            <a:endParaRPr lang="en-US"/>
+            <a:endParaRPr lang="en-US" dirty="0"/>
           </a:p>
         </p:txBody>
       </p:sp>
+      <p:pic>
+        <p:nvPicPr>
+          <p:cNvPr id="6" name="Graphic 5">
+            <a:extLst>
+              <a:ext uri="{FF2B5EF4-FFF2-40B4-BE49-F238E27FC236}">
+                <a16:creationId xmlns:a16="http://schemas.microsoft.com/office/drawing/2014/main" id="{DC583769-5A49-4908-AABC-4063C901E85A}"/>
+              </a:ext>
+            </a:extLst>
+          </p:cNvPr>
+          <p:cNvPicPr>
+            <a:picLocks noChangeAspect="1"/>
+          </p:cNvPicPr>
+          <p:nvPr userDrawn="1"/>
+        </p:nvPicPr>
+        <p:blipFill>
+          <a:blip r:embed="rId2" cstate="print">
+            <a:extLst>
+              <a:ext uri="{28A0092B-C50C-407E-A947-70E740481C1C}">
+                <a14:useLocalDpi xmlns:a14="http://schemas.microsoft.com/office/drawing/2010/main" val="0"/>
+              </a:ext>
+              <a:ext uri="{96DAC541-7B7A-43D3-8B79-37D633B846F1}">
+                <asvg:svgBlip xmlns:asvg="http://schemas.microsoft.com/office/drawing/2016/SVG/main" r:embed="rId3"/>
+              </a:ext>
+            </a:extLst>
+          </a:blip>
+          <a:srcRect/>
+          <a:stretch/>
+        </p:blipFill>
+        <p:spPr>
+          <a:xfrm>
+            <a:off x="1068737" y="2209671"/>
+            <a:ext cx="5040000" cy="2032258"/>
+          </a:xfrm>
+          <a:prstGeom prst="rect">
+            <a:avLst/>
+          </a:prstGeom>
+        </p:spPr>
+      </p:pic>
     </p:spTree>
     <p:extLst>
       <p:ext uri="{BB962C8B-B14F-4D97-AF65-F5344CB8AC3E}">
-        <p14:creationId xmlns:p14="http://schemas.microsoft.com/office/powerpoint/2010/main" val="782072992"/>
+        <p14:creationId xmlns:p14="http://schemas.microsoft.com/office/powerpoint/2010/main" val="1016542852"/>
       </p:ext>
     </p:extLst>
   </p:cSld>
@@ -1812,7 +1311,7 @@
 
 <file path=ppt/slideLayouts/slideLayout3.xml><?xml version="1.0" encoding="utf-8"?>
 <p:sldLayout xmlns:a="http://schemas.openxmlformats.org/drawingml/2006/main" xmlns:r="http://schemas.openxmlformats.org/officeDocument/2006/relationships" xmlns:p="http://schemas.openxmlformats.org/presentationml/2006/main" preserve="1" userDrawn="1">
-  <p:cSld name="JibresLogo with Caption">
+  <p:cSld name="1_JibresLogo with Caption">
     <p:spTree>
       <p:nvGrpSpPr>
         <p:cNvPr id="1" name=""/>
@@ -1839,7 +1338,7 @@
         </p:nvSpPr>
         <p:spPr>
           <a:xfrm>
-            <a:off x="1080000" y="1296000"/>
+            <a:off x="8250420" y="1296000"/>
             <a:ext cx="2880000" cy="720000"/>
           </a:xfrm>
         </p:spPr>
@@ -1872,8 +1371,8 @@
         </p:nvSpPr>
         <p:spPr>
           <a:xfrm>
-            <a:off x="1080000" y="2232000"/>
-            <a:ext cx="2880000" cy="2520000"/>
+            <a:off x="8250420" y="2232000"/>
+            <a:ext cx="2880000" cy="3330000"/>
           </a:xfrm>
         </p:spPr>
         <p:txBody>
@@ -1883,7 +1382,7 @@
           <a:lstStyle>
             <a:lvl1pPr marL="0" indent="0">
               <a:lnSpc>
-                <a:spcPct val="150000"/>
+                <a:spcPct val="200000"/>
               </a:lnSpc>
               <a:spcAft>
                 <a:spcPts val="1000"/>
@@ -1948,7 +1447,7 @@
         </p:nvSpPr>
         <p:spPr>
           <a:xfrm>
-            <a:off x="8868064" y="5937599"/>
+            <a:off x="1065184" y="5937599"/>
             <a:ext cx="2268249" cy="365125"/>
           </a:xfrm>
         </p:spPr>
@@ -1960,7 +1459,7 @@
               <a:rPr lang="en-US" smtClean="0"/>
               <a:t>‹#›</a:t>
             </a:fld>
-            <a:endParaRPr lang="en-US"/>
+            <a:endParaRPr lang="en-US" dirty="0"/>
           </a:p>
         </p:txBody>
       </p:sp>
@@ -1994,8 +1493,8 @@
         </p:blipFill>
         <p:spPr>
           <a:xfrm>
-            <a:off x="6105557" y="2139593"/>
-            <a:ext cx="5040000" cy="2172414"/>
+            <a:off x="2136679" y="1586166"/>
+            <a:ext cx="3240000" cy="2777142"/>
           </a:xfrm>
           <a:prstGeom prst="rect">
             <a:avLst/>
@@ -2005,7 +1504,7 @@
     </p:spTree>
     <p:extLst>
       <p:ext uri="{BB962C8B-B14F-4D97-AF65-F5344CB8AC3E}">
-        <p14:creationId xmlns:p14="http://schemas.microsoft.com/office/powerpoint/2010/main" val="1016542852"/>
+        <p14:creationId xmlns:p14="http://schemas.microsoft.com/office/powerpoint/2010/main" val="2303007461"/>
       </p:ext>
     </p:extLst>
   </p:cSld>
@@ -2031,7 +1530,7 @@
 
 <file path=ppt/slideLayouts/slideLayout4.xml><?xml version="1.0" encoding="utf-8"?>
 <p:sldLayout xmlns:a="http://schemas.openxmlformats.org/drawingml/2006/main" xmlns:r="http://schemas.openxmlformats.org/officeDocument/2006/relationships" xmlns:p="http://schemas.openxmlformats.org/presentationml/2006/main" preserve="1" userDrawn="1">
-  <p:cSld name="1_JibresLogo with Caption">
+  <p:cSld name="2_JibresLogo with Caption">
     <p:spTree>
       <p:nvGrpSpPr>
         <p:cNvPr id="1" name=""/>
@@ -2058,7 +1557,7 @@
         </p:nvSpPr>
         <p:spPr>
           <a:xfrm>
-            <a:off x="1080000" y="1296000"/>
+            <a:off x="8250420" y="1296000"/>
             <a:ext cx="2880000" cy="720000"/>
           </a:xfrm>
         </p:spPr>
@@ -2091,8 +1590,8 @@
         </p:nvSpPr>
         <p:spPr>
           <a:xfrm>
-            <a:off x="1080000" y="2232000"/>
-            <a:ext cx="2880000" cy="2520000"/>
+            <a:off x="8250420" y="2232000"/>
+            <a:ext cx="2880000" cy="3391560"/>
           </a:xfrm>
         </p:spPr>
         <p:txBody>
@@ -2102,7 +1601,7 @@
           <a:lstStyle>
             <a:lvl1pPr marL="0" indent="0">
               <a:lnSpc>
-                <a:spcPct val="150000"/>
+                <a:spcPct val="200000"/>
               </a:lnSpc>
               <a:spcAft>
                 <a:spcPts val="1000"/>
@@ -2167,7 +1666,7 @@
         </p:nvSpPr>
         <p:spPr>
           <a:xfrm>
-            <a:off x="8868064" y="5937599"/>
+            <a:off x="1065184" y="5937599"/>
             <a:ext cx="2268249" cy="365125"/>
           </a:xfrm>
         </p:spPr>
@@ -2179,7 +1678,7 @@
               <a:rPr lang="en-US" smtClean="0"/>
               <a:t>‹#›</a:t>
             </a:fld>
-            <a:endParaRPr lang="en-US"/>
+            <a:endParaRPr lang="en-US" dirty="0"/>
           </a:p>
         </p:txBody>
       </p:sp>
@@ -2213,226 +1712,7 @@
         </p:blipFill>
         <p:spPr>
           <a:xfrm>
-            <a:off x="6838219" y="1440000"/>
-            <a:ext cx="3240000" cy="3069474"/>
-          </a:xfrm>
-          <a:prstGeom prst="rect">
-            <a:avLst/>
-          </a:prstGeom>
-        </p:spPr>
-      </p:pic>
-    </p:spTree>
-    <p:extLst>
-      <p:ext uri="{BB962C8B-B14F-4D97-AF65-F5344CB8AC3E}">
-        <p14:creationId xmlns:p14="http://schemas.microsoft.com/office/powerpoint/2010/main" val="2303007461"/>
-      </p:ext>
-    </p:extLst>
-  </p:cSld>
-  <p:clrMapOvr>
-    <a:masterClrMapping/>
-  </p:clrMapOvr>
-  <p:transition spd="slow">
-    <p:push dir="u"/>
-  </p:transition>
-  <p:extLst>
-    <p:ext uri="{DCECCB84-F9BA-43D5-87BE-67443E8EF086}">
-      <p15:sldGuideLst xmlns:p15="http://schemas.microsoft.com/office/powerpoint/2012/main">
-        <p15:guide id="1" pos="3840">
-          <p15:clr>
-            <a:srgbClr val="FBAE40"/>
-          </p15:clr>
-        </p15:guide>
-      </p15:sldGuideLst>
-    </p:ext>
-  </p:extLst>
-</p:sldLayout>
-</file>
-
-<file path=ppt/slideLayouts/slideLayout5.xml><?xml version="1.0" encoding="utf-8"?>
-<p:sldLayout xmlns:a="http://schemas.openxmlformats.org/drawingml/2006/main" xmlns:r="http://schemas.openxmlformats.org/officeDocument/2006/relationships" xmlns:p="http://schemas.openxmlformats.org/presentationml/2006/main" preserve="1" userDrawn="1">
-  <p:cSld name="2_JibresLogo with Caption">
-    <p:spTree>
-      <p:nvGrpSpPr>
-        <p:cNvPr id="1" name=""/>
-        <p:cNvGrpSpPr/>
-        <p:nvPr/>
-      </p:nvGrpSpPr>
-      <p:grpSpPr>
-        <a:xfrm>
-          <a:off x="0" y="0"/>
-          <a:ext cx="0" cy="0"/>
-          <a:chOff x="0" y="0"/>
-          <a:chExt cx="0" cy="0"/>
-        </a:xfrm>
-      </p:grpSpPr>
-      <p:sp>
-        <p:nvSpPr>
-          <p:cNvPr id="2" name="Title 1"/>
-          <p:cNvSpPr>
-            <a:spLocks noGrp="1"/>
-          </p:cNvSpPr>
-          <p:nvPr>
-            <p:ph type="title" hasCustomPrompt="1"/>
-          </p:nvPr>
-        </p:nvSpPr>
-        <p:spPr>
-          <a:xfrm>
-            <a:off x="1080000" y="1296000"/>
-            <a:ext cx="2880000" cy="720000"/>
-          </a:xfrm>
-        </p:spPr>
-        <p:txBody>
-          <a:bodyPr anchor="b">
-            <a:noAutofit/>
-          </a:bodyPr>
-          <a:lstStyle>
-            <a:lvl1pPr>
-              <a:defRPr sz="2000" b="0"/>
-            </a:lvl1pPr>
-          </a:lstStyle>
-          <a:p>
-            <a:r>
-              <a:rPr lang="en-US" dirty="0"/>
-              <a:t>CLICK TO EDIT MASTER TITLE STYLE</a:t>
-            </a:r>
-          </a:p>
-        </p:txBody>
-      </p:sp>
-      <p:sp>
-        <p:nvSpPr>
-          <p:cNvPr id="4" name="Text Placeholder 3"/>
-          <p:cNvSpPr>
-            <a:spLocks noGrp="1"/>
-          </p:cNvSpPr>
-          <p:nvPr>
-            <p:ph type="body" sz="half" idx="2"/>
-          </p:nvPr>
-        </p:nvSpPr>
-        <p:spPr>
-          <a:xfrm>
-            <a:off x="1080000" y="2232000"/>
-            <a:ext cx="2880000" cy="2520000"/>
-          </a:xfrm>
-        </p:spPr>
-        <p:txBody>
-          <a:bodyPr>
-            <a:normAutofit/>
-          </a:bodyPr>
-          <a:lstStyle>
-            <a:lvl1pPr marL="0" indent="0">
-              <a:lnSpc>
-                <a:spcPct val="150000"/>
-              </a:lnSpc>
-              <a:spcAft>
-                <a:spcPts val="1000"/>
-              </a:spcAft>
-              <a:buNone/>
-              <a:defRPr sz="1200">
-                <a:latin typeface="IRANSans Light" panose="020B0506030804020204" pitchFamily="34" charset="-78"/>
-                <a:cs typeface="IRANSans Light" panose="020B0506030804020204" pitchFamily="34" charset="-78"/>
-              </a:defRPr>
-            </a:lvl1pPr>
-            <a:lvl2pPr marL="457200" indent="0">
-              <a:buNone/>
-              <a:defRPr sz="1400"/>
-            </a:lvl2pPr>
-            <a:lvl3pPr marL="914400" indent="0">
-              <a:buNone/>
-              <a:defRPr sz="1200"/>
-            </a:lvl3pPr>
-            <a:lvl4pPr marL="1371600" indent="0">
-              <a:buNone/>
-              <a:defRPr sz="1000"/>
-            </a:lvl4pPr>
-            <a:lvl5pPr marL="1828800" indent="0">
-              <a:buNone/>
-              <a:defRPr sz="1000"/>
-            </a:lvl5pPr>
-            <a:lvl6pPr marL="2286000" indent="0">
-              <a:buNone/>
-              <a:defRPr sz="1000"/>
-            </a:lvl6pPr>
-            <a:lvl7pPr marL="2743200" indent="0">
-              <a:buNone/>
-              <a:defRPr sz="1000"/>
-            </a:lvl7pPr>
-            <a:lvl8pPr marL="3200400" indent="0">
-              <a:buNone/>
-              <a:defRPr sz="1000"/>
-            </a:lvl8pPr>
-            <a:lvl9pPr marL="3657600" indent="0">
-              <a:buNone/>
-              <a:defRPr sz="1000"/>
-            </a:lvl9pPr>
-          </a:lstStyle>
-          <a:p>
-            <a:pPr lvl="0"/>
-            <a:r>
-              <a:rPr lang="en-US" dirty="0"/>
-              <a:t>Edit Master text styles</a:t>
-            </a:r>
-          </a:p>
-        </p:txBody>
-      </p:sp>
-      <p:sp>
-        <p:nvSpPr>
-          <p:cNvPr id="7" name="Slide Number Placeholder 6"/>
-          <p:cNvSpPr>
-            <a:spLocks noGrp="1"/>
-          </p:cNvSpPr>
-          <p:nvPr>
-            <p:ph type="sldNum" sz="quarter" idx="12"/>
-          </p:nvPr>
-        </p:nvSpPr>
-        <p:spPr>
-          <a:xfrm>
-            <a:off x="8868064" y="5937599"/>
-            <a:ext cx="2268249" cy="365125"/>
-          </a:xfrm>
-        </p:spPr>
-        <p:txBody>
-          <a:bodyPr/>
-          <a:lstStyle/>
-          <a:p>
-            <a:fld id="{6B8230D4-A52F-48C3-88BB-7CF0A26BA1C5}" type="slidenum">
-              <a:rPr lang="en-US" smtClean="0"/>
-              <a:t>‹#›</a:t>
-            </a:fld>
-            <a:endParaRPr lang="en-US"/>
-          </a:p>
-        </p:txBody>
-      </p:sp>
-      <p:pic>
-        <p:nvPicPr>
-          <p:cNvPr id="6" name="Graphic 5">
-            <a:extLst>
-              <a:ext uri="{FF2B5EF4-FFF2-40B4-BE49-F238E27FC236}">
-                <a16:creationId xmlns:a16="http://schemas.microsoft.com/office/drawing/2014/main" id="{DC583769-5A49-4908-AABC-4063C901E85A}"/>
-              </a:ext>
-            </a:extLst>
-          </p:cNvPr>
-          <p:cNvPicPr>
-            <a:picLocks noChangeAspect="1"/>
-          </p:cNvPicPr>
-          <p:nvPr userDrawn="1"/>
-        </p:nvPicPr>
-        <p:blipFill>
-          <a:blip r:embed="rId2" cstate="print">
-            <a:extLst>
-              <a:ext uri="{28A0092B-C50C-407E-A947-70E740481C1C}">
-                <a14:useLocalDpi xmlns:a14="http://schemas.microsoft.com/office/drawing/2010/main" val="0"/>
-              </a:ext>
-              <a:ext uri="{96DAC541-7B7A-43D3-8B79-37D633B846F1}">
-                <asvg:svgBlip xmlns:asvg="http://schemas.microsoft.com/office/drawing/2016/SVG/main" r:embed="rId3"/>
-              </a:ext>
-            </a:extLst>
-          </a:blip>
-          <a:srcRect/>
-          <a:stretch/>
-        </p:blipFill>
-        <p:spPr>
-          <a:xfrm>
-            <a:off x="6795185" y="1722300"/>
+            <a:off x="2505125" y="1722300"/>
             <a:ext cx="2880000" cy="2880000"/>
           </a:xfrm>
           <a:prstGeom prst="rect">
@@ -2467,460 +1747,7 @@
 </p:sldLayout>
 </file>
 
-<file path=ppt/slideLayouts/slideLayout6.xml><?xml version="1.0" encoding="utf-8"?>
-<p:sldLayout xmlns:a="http://schemas.openxmlformats.org/drawingml/2006/main" xmlns:r="http://schemas.openxmlformats.org/officeDocument/2006/relationships" xmlns:p="http://schemas.openxmlformats.org/presentationml/2006/main" preserve="1" userDrawn="1">
-  <p:cSld name="3_JibresLogo with Caption">
-    <p:spTree>
-      <p:nvGrpSpPr>
-        <p:cNvPr id="1" name=""/>
-        <p:cNvGrpSpPr/>
-        <p:nvPr/>
-      </p:nvGrpSpPr>
-      <p:grpSpPr>
-        <a:xfrm>
-          <a:off x="0" y="0"/>
-          <a:ext cx="0" cy="0"/>
-          <a:chOff x="0" y="0"/>
-          <a:chExt cx="0" cy="0"/>
-        </a:xfrm>
-      </p:grpSpPr>
-      <p:sp>
-        <p:nvSpPr>
-          <p:cNvPr id="2" name="Title 1"/>
-          <p:cNvSpPr>
-            <a:spLocks noGrp="1"/>
-          </p:cNvSpPr>
-          <p:nvPr>
-            <p:ph type="title" hasCustomPrompt="1"/>
-          </p:nvPr>
-        </p:nvSpPr>
-        <p:spPr>
-          <a:xfrm>
-            <a:off x="1080000" y="1296000"/>
-            <a:ext cx="2880000" cy="720000"/>
-          </a:xfrm>
-        </p:spPr>
-        <p:txBody>
-          <a:bodyPr anchor="b">
-            <a:noAutofit/>
-          </a:bodyPr>
-          <a:lstStyle>
-            <a:lvl1pPr>
-              <a:defRPr sz="2000" b="0"/>
-            </a:lvl1pPr>
-          </a:lstStyle>
-          <a:p>
-            <a:r>
-              <a:rPr lang="en-US" dirty="0"/>
-              <a:t>CLICK TO EDIT MASTER TITLE STYLE</a:t>
-            </a:r>
-          </a:p>
-        </p:txBody>
-      </p:sp>
-      <p:sp>
-        <p:nvSpPr>
-          <p:cNvPr id="4" name="Text Placeholder 3"/>
-          <p:cNvSpPr>
-            <a:spLocks noGrp="1"/>
-          </p:cNvSpPr>
-          <p:nvPr>
-            <p:ph type="body" sz="half" idx="2"/>
-          </p:nvPr>
-        </p:nvSpPr>
-        <p:spPr>
-          <a:xfrm>
-            <a:off x="1080000" y="2232000"/>
-            <a:ext cx="2880000" cy="2520000"/>
-          </a:xfrm>
-        </p:spPr>
-        <p:txBody>
-          <a:bodyPr>
-            <a:normAutofit/>
-          </a:bodyPr>
-          <a:lstStyle>
-            <a:lvl1pPr marL="0" indent="0">
-              <a:lnSpc>
-                <a:spcPct val="150000"/>
-              </a:lnSpc>
-              <a:spcAft>
-                <a:spcPts val="1000"/>
-              </a:spcAft>
-              <a:buNone/>
-              <a:defRPr sz="1200">
-                <a:latin typeface="IRANSans Light" panose="020B0506030804020204" pitchFamily="34" charset="-78"/>
-                <a:cs typeface="IRANSans Light" panose="020B0506030804020204" pitchFamily="34" charset="-78"/>
-              </a:defRPr>
-            </a:lvl1pPr>
-            <a:lvl2pPr marL="457200" indent="0">
-              <a:buNone/>
-              <a:defRPr sz="1400"/>
-            </a:lvl2pPr>
-            <a:lvl3pPr marL="914400" indent="0">
-              <a:buNone/>
-              <a:defRPr sz="1200"/>
-            </a:lvl3pPr>
-            <a:lvl4pPr marL="1371600" indent="0">
-              <a:buNone/>
-              <a:defRPr sz="1000"/>
-            </a:lvl4pPr>
-            <a:lvl5pPr marL="1828800" indent="0">
-              <a:buNone/>
-              <a:defRPr sz="1000"/>
-            </a:lvl5pPr>
-            <a:lvl6pPr marL="2286000" indent="0">
-              <a:buNone/>
-              <a:defRPr sz="1000"/>
-            </a:lvl6pPr>
-            <a:lvl7pPr marL="2743200" indent="0">
-              <a:buNone/>
-              <a:defRPr sz="1000"/>
-            </a:lvl7pPr>
-            <a:lvl8pPr marL="3200400" indent="0">
-              <a:buNone/>
-              <a:defRPr sz="1000"/>
-            </a:lvl8pPr>
-            <a:lvl9pPr marL="3657600" indent="0">
-              <a:buNone/>
-              <a:defRPr sz="1000"/>
-            </a:lvl9pPr>
-          </a:lstStyle>
-          <a:p>
-            <a:pPr lvl="0"/>
-            <a:r>
-              <a:rPr lang="en-US" dirty="0"/>
-              <a:t>Edit Master text styles</a:t>
-            </a:r>
-          </a:p>
-        </p:txBody>
-      </p:sp>
-      <p:sp>
-        <p:nvSpPr>
-          <p:cNvPr id="7" name="Slide Number Placeholder 6"/>
-          <p:cNvSpPr>
-            <a:spLocks noGrp="1"/>
-          </p:cNvSpPr>
-          <p:nvPr>
-            <p:ph type="sldNum" sz="quarter" idx="12"/>
-          </p:nvPr>
-        </p:nvSpPr>
-        <p:spPr>
-          <a:xfrm>
-            <a:off x="8868064" y="5937599"/>
-            <a:ext cx="2268249" cy="365125"/>
-          </a:xfrm>
-        </p:spPr>
-        <p:txBody>
-          <a:bodyPr/>
-          <a:lstStyle/>
-          <a:p>
-            <a:fld id="{6B8230D4-A52F-48C3-88BB-7CF0A26BA1C5}" type="slidenum">
-              <a:rPr lang="en-US" smtClean="0"/>
-              <a:t>‹#›</a:t>
-            </a:fld>
-            <a:endParaRPr lang="en-US"/>
-          </a:p>
-        </p:txBody>
-      </p:sp>
-      <p:pic>
-        <p:nvPicPr>
-          <p:cNvPr id="6" name="Graphic 5">
-            <a:extLst>
-              <a:ext uri="{FF2B5EF4-FFF2-40B4-BE49-F238E27FC236}">
-                <a16:creationId xmlns:a16="http://schemas.microsoft.com/office/drawing/2014/main" id="{DC583769-5A49-4908-AABC-4063C901E85A}"/>
-              </a:ext>
-            </a:extLst>
-          </p:cNvPr>
-          <p:cNvPicPr>
-            <a:picLocks noChangeAspect="1"/>
-          </p:cNvPicPr>
-          <p:nvPr userDrawn="1"/>
-        </p:nvPicPr>
-        <p:blipFill>
-          <a:blip r:embed="rId2" cstate="print">
-            <a:extLst>
-              <a:ext uri="{28A0092B-C50C-407E-A947-70E740481C1C}">
-                <a14:useLocalDpi xmlns:a14="http://schemas.microsoft.com/office/drawing/2010/main" val="0"/>
-              </a:ext>
-              <a:ext uri="{96DAC541-7B7A-43D3-8B79-37D633B846F1}">
-                <asvg:svgBlip xmlns:asvg="http://schemas.microsoft.com/office/drawing/2016/SVG/main" r:embed="rId3"/>
-              </a:ext>
-            </a:extLst>
-          </a:blip>
-          <a:srcRect/>
-          <a:stretch/>
-        </p:blipFill>
-        <p:spPr>
-          <a:xfrm>
-            <a:off x="5521865" y="252417"/>
-            <a:ext cx="5400000" cy="5400000"/>
-          </a:xfrm>
-          <a:prstGeom prst="rect">
-            <a:avLst/>
-          </a:prstGeom>
-        </p:spPr>
-      </p:pic>
-    </p:spTree>
-    <p:extLst>
-      <p:ext uri="{BB962C8B-B14F-4D97-AF65-F5344CB8AC3E}">
-        <p14:creationId xmlns:p14="http://schemas.microsoft.com/office/powerpoint/2010/main" val="2271934034"/>
-      </p:ext>
-    </p:extLst>
-  </p:cSld>
-  <p:clrMapOvr>
-    <a:masterClrMapping/>
-  </p:clrMapOvr>
-  <p:transition spd="slow">
-    <p:push/>
-  </p:transition>
-  <p:extLst>
-    <p:ext uri="{DCECCB84-F9BA-43D5-87BE-67443E8EF086}">
-      <p15:sldGuideLst xmlns:p15="http://schemas.microsoft.com/office/powerpoint/2012/main">
-        <p15:guide id="1" pos="3840">
-          <p15:clr>
-            <a:srgbClr val="FBAE40"/>
-          </p15:clr>
-        </p15:guide>
-      </p15:sldGuideLst>
-    </p:ext>
-  </p:extLst>
-</p:sldLayout>
-</file>
-
-<file path=ppt/slideLayouts/slideLayout7.xml><?xml version="1.0" encoding="utf-8"?>
-<p:sldLayout xmlns:a="http://schemas.openxmlformats.org/drawingml/2006/main" xmlns:r="http://schemas.openxmlformats.org/officeDocument/2006/relationships" xmlns:p="http://schemas.openxmlformats.org/presentationml/2006/main" preserve="1" userDrawn="1">
-  <p:cSld name="1_Picture with Caption">
-    <p:spTree>
-      <p:nvGrpSpPr>
-        <p:cNvPr id="1" name=""/>
-        <p:cNvGrpSpPr/>
-        <p:nvPr/>
-      </p:nvGrpSpPr>
-      <p:grpSpPr>
-        <a:xfrm>
-          <a:off x="0" y="0"/>
-          <a:ext cx="0" cy="0"/>
-          <a:chOff x="0" y="0"/>
-          <a:chExt cx="0" cy="0"/>
-        </a:xfrm>
-      </p:grpSpPr>
-      <p:sp>
-        <p:nvSpPr>
-          <p:cNvPr id="2" name="Title 1"/>
-          <p:cNvSpPr>
-            <a:spLocks noGrp="1"/>
-          </p:cNvSpPr>
-          <p:nvPr>
-            <p:ph type="title"/>
-          </p:nvPr>
-        </p:nvSpPr>
-        <p:spPr>
-          <a:xfrm>
-            <a:off x="1059679" y="1273324"/>
-            <a:ext cx="3712346" cy="700348"/>
-          </a:xfrm>
-        </p:spPr>
-        <p:txBody>
-          <a:bodyPr anchor="t">
-            <a:noAutofit/>
-          </a:bodyPr>
-          <a:lstStyle>
-            <a:lvl1pPr>
-              <a:defRPr sz="2000" b="0"/>
-            </a:lvl1pPr>
-          </a:lstStyle>
-          <a:p>
-            <a:r>
-              <a:rPr lang="en-US" dirty="0"/>
-              <a:t>Click to edit Master title style</a:t>
-            </a:r>
-          </a:p>
-        </p:txBody>
-      </p:sp>
-      <p:sp>
-        <p:nvSpPr>
-          <p:cNvPr id="4" name="Text Placeholder 3"/>
-          <p:cNvSpPr>
-            <a:spLocks noGrp="1"/>
-          </p:cNvSpPr>
-          <p:nvPr>
-            <p:ph type="body" sz="half" idx="2"/>
-          </p:nvPr>
-        </p:nvSpPr>
-        <p:spPr>
-          <a:xfrm>
-            <a:off x="1059679" y="2057400"/>
-            <a:ext cx="3712346" cy="3779378"/>
-          </a:xfrm>
-        </p:spPr>
-        <p:txBody>
-          <a:bodyPr>
-            <a:normAutofit/>
-          </a:bodyPr>
-          <a:lstStyle>
-            <a:lvl1pPr marL="0" indent="0">
-              <a:lnSpc>
-                <a:spcPct val="150000"/>
-              </a:lnSpc>
-              <a:spcAft>
-                <a:spcPts val="1000"/>
-              </a:spcAft>
-              <a:buNone/>
-              <a:defRPr sz="1200">
-                <a:latin typeface="IRANSans Light" panose="020B0506030804020204" pitchFamily="34" charset="-78"/>
-                <a:cs typeface="IRANSans Light" panose="020B0506030804020204" pitchFamily="34" charset="-78"/>
-              </a:defRPr>
-            </a:lvl1pPr>
-            <a:lvl2pPr marL="457200" indent="0">
-              <a:buNone/>
-              <a:defRPr sz="1400"/>
-            </a:lvl2pPr>
-            <a:lvl3pPr marL="914400" indent="0">
-              <a:buNone/>
-              <a:defRPr sz="1200"/>
-            </a:lvl3pPr>
-            <a:lvl4pPr marL="1371600" indent="0">
-              <a:buNone/>
-              <a:defRPr sz="1000"/>
-            </a:lvl4pPr>
-            <a:lvl5pPr marL="1828800" indent="0">
-              <a:buNone/>
-              <a:defRPr sz="1000"/>
-            </a:lvl5pPr>
-            <a:lvl6pPr marL="2286000" indent="0">
-              <a:buNone/>
-              <a:defRPr sz="1000"/>
-            </a:lvl6pPr>
-            <a:lvl7pPr marL="2743200" indent="0">
-              <a:buNone/>
-              <a:defRPr sz="1000"/>
-            </a:lvl7pPr>
-            <a:lvl8pPr marL="3200400" indent="0">
-              <a:buNone/>
-              <a:defRPr sz="1000"/>
-            </a:lvl8pPr>
-            <a:lvl9pPr marL="3657600" indent="0">
-              <a:buNone/>
-              <a:defRPr sz="1000"/>
-            </a:lvl9pPr>
-          </a:lstStyle>
-          <a:p>
-            <a:pPr lvl="0"/>
-            <a:r>
-              <a:rPr lang="en-US" dirty="0"/>
-              <a:t>Edit Master text styles</a:t>
-            </a:r>
-          </a:p>
-        </p:txBody>
-      </p:sp>
-      <p:sp>
-        <p:nvSpPr>
-          <p:cNvPr id="7" name="Slide Number Placeholder 6"/>
-          <p:cNvSpPr>
-            <a:spLocks noGrp="1"/>
-          </p:cNvSpPr>
-          <p:nvPr>
-            <p:ph type="sldNum" sz="quarter" idx="12"/>
-          </p:nvPr>
-        </p:nvSpPr>
-        <p:spPr>
-          <a:xfrm>
-            <a:off x="8868064" y="5937599"/>
-            <a:ext cx="2268249" cy="365125"/>
-          </a:xfrm>
-        </p:spPr>
-        <p:txBody>
-          <a:bodyPr/>
-          <a:lstStyle/>
-          <a:p>
-            <a:fld id="{6B8230D4-A52F-48C3-88BB-7CF0A26BA1C5}" type="slidenum">
-              <a:rPr lang="en-US" smtClean="0"/>
-              <a:t>‹#›</a:t>
-            </a:fld>
-            <a:endParaRPr lang="en-US"/>
-          </a:p>
-        </p:txBody>
-      </p:sp>
-      <p:sp>
-        <p:nvSpPr>
-          <p:cNvPr id="6" name="Content Placeholder 5">
-            <a:extLst>
-              <a:ext uri="{FF2B5EF4-FFF2-40B4-BE49-F238E27FC236}">
-                <a16:creationId xmlns:a16="http://schemas.microsoft.com/office/drawing/2014/main" id="{70779BCD-9680-4E19-9C78-549D0760B83D}"/>
-              </a:ext>
-            </a:extLst>
-          </p:cNvPr>
-          <p:cNvSpPr>
-            <a:spLocks noGrp="1"/>
-          </p:cNvSpPr>
-          <p:nvPr>
-            <p:ph sz="quarter" idx="13"/>
-          </p:nvPr>
-        </p:nvSpPr>
-        <p:spPr>
-          <a:xfrm>
-            <a:off x="7560000" y="1980000"/>
-            <a:ext cx="2881459" cy="2871794"/>
-          </a:xfrm>
-        </p:spPr>
-        <p:txBody>
-          <a:bodyPr>
-            <a:noAutofit/>
-          </a:bodyPr>
-          <a:lstStyle>
-            <a:lvl1pPr marL="0" indent="0">
-              <a:buNone/>
-              <a:defRPr sz="1400"/>
-            </a:lvl1pPr>
-            <a:lvl2pPr>
-              <a:defRPr sz="1200"/>
-            </a:lvl2pPr>
-            <a:lvl3pPr>
-              <a:defRPr sz="1100"/>
-            </a:lvl3pPr>
-            <a:lvl4pPr>
-              <a:defRPr sz="1050"/>
-            </a:lvl4pPr>
-            <a:lvl5pPr>
-              <a:defRPr sz="1050"/>
-            </a:lvl5pPr>
-          </a:lstStyle>
-          <a:p>
-            <a:pPr lvl="0"/>
-            <a:r>
-              <a:rPr lang="en-US" dirty="0"/>
-              <a:t>Click to edit Master text styles</a:t>
-            </a:r>
-          </a:p>
-        </p:txBody>
-      </p:sp>
-    </p:spTree>
-    <p:extLst>
-      <p:ext uri="{BB962C8B-B14F-4D97-AF65-F5344CB8AC3E}">
-        <p14:creationId xmlns:p14="http://schemas.microsoft.com/office/powerpoint/2010/main" val="3948050768"/>
-      </p:ext>
-    </p:extLst>
-  </p:cSld>
-  <p:clrMapOvr>
-    <a:masterClrMapping/>
-  </p:clrMapOvr>
-  <p:transition spd="slow">
-    <p:push dir="u"/>
-  </p:transition>
-  <p:extLst>
-    <p:ext uri="{DCECCB84-F9BA-43D5-87BE-67443E8EF086}">
-      <p15:sldGuideLst xmlns:p15="http://schemas.microsoft.com/office/powerpoint/2012/main">
-        <p15:guide id="1" pos="3840">
-          <p15:clr>
-            <a:srgbClr val="FBAE40"/>
-          </p15:clr>
-        </p15:guide>
-      </p15:sldGuideLst>
-    </p:ext>
-  </p:extLst>
-</p:sldLayout>
-</file>
-
-<file path=ppt/slideLayouts/slideLayout8.xml><?xml version="1.0" encoding="utf-8"?>
+<file path=ppt/slideLayouts/slideLayout5.xml><?xml version="1.0" encoding="utf-8"?>
 <p:sldLayout xmlns:a="http://schemas.openxmlformats.org/drawingml/2006/main" xmlns:r="http://schemas.openxmlformats.org/officeDocument/2006/relationships" xmlns:p="http://schemas.openxmlformats.org/presentationml/2006/main" type="secHead" preserve="1">
   <p:cSld name="Section Header">
     <p:spTree>
@@ -3153,7 +1980,7 @@
 </p:sldLayout>
 </file>
 
-<file path=ppt/slideLayouts/slideLayout9.xml><?xml version="1.0" encoding="utf-8"?>
+<file path=ppt/slideLayouts/slideLayout6.xml><?xml version="1.0" encoding="utf-8"?>
 <p:sldLayout xmlns:a="http://schemas.openxmlformats.org/drawingml/2006/main" xmlns:r="http://schemas.openxmlformats.org/officeDocument/2006/relationships" xmlns:p="http://schemas.openxmlformats.org/presentationml/2006/main" type="title" preserve="1">
   <p:cSld name="Title Slide">
     <p:spTree>
@@ -3331,6 +2158,484 @@
 </p:sldLayout>
 </file>
 
+<file path=ppt/slideLayouts/slideLayout7.xml><?xml version="1.0" encoding="utf-8"?>
+<p:sldLayout xmlns:a="http://schemas.openxmlformats.org/drawingml/2006/main" xmlns:r="http://schemas.openxmlformats.org/officeDocument/2006/relationships" xmlns:p="http://schemas.openxmlformats.org/presentationml/2006/main" type="obj" preserve="1">
+  <p:cSld name="Title and Content">
+    <p:spTree>
+      <p:nvGrpSpPr>
+        <p:cNvPr id="1" name=""/>
+        <p:cNvGrpSpPr/>
+        <p:nvPr/>
+      </p:nvGrpSpPr>
+      <p:grpSpPr>
+        <a:xfrm>
+          <a:off x="0" y="0"/>
+          <a:ext cx="0" cy="0"/>
+          <a:chOff x="0" y="0"/>
+          <a:chExt cx="0" cy="0"/>
+        </a:xfrm>
+      </p:grpSpPr>
+      <p:sp>
+        <p:nvSpPr>
+          <p:cNvPr id="2" name="Title 1"/>
+          <p:cNvSpPr>
+            <a:spLocks noGrp="1"/>
+          </p:cNvSpPr>
+          <p:nvPr>
+            <p:ph type="title"/>
+          </p:nvPr>
+        </p:nvSpPr>
+        <p:spPr/>
+        <p:txBody>
+          <a:bodyPr/>
+          <a:lstStyle/>
+          <a:p>
+            <a:r>
+              <a:rPr lang="en-US"/>
+              <a:t>Click to edit Master title style</a:t>
+            </a:r>
+          </a:p>
+        </p:txBody>
+      </p:sp>
+      <p:sp>
+        <p:nvSpPr>
+          <p:cNvPr id="3" name="Content Placeholder 2"/>
+          <p:cNvSpPr>
+            <a:spLocks noGrp="1"/>
+          </p:cNvSpPr>
+          <p:nvPr>
+            <p:ph idx="1"/>
+          </p:nvPr>
+        </p:nvSpPr>
+        <p:spPr/>
+        <p:txBody>
+          <a:bodyPr/>
+          <a:lstStyle/>
+          <a:p>
+            <a:pPr lvl="0"/>
+            <a:r>
+              <a:rPr lang="en-US"/>
+              <a:t>Edit Master text styles</a:t>
+            </a:r>
+          </a:p>
+          <a:p>
+            <a:pPr lvl="1"/>
+            <a:r>
+              <a:rPr lang="en-US"/>
+              <a:t>Second level</a:t>
+            </a:r>
+          </a:p>
+          <a:p>
+            <a:pPr lvl="2"/>
+            <a:r>
+              <a:rPr lang="en-US"/>
+              <a:t>Third level</a:t>
+            </a:r>
+          </a:p>
+          <a:p>
+            <a:pPr lvl="3"/>
+            <a:r>
+              <a:rPr lang="en-US"/>
+              <a:t>Fourth level</a:t>
+            </a:r>
+          </a:p>
+          <a:p>
+            <a:pPr lvl="4"/>
+            <a:r>
+              <a:rPr lang="en-US"/>
+              <a:t>Fifth level</a:t>
+            </a:r>
+          </a:p>
+        </p:txBody>
+      </p:sp>
+      <p:sp>
+        <p:nvSpPr>
+          <p:cNvPr id="5" name="Footer Placeholder 4"/>
+          <p:cNvSpPr>
+            <a:spLocks noGrp="1"/>
+          </p:cNvSpPr>
+          <p:nvPr>
+            <p:ph type="ftr" sz="quarter" idx="11"/>
+          </p:nvPr>
+        </p:nvSpPr>
+        <p:spPr>
+          <a:xfrm>
+            <a:off x="1055687" y="5943599"/>
+            <a:ext cx="3033045" cy="365125"/>
+          </a:xfrm>
+          <a:prstGeom prst="rect">
+            <a:avLst/>
+          </a:prstGeom>
+        </p:spPr>
+        <p:txBody>
+          <a:bodyPr/>
+          <a:lstStyle/>
+          <a:p>
+            <a:endParaRPr lang="en-US"/>
+          </a:p>
+        </p:txBody>
+      </p:sp>
+      <p:sp>
+        <p:nvSpPr>
+          <p:cNvPr id="6" name="Slide Number Placeholder 5"/>
+          <p:cNvSpPr>
+            <a:spLocks noGrp="1"/>
+          </p:cNvSpPr>
+          <p:nvPr>
+            <p:ph type="sldNum" sz="quarter" idx="12"/>
+          </p:nvPr>
+        </p:nvSpPr>
+        <p:spPr/>
+        <p:txBody>
+          <a:bodyPr/>
+          <a:lstStyle/>
+          <a:p>
+            <a:fld id="{6B8230D4-A52F-48C3-88BB-7CF0A26BA1C5}" type="slidenum">
+              <a:rPr lang="en-US" smtClean="0"/>
+              <a:t>‹#›</a:t>
+            </a:fld>
+            <a:endParaRPr lang="en-US"/>
+          </a:p>
+        </p:txBody>
+      </p:sp>
+    </p:spTree>
+    <p:extLst>
+      <p:ext uri="{BB962C8B-B14F-4D97-AF65-F5344CB8AC3E}">
+        <p14:creationId xmlns:p14="http://schemas.microsoft.com/office/powerpoint/2010/main" val="751939655"/>
+      </p:ext>
+    </p:extLst>
+  </p:cSld>
+  <p:clrMapOvr>
+    <a:masterClrMapping/>
+  </p:clrMapOvr>
+  <p:transition spd="slow">
+    <p:push dir="u"/>
+  </p:transition>
+</p:sldLayout>
+</file>
+
+<file path=ppt/slideLayouts/slideLayout8.xml><?xml version="1.0" encoding="utf-8"?>
+<p:sldLayout xmlns:a="http://schemas.openxmlformats.org/drawingml/2006/main" xmlns:r="http://schemas.openxmlformats.org/officeDocument/2006/relationships" xmlns:p="http://schemas.openxmlformats.org/presentationml/2006/main" type="twoObj" preserve="1">
+  <p:cSld name="Two Content">
+    <p:spTree>
+      <p:nvGrpSpPr>
+        <p:cNvPr id="1" name=""/>
+        <p:cNvGrpSpPr/>
+        <p:nvPr/>
+      </p:nvGrpSpPr>
+      <p:grpSpPr>
+        <a:xfrm>
+          <a:off x="0" y="0"/>
+          <a:ext cx="0" cy="0"/>
+          <a:chOff x="0" y="0"/>
+          <a:chExt cx="0" cy="0"/>
+        </a:xfrm>
+      </p:grpSpPr>
+      <p:sp>
+        <p:nvSpPr>
+          <p:cNvPr id="2" name="Title 1"/>
+          <p:cNvSpPr>
+            <a:spLocks noGrp="1"/>
+          </p:cNvSpPr>
+          <p:nvPr>
+            <p:ph type="title"/>
+          </p:nvPr>
+        </p:nvSpPr>
+        <p:spPr/>
+        <p:txBody>
+          <a:bodyPr/>
+          <a:lstStyle/>
+          <a:p>
+            <a:r>
+              <a:rPr lang="en-US"/>
+              <a:t>Click to edit Master title style</a:t>
+            </a:r>
+          </a:p>
+        </p:txBody>
+      </p:sp>
+      <p:sp>
+        <p:nvSpPr>
+          <p:cNvPr id="3" name="Content Placeholder 2"/>
+          <p:cNvSpPr>
+            <a:spLocks noGrp="1"/>
+          </p:cNvSpPr>
+          <p:nvPr>
+            <p:ph sz="half" idx="1"/>
+          </p:nvPr>
+        </p:nvSpPr>
+        <p:spPr>
+          <a:xfrm>
+            <a:off x="1059678" y="2144993"/>
+            <a:ext cx="4960121" cy="3785787"/>
+          </a:xfrm>
+        </p:spPr>
+        <p:txBody>
+          <a:bodyPr/>
+          <a:lstStyle/>
+          <a:p>
+            <a:pPr lvl="0"/>
+            <a:r>
+              <a:rPr lang="en-US"/>
+              <a:t>Edit Master text styles</a:t>
+            </a:r>
+          </a:p>
+          <a:p>
+            <a:pPr lvl="1"/>
+            <a:r>
+              <a:rPr lang="en-US"/>
+              <a:t>Second level</a:t>
+            </a:r>
+          </a:p>
+          <a:p>
+            <a:pPr lvl="2"/>
+            <a:r>
+              <a:rPr lang="en-US"/>
+              <a:t>Third level</a:t>
+            </a:r>
+          </a:p>
+          <a:p>
+            <a:pPr lvl="3"/>
+            <a:r>
+              <a:rPr lang="en-US"/>
+              <a:t>Fourth level</a:t>
+            </a:r>
+          </a:p>
+          <a:p>
+            <a:pPr lvl="4"/>
+            <a:r>
+              <a:rPr lang="en-US"/>
+              <a:t>Fifth level</a:t>
+            </a:r>
+          </a:p>
+        </p:txBody>
+      </p:sp>
+      <p:sp>
+        <p:nvSpPr>
+          <p:cNvPr id="4" name="Content Placeholder 3"/>
+          <p:cNvSpPr>
+            <a:spLocks noGrp="1"/>
+          </p:cNvSpPr>
+          <p:nvPr>
+            <p:ph sz="half" idx="2"/>
+          </p:nvPr>
+        </p:nvSpPr>
+        <p:spPr>
+          <a:xfrm>
+            <a:off x="6172200" y="2144993"/>
+            <a:ext cx="4962971" cy="3785787"/>
+          </a:xfrm>
+        </p:spPr>
+        <p:txBody>
+          <a:bodyPr/>
+          <a:lstStyle/>
+          <a:p>
+            <a:pPr lvl="0"/>
+            <a:r>
+              <a:rPr lang="en-US"/>
+              <a:t>Edit Master text styles</a:t>
+            </a:r>
+          </a:p>
+          <a:p>
+            <a:pPr lvl="1"/>
+            <a:r>
+              <a:rPr lang="en-US"/>
+              <a:t>Second level</a:t>
+            </a:r>
+          </a:p>
+          <a:p>
+            <a:pPr lvl="2"/>
+            <a:r>
+              <a:rPr lang="en-US"/>
+              <a:t>Third level</a:t>
+            </a:r>
+          </a:p>
+          <a:p>
+            <a:pPr lvl="3"/>
+            <a:r>
+              <a:rPr lang="en-US"/>
+              <a:t>Fourth level</a:t>
+            </a:r>
+          </a:p>
+          <a:p>
+            <a:pPr lvl="4"/>
+            <a:r>
+              <a:rPr lang="en-US"/>
+              <a:t>Fifth level</a:t>
+            </a:r>
+          </a:p>
+        </p:txBody>
+      </p:sp>
+      <p:sp>
+        <p:nvSpPr>
+          <p:cNvPr id="6" name="Footer Placeholder 5"/>
+          <p:cNvSpPr>
+            <a:spLocks noGrp="1"/>
+          </p:cNvSpPr>
+          <p:nvPr>
+            <p:ph type="ftr" sz="quarter" idx="11"/>
+          </p:nvPr>
+        </p:nvSpPr>
+        <p:spPr>
+          <a:xfrm>
+            <a:off x="1055687" y="5943599"/>
+            <a:ext cx="3033045" cy="365125"/>
+          </a:xfrm>
+          <a:prstGeom prst="rect">
+            <a:avLst/>
+          </a:prstGeom>
+        </p:spPr>
+        <p:txBody>
+          <a:bodyPr/>
+          <a:lstStyle/>
+          <a:p>
+            <a:endParaRPr lang="en-US"/>
+          </a:p>
+        </p:txBody>
+      </p:sp>
+      <p:sp>
+        <p:nvSpPr>
+          <p:cNvPr id="7" name="Slide Number Placeholder 6"/>
+          <p:cNvSpPr>
+            <a:spLocks noGrp="1"/>
+          </p:cNvSpPr>
+          <p:nvPr>
+            <p:ph type="sldNum" sz="quarter" idx="12"/>
+          </p:nvPr>
+        </p:nvSpPr>
+        <p:spPr/>
+        <p:txBody>
+          <a:bodyPr/>
+          <a:lstStyle/>
+          <a:p>
+            <a:fld id="{6B8230D4-A52F-48C3-88BB-7CF0A26BA1C5}" type="slidenum">
+              <a:rPr lang="en-US" smtClean="0"/>
+              <a:t>‹#›</a:t>
+            </a:fld>
+            <a:endParaRPr lang="en-US"/>
+          </a:p>
+        </p:txBody>
+      </p:sp>
+    </p:spTree>
+    <p:extLst>
+      <p:ext uri="{BB962C8B-B14F-4D97-AF65-F5344CB8AC3E}">
+        <p14:creationId xmlns:p14="http://schemas.microsoft.com/office/powerpoint/2010/main" val="3625817372"/>
+      </p:ext>
+    </p:extLst>
+  </p:cSld>
+  <p:clrMapOvr>
+    <a:masterClrMapping/>
+  </p:clrMapOvr>
+  <p:transition spd="slow">
+    <p:push dir="u"/>
+  </p:transition>
+</p:sldLayout>
+</file>
+
+<file path=ppt/slideLayouts/slideLayout9.xml><?xml version="1.0" encoding="utf-8"?>
+<p:sldLayout xmlns:a="http://schemas.openxmlformats.org/drawingml/2006/main" xmlns:r="http://schemas.openxmlformats.org/officeDocument/2006/relationships" xmlns:p="http://schemas.openxmlformats.org/presentationml/2006/main" type="titleOnly" preserve="1">
+  <p:cSld name="Title Only">
+    <p:spTree>
+      <p:nvGrpSpPr>
+        <p:cNvPr id="1" name=""/>
+        <p:cNvGrpSpPr/>
+        <p:nvPr/>
+      </p:nvGrpSpPr>
+      <p:grpSpPr>
+        <a:xfrm>
+          <a:off x="0" y="0"/>
+          <a:ext cx="0" cy="0"/>
+          <a:chOff x="0" y="0"/>
+          <a:chExt cx="0" cy="0"/>
+        </a:xfrm>
+      </p:grpSpPr>
+      <p:sp>
+        <p:nvSpPr>
+          <p:cNvPr id="2" name="Title 1"/>
+          <p:cNvSpPr>
+            <a:spLocks noGrp="1"/>
+          </p:cNvSpPr>
+          <p:nvPr>
+            <p:ph type="title"/>
+          </p:nvPr>
+        </p:nvSpPr>
+        <p:spPr/>
+        <p:txBody>
+          <a:bodyPr/>
+          <a:lstStyle/>
+          <a:p>
+            <a:r>
+              <a:rPr lang="en-US"/>
+              <a:t>Click to edit Master title style</a:t>
+            </a:r>
+          </a:p>
+        </p:txBody>
+      </p:sp>
+      <p:sp>
+        <p:nvSpPr>
+          <p:cNvPr id="4" name="Footer Placeholder 3"/>
+          <p:cNvSpPr>
+            <a:spLocks noGrp="1"/>
+          </p:cNvSpPr>
+          <p:nvPr>
+            <p:ph type="ftr" sz="quarter" idx="11"/>
+          </p:nvPr>
+        </p:nvSpPr>
+        <p:spPr>
+          <a:xfrm>
+            <a:off x="1055687" y="5943599"/>
+            <a:ext cx="3033045" cy="365125"/>
+          </a:xfrm>
+          <a:prstGeom prst="rect">
+            <a:avLst/>
+          </a:prstGeom>
+        </p:spPr>
+        <p:txBody>
+          <a:bodyPr/>
+          <a:lstStyle/>
+          <a:p>
+            <a:endParaRPr lang="en-US"/>
+          </a:p>
+        </p:txBody>
+      </p:sp>
+      <p:sp>
+        <p:nvSpPr>
+          <p:cNvPr id="5" name="Slide Number Placeholder 4"/>
+          <p:cNvSpPr>
+            <a:spLocks noGrp="1"/>
+          </p:cNvSpPr>
+          <p:nvPr>
+            <p:ph type="sldNum" sz="quarter" idx="12"/>
+          </p:nvPr>
+        </p:nvSpPr>
+        <p:spPr/>
+        <p:txBody>
+          <a:bodyPr/>
+          <a:lstStyle/>
+          <a:p>
+            <a:fld id="{6B8230D4-A52F-48C3-88BB-7CF0A26BA1C5}" type="slidenum">
+              <a:rPr lang="en-US" smtClean="0"/>
+              <a:t>‹#›</a:t>
+            </a:fld>
+            <a:endParaRPr lang="en-US"/>
+          </a:p>
+        </p:txBody>
+      </p:sp>
+    </p:spTree>
+    <p:extLst>
+      <p:ext uri="{BB962C8B-B14F-4D97-AF65-F5344CB8AC3E}">
+        <p14:creationId xmlns:p14="http://schemas.microsoft.com/office/powerpoint/2010/main" val="3929964775"/>
+      </p:ext>
+    </p:extLst>
+  </p:cSld>
+  <p:clrMapOvr>
+    <a:masterClrMapping/>
+  </p:clrMapOvr>
+  <p:transition spd="slow">
+    <p:push dir="u"/>
+  </p:transition>
+</p:sldLayout>
+</file>
+
 <file path=ppt/slideMasters/slideMaster1.xml><?xml version="1.0" encoding="utf-8"?>
 <p:sldMaster xmlns:a="http://schemas.openxmlformats.org/drawingml/2006/main" xmlns:r="http://schemas.openxmlformats.org/officeDocument/2006/relationships" xmlns:p="http://schemas.openxmlformats.org/presentationml/2006/main">
   <p:cSld>
@@ -3458,7 +2763,7 @@
         </p:nvSpPr>
         <p:spPr>
           <a:xfrm>
-            <a:off x="9324000" y="5940000"/>
+            <a:off x="1063920" y="5940000"/>
             <a:ext cx="1800000" cy="360000"/>
           </a:xfrm>
           <a:prstGeom prst="rect">
@@ -3468,14 +2773,15 @@
         <p:txBody>
           <a:bodyPr vert="horz" lIns="91440" tIns="45720" rIns="91440" bIns="45720" rtlCol="0" anchor="ctr"/>
           <a:lstStyle>
-            <a:lvl1pPr algn="r">
+            <a:lvl1pPr algn="l">
               <a:defRPr sz="1200">
                 <a:solidFill>
                   <a:schemeClr val="tx1">
                     <a:tint val="75000"/>
                   </a:schemeClr>
                 </a:solidFill>
-                <a:latin typeface="Acre Medium" panose="00000600000000000000" pitchFamily="50" charset="0"/>
+                <a:latin typeface="IRANYekan" panose="020B0506030804020204" pitchFamily="34" charset="-78"/>
+                <a:cs typeface="IRANYekan" panose="020B0506030804020204" pitchFamily="34" charset="-78"/>
               </a:defRPr>
             </a:lvl1pPr>
           </a:lstStyle>
@@ -3485,16 +2791,16 @@
               <a:pPr/>
               <a:t>‹#›</a:t>
             </a:fld>
-            <a:endParaRPr lang="en-US"/>
+            <a:endParaRPr lang="en-US" dirty="0"/>
           </a:p>
         </p:txBody>
       </p:sp>
       <p:sp>
         <p:nvSpPr>
-          <p:cNvPr id="4" name="TextBox 3">
+          <p:cNvPr id="8" name="TextBox 7">
             <a:extLst>
               <a:ext uri="{FF2B5EF4-FFF2-40B4-BE49-F238E27FC236}">
-                <a16:creationId xmlns:a16="http://schemas.microsoft.com/office/drawing/2014/main" id="{4A282A0F-409A-4BE0-9A6F-4D71768B7975}"/>
+                <a16:creationId xmlns:a16="http://schemas.microsoft.com/office/drawing/2014/main" id="{19656FDF-B30B-4C94-A16E-5E371C27EFD5}"/>
               </a:ext>
             </a:extLst>
           </p:cNvPr>
@@ -3503,7 +2809,7 @@
         </p:nvSpPr>
         <p:spPr>
           <a:xfrm>
-            <a:off x="1836000" y="5940000"/>
+            <a:off x="8457780" y="5941105"/>
             <a:ext cx="1800000" cy="360000"/>
           </a:xfrm>
           <a:prstGeom prst="rect">
@@ -3528,21 +2834,23 @@
             </a:lvl1pPr>
           </a:lstStyle>
           <a:p>
-            <a:pPr lvl="0"/>
-            <a:r>
-              <a:rPr lang="en-US" dirty="0"/>
-              <a:t>Brand Style Guide</a:t>
-            </a:r>
-            <a:endParaRPr lang="fa-IR" dirty="0"/>
+            <a:pPr lvl="0" algn="r" rtl="1"/>
+            <a:r>
+              <a:rPr lang="fa-IR" sz="1100" dirty="0">
+                <a:latin typeface="IRANYekan" panose="020B0506030804020204" pitchFamily="34" charset="-78"/>
+                <a:cs typeface="IRANYekan" panose="020B0506030804020204" pitchFamily="34" charset="-78"/>
+              </a:rPr>
+              <a:t>راهنمای نشان تجاری</a:t>
+            </a:r>
           </a:p>
         </p:txBody>
       </p:sp>
       <p:pic>
         <p:nvPicPr>
-          <p:cNvPr id="7" name="Graphic 6">
+          <p:cNvPr id="9" name="Graphic 8">
             <a:extLst>
               <a:ext uri="{FF2B5EF4-FFF2-40B4-BE49-F238E27FC236}">
-                <a16:creationId xmlns:a16="http://schemas.microsoft.com/office/drawing/2014/main" id="{64A58C41-3402-4229-907C-217004E35EE7}"/>
+                <a16:creationId xmlns:a16="http://schemas.microsoft.com/office/drawing/2014/main" id="{8801C586-4BCA-4DEE-B7C3-EE6FA4CB9723}"/>
               </a:ext>
             </a:extLst>
           </p:cNvPr>
@@ -3552,24 +2860,23 @@
           <p:nvPr userDrawn="1"/>
         </p:nvPicPr>
         <p:blipFill>
-          <a:blip r:embed="rId15" cstate="print">
+          <a:blip r:embed="rId12" cstate="print">
             <a:extLst>
               <a:ext uri="{28A0092B-C50C-407E-A947-70E740481C1C}">
                 <a14:useLocalDpi xmlns:a14="http://schemas.microsoft.com/office/drawing/2010/main" val="0"/>
               </a:ext>
               <a:ext uri="{96DAC541-7B7A-43D3-8B79-37D633B846F1}">
-                <asvg:svgBlip xmlns:asvg="http://schemas.microsoft.com/office/drawing/2016/SVG/main" r:embed="rId16"/>
+                <asvg:svgBlip xmlns:asvg="http://schemas.microsoft.com/office/drawing/2016/SVG/main" r:embed="rId13"/>
               </a:ext>
             </a:extLst>
           </a:blip>
-          <a:stretch>
-            <a:fillRect/>
-          </a:stretch>
+          <a:srcRect/>
+          <a:stretch/>
         </p:blipFill>
         <p:spPr>
           <a:xfrm>
-            <a:off x="1080000" y="5976000"/>
-            <a:ext cx="756000" cy="257040"/>
+            <a:off x="10330680" y="6017345"/>
+            <a:ext cx="756000" cy="238000"/>
           </a:xfrm>
           <a:prstGeom prst="rect">
             <a:avLst/>
@@ -3585,19 +2892,16 @@
   </p:cSld>
   <p:clrMap bg1="lt1" tx1="dk1" bg2="lt2" tx2="dk2" accent1="accent1" accent2="accent2" accent3="accent3" accent4="accent4" accent5="accent5" accent6="accent6" hlink="hlink" folHlink="folHlink"/>
   <p:sldLayoutIdLst>
-    <p:sldLayoutId id="2147483657" r:id="rId1"/>
-    <p:sldLayoutId id="2147483667" r:id="rId2"/>
-    <p:sldLayoutId id="2147483666" r:id="rId3"/>
-    <p:sldLayoutId id="2147483668" r:id="rId4"/>
-    <p:sldLayoutId id="2147483669" r:id="rId5"/>
-    <p:sldLayoutId id="2147483670" r:id="rId6"/>
-    <p:sldLayoutId id="2147483665" r:id="rId7"/>
-    <p:sldLayoutId id="2147483651" r:id="rId8"/>
-    <p:sldLayoutId id="2147483649" r:id="rId9"/>
-    <p:sldLayoutId id="2147483650" r:id="rId10"/>
-    <p:sldLayoutId id="2147483652" r:id="rId11"/>
-    <p:sldLayoutId id="2147483654" r:id="rId12"/>
-    <p:sldLayoutId id="2147483660" r:id="rId13"/>
+    <p:sldLayoutId id="2147483667" r:id="rId1"/>
+    <p:sldLayoutId id="2147483666" r:id="rId2"/>
+    <p:sldLayoutId id="2147483668" r:id="rId3"/>
+    <p:sldLayoutId id="2147483669" r:id="rId4"/>
+    <p:sldLayoutId id="2147483651" r:id="rId5"/>
+    <p:sldLayoutId id="2147483649" r:id="rId6"/>
+    <p:sldLayoutId id="2147483650" r:id="rId7"/>
+    <p:sldLayoutId id="2147483652" r:id="rId8"/>
+    <p:sldLayoutId id="2147483654" r:id="rId9"/>
+    <p:sldLayoutId id="2147483660" r:id="rId10"/>
   </p:sldLayoutIdLst>
   <p:transition spd="slow">
     <p:push dir="u"/>
@@ -3617,9 +2921,9 @@
           <a:solidFill>
             <a:schemeClr val="tx1"/>
           </a:solidFill>
-          <a:latin typeface="IRANYekan" panose="020B0506030804020204" pitchFamily="34" charset="-78"/>
+          <a:latin typeface="IRANYekan Bold" panose="020B0506030804020204" pitchFamily="34" charset="-78"/>
           <a:ea typeface="+mj-ea"/>
-          <a:cs typeface="IRANYekan" panose="020B0506030804020204" pitchFamily="34" charset="-78"/>
+          <a:cs typeface="IRANYekan Bold" panose="020B0506030804020204" pitchFamily="34" charset="-78"/>
         </a:defRPr>
       </a:lvl1pPr>
     </p:titleStyle>
@@ -4436,9 +3740,10 @@
           <a:lstStyle/>
           <a:p>
             <a:r>
-              <a:rPr lang="en-US" dirty="0"/>
-              <a:t>USING GRAYSCALE </a:t>
-            </a:r>
+              <a:rPr lang="fa-IR" dirty="0"/>
+              <a:t>طیف خاکستری</a:t>
+            </a:r>
+            <a:endParaRPr lang="en-US" dirty="0"/>
           </a:p>
         </p:txBody>
       </p:sp>
@@ -4454,42 +3759,23 @@
         </p:nvSpPr>
         <p:spPr/>
         <p:txBody>
-          <a:bodyPr/>
+          <a:bodyPr>
+            <a:normAutofit/>
+          </a:bodyPr>
           <a:lstStyle/>
           <a:p>
-            <a:r>
-              <a:rPr lang="en-US" dirty="0"/>
-              <a:t>If the color logotype isn’t an option for technical reasons, use the black or white versions instead. </a:t>
-            </a:r>
-          </a:p>
-          <a:p>
-            <a:r>
-              <a:rPr lang="en-US" dirty="0"/>
-              <a:t>You can create a version using any value on the grayscale.</a:t>
-            </a:r>
-          </a:p>
-        </p:txBody>
-      </p:sp>
-      <p:sp>
-        <p:nvSpPr>
-          <p:cNvPr id="5" name="Slide Number Placeholder 4"/>
-          <p:cNvSpPr>
-            <a:spLocks noGrp="1"/>
-          </p:cNvSpPr>
-          <p:nvPr>
-            <p:ph type="sldNum" sz="quarter" idx="12"/>
-          </p:nvPr>
-        </p:nvSpPr>
-        <p:spPr/>
-        <p:txBody>
-          <a:bodyPr/>
-          <a:lstStyle/>
-          <a:p>
-            <a:fld id="{6B8230D4-A52F-48C3-88BB-7CF0A26BA1C5}" type="slidenum">
-              <a:rPr lang="en-US" smtClean="0"/>
-              <a:t>10</a:t>
-            </a:fld>
-            <a:endParaRPr lang="en-US"/>
+            <a:pPr algn="justLow"/>
+            <a:r>
+              <a:rPr lang="fa-IR" dirty="0"/>
+              <a:t>اگر به دلایل فنی نشان تجاری رنگی جیبرس گزینه مطلوب نیست، می‌توانید از نسخه سیاه یا سفید ما استفاده کنید.</a:t>
+            </a:r>
+          </a:p>
+          <a:p>
+            <a:pPr algn="justLow"/>
+            <a:r>
+              <a:rPr lang="fa-IR" dirty="0"/>
+              <a:t>شما می‌توانید با هر مقداری در طیف خاکستری یک نسخه برای خودتان ایجاد کنید.</a:t>
+            </a:r>
           </a:p>
         </p:txBody>
       </p:sp>
@@ -4514,7 +3800,7 @@
         </p:blipFill>
         <p:spPr>
           <a:xfrm>
-            <a:off x="6763107" y="4083454"/>
+            <a:off x="2450187" y="4083454"/>
             <a:ext cx="3260785" cy="491706"/>
           </a:xfrm>
           <a:prstGeom prst="rect">
@@ -4547,14 +3833,13 @@
               </a:ext>
             </a:extLst>
           </a:blip>
-          <a:stretch>
-            <a:fillRect/>
-          </a:stretch>
+          <a:srcRect/>
+          <a:stretch/>
         </p:blipFill>
         <p:spPr>
           <a:xfrm>
-            <a:off x="6822625" y="1378400"/>
-            <a:ext cx="2880000" cy="1241379"/>
+            <a:off x="2509705" y="1418444"/>
+            <a:ext cx="2880000" cy="1161290"/>
           </a:xfrm>
           <a:prstGeom prst="rect">
             <a:avLst/>
@@ -4575,7 +3860,7 @@
         </p:nvGrpSpPr>
         <p:grpSpPr>
           <a:xfrm>
-            <a:off x="6822625" y="2808253"/>
+            <a:off x="2509705" y="2808253"/>
             <a:ext cx="2880000" cy="1242000"/>
             <a:chOff x="8868173" y="3429000"/>
             <a:chExt cx="2880000" cy="1242000"/>
@@ -4661,14 +3946,13 @@
                 </a:ext>
               </a:extLst>
             </a:blip>
-            <a:stretch>
-              <a:fillRect/>
-            </a:stretch>
+            <a:srcRect/>
+            <a:stretch/>
           </p:blipFill>
           <p:spPr>
             <a:xfrm>
-              <a:off x="8868173" y="3429000"/>
-              <a:ext cx="2880000" cy="1241379"/>
+              <a:off x="8868173" y="3469044"/>
+              <a:ext cx="2880000" cy="1161290"/>
             </a:xfrm>
             <a:prstGeom prst="rect">
               <a:avLst/>
@@ -4676,6 +3960,35 @@
           </p:spPr>
         </p:pic>
       </p:grpSp>
+      <p:sp>
+        <p:nvSpPr>
+          <p:cNvPr id="6" name="Slide Number Placeholder 5">
+            <a:extLst>
+              <a:ext uri="{FF2B5EF4-FFF2-40B4-BE49-F238E27FC236}">
+                <a16:creationId xmlns:a16="http://schemas.microsoft.com/office/drawing/2014/main" id="{764B8215-12FD-4D6D-900B-E6AB36302635}"/>
+              </a:ext>
+            </a:extLst>
+          </p:cNvPr>
+          <p:cNvSpPr>
+            <a:spLocks noGrp="1"/>
+          </p:cNvSpPr>
+          <p:nvPr>
+            <p:ph type="sldNum" sz="quarter" idx="12"/>
+          </p:nvPr>
+        </p:nvSpPr>
+        <p:spPr/>
+        <p:txBody>
+          <a:bodyPr/>
+          <a:lstStyle/>
+          <a:p>
+            <a:fld id="{6B8230D4-A52F-48C3-88BB-7CF0A26BA1C5}" type="slidenum">
+              <a:rPr lang="en-US" smtClean="0"/>
+              <a:t>10</a:t>
+            </a:fld>
+            <a:endParaRPr lang="en-US"/>
+          </a:p>
+        </p:txBody>
+      </p:sp>
     </p:spTree>
     <p:extLst>
       <p:ext uri="{BB962C8B-B14F-4D97-AF65-F5344CB8AC3E}">
@@ -4725,9 +4038,10 @@
           <a:lstStyle/>
           <a:p>
             <a:r>
-              <a:rPr lang="en-US" dirty="0"/>
-              <a:t>BACKGROUND COLOR </a:t>
-            </a:r>
+              <a:rPr lang="fa-IR" dirty="0"/>
+              <a:t>رنگ پس‌زمینه</a:t>
+            </a:r>
+            <a:endParaRPr lang="en-US" dirty="0"/>
           </a:p>
         </p:txBody>
       </p:sp>
@@ -4744,49 +4058,29 @@
         <p:spPr/>
         <p:txBody>
           <a:bodyPr>
-            <a:normAutofit fontScale="85000" lnSpcReduction="10000"/>
+            <a:normAutofit fontScale="92500" lnSpcReduction="20000"/>
           </a:bodyPr>
           <a:lstStyle/>
           <a:p>
-            <a:r>
-              <a:rPr lang="en-US" dirty="0"/>
-              <a:t>Our logo must always have good contrast with the background to ensure maximum impact and accessibility. </a:t>
-            </a:r>
-          </a:p>
-          <a:p>
-            <a:r>
-              <a:rPr lang="en-US" dirty="0"/>
-              <a:t>Use the black or white versions if the logo is to be presented on a background color. </a:t>
-            </a:r>
-          </a:p>
-          <a:p>
-            <a:r>
-              <a:rPr lang="en-US" dirty="0"/>
-              <a:t>If you’re going with grayscale, make sure you choose a version where the contrast between the logo and the background is strong.</a:t>
-            </a:r>
-          </a:p>
-        </p:txBody>
-      </p:sp>
-      <p:sp>
-        <p:nvSpPr>
-          <p:cNvPr id="5" name="Slide Number Placeholder 4"/>
-          <p:cNvSpPr>
-            <a:spLocks noGrp="1"/>
-          </p:cNvSpPr>
-          <p:nvPr>
-            <p:ph type="sldNum" sz="quarter" idx="12"/>
-          </p:nvPr>
-        </p:nvSpPr>
-        <p:spPr/>
-        <p:txBody>
-          <a:bodyPr/>
-          <a:lstStyle/>
-          <a:p>
-            <a:fld id="{6B8230D4-A52F-48C3-88BB-7CF0A26BA1C5}" type="slidenum">
-              <a:rPr lang="en-US" smtClean="0"/>
-              <a:t>11</a:t>
-            </a:fld>
-            <a:endParaRPr lang="en-US"/>
+            <a:pPr algn="justLow"/>
+            <a:r>
+              <a:rPr lang="fa-IR" dirty="0"/>
+              <a:t>جهت اطمینان از حداکثر تاثیرگذاری و دسترسی، نشان تجاری ما باید تضاد مناسبی با رنگ پس‌زمینه داشته باشد.</a:t>
+            </a:r>
+          </a:p>
+          <a:p>
+            <a:pPr algn="justLow"/>
+            <a:r>
+              <a:rPr lang="fa-IR" dirty="0"/>
+              <a:t>اگر قرار است لوگو بر روی رنگ پس زمینه خاصی مورد استفاده قرار بگیرد، از نسخه سیاه یا سفید استفاده کنید.</a:t>
+            </a:r>
+          </a:p>
+          <a:p>
+            <a:pPr algn="justLow"/>
+            <a:r>
+              <a:rPr lang="fa-IR" dirty="0"/>
+              <a:t>اگر از پس‌زمینه طیف خاکستری استفاده می‌کنید، مطمئن شوید که تضاد بین نشان تجاری و رنگ پس‌زمینه به خوبی قابل تشخیص باشد.</a:t>
+            </a:r>
           </a:p>
         </p:txBody>
       </p:sp>
@@ -4804,7 +4098,7 @@
         </p:nvGrpSpPr>
         <p:grpSpPr>
           <a:xfrm>
-            <a:off x="6812727" y="3279301"/>
+            <a:off x="2507427" y="3279301"/>
             <a:ext cx="2880000" cy="1242000"/>
             <a:chOff x="6812727" y="3408697"/>
             <a:chExt cx="2880000" cy="1242000"/>
@@ -4889,14 +4183,13 @@
                 </a:ext>
               </a:extLst>
             </a:blip>
-            <a:stretch>
-              <a:fillRect/>
-            </a:stretch>
+            <a:srcRect/>
+            <a:stretch/>
           </p:blipFill>
           <p:spPr>
             <a:xfrm>
-              <a:off x="6812727" y="3408697"/>
-              <a:ext cx="2880000" cy="1241379"/>
+              <a:off x="6812727" y="3448741"/>
+              <a:ext cx="2880000" cy="1161290"/>
             </a:xfrm>
             <a:prstGeom prst="rect">
               <a:avLst/>
@@ -4918,7 +4211,7 @@
         </p:nvGrpSpPr>
         <p:grpSpPr>
           <a:xfrm>
-            <a:off x="6812727" y="1844276"/>
+            <a:off x="2507427" y="1844276"/>
             <a:ext cx="2880000" cy="1242000"/>
             <a:chOff x="6812727" y="1973672"/>
             <a:chExt cx="2880000" cy="1242000"/>
@@ -5009,8 +4302,8 @@
           </p:blipFill>
           <p:spPr>
             <a:xfrm>
-              <a:off x="6812727" y="1973672"/>
-              <a:ext cx="2879999" cy="1241379"/>
+              <a:off x="6812727" y="2013717"/>
+              <a:ext cx="2879999" cy="1161289"/>
             </a:xfrm>
             <a:prstGeom prst="rect">
               <a:avLst/>
@@ -5018,6 +4311,35 @@
           </p:spPr>
         </p:pic>
       </p:grpSp>
+      <p:sp>
+        <p:nvSpPr>
+          <p:cNvPr id="4" name="Slide Number Placeholder 3">
+            <a:extLst>
+              <a:ext uri="{FF2B5EF4-FFF2-40B4-BE49-F238E27FC236}">
+                <a16:creationId xmlns:a16="http://schemas.microsoft.com/office/drawing/2014/main" id="{9D8D08EA-48D6-4C67-9B33-D3A0F8607EE6}"/>
+              </a:ext>
+            </a:extLst>
+          </p:cNvPr>
+          <p:cNvSpPr>
+            <a:spLocks noGrp="1"/>
+          </p:cNvSpPr>
+          <p:nvPr>
+            <p:ph type="sldNum" sz="quarter" idx="12"/>
+          </p:nvPr>
+        </p:nvSpPr>
+        <p:spPr/>
+        <p:txBody>
+          <a:bodyPr/>
+          <a:lstStyle/>
+          <a:p>
+            <a:fld id="{6B8230D4-A52F-48C3-88BB-7CF0A26BA1C5}" type="slidenum">
+              <a:rPr lang="en-US" smtClean="0"/>
+              <a:t>11</a:t>
+            </a:fld>
+            <a:endParaRPr lang="en-US"/>
+          </a:p>
+        </p:txBody>
+      </p:sp>
     </p:spTree>
     <p:extLst>
       <p:ext uri="{BB962C8B-B14F-4D97-AF65-F5344CB8AC3E}">
@@ -5067,9 +4389,10 @@
           <a:lstStyle/>
           <a:p>
             <a:r>
-              <a:rPr lang="en-US" dirty="0"/>
-              <a:t>WORDMARK</a:t>
-            </a:r>
+              <a:rPr lang="fa-IR" dirty="0"/>
+              <a:t>نشان کلمه</a:t>
+            </a:r>
+            <a:endParaRPr lang="en-US" dirty="0"/>
           </a:p>
         </p:txBody>
       </p:sp>
@@ -5083,58 +4406,37 @@
             <p:ph type="body" sz="half" idx="2"/>
           </p:nvPr>
         </p:nvSpPr>
-        <p:spPr>
-          <a:xfrm>
-            <a:off x="1080000" y="2232000"/>
-            <a:ext cx="3578264" cy="2520000"/>
-          </a:xfrm>
-        </p:spPr>
+        <p:spPr/>
         <p:txBody>
           <a:bodyPr>
-            <a:normAutofit fontScale="92500"/>
+            <a:normAutofit/>
           </a:bodyPr>
           <a:lstStyle/>
           <a:p>
-            <a:r>
-              <a:rPr lang="en-US" dirty="0"/>
-              <a:t>Here’s what you need to know about the wordmark:</a:t>
-            </a:r>
-          </a:p>
-          <a:p>
-            <a:pPr marL="171450" indent="-171450">
-              <a:buFont typeface="Wingdings" panose="05000000000000000000" pitchFamily="2" charset="2"/>
-              <a:buChar char="§"/>
-            </a:pPr>
-            <a:r>
-              <a:rPr lang="en-US" dirty="0"/>
-              <a:t>The font used for the wordmark is Acre Medium. </a:t>
-            </a:r>
-          </a:p>
-          <a:p>
-            <a:pPr marL="171450" indent="-171450">
-              <a:buFont typeface="Wingdings" panose="05000000000000000000" pitchFamily="2" charset="2"/>
-              <a:buChar char="§"/>
-            </a:pPr>
-            <a:r>
-              <a:rPr lang="en-US" dirty="0"/>
-              <a:t>This font is only used in the logo. </a:t>
-            </a:r>
-          </a:p>
-          <a:p>
-            <a:pPr marL="171450" indent="-171450">
-              <a:buFont typeface="Wingdings" panose="05000000000000000000" pitchFamily="2" charset="2"/>
-              <a:buChar char="§"/>
-            </a:pPr>
-            <a:r>
-              <a:rPr lang="en-US" dirty="0"/>
-              <a:t>“Jibres” is written as one word, with the letters “J” capitalized in all instances. </a:t>
+            <a:pPr algn="justLow"/>
+            <a:r>
+              <a:rPr lang="fa-IR" dirty="0"/>
+              <a:t>در اینجا آنچه باید درباره نشان کلمه بدانید بیان شده است.</a:t>
+            </a:r>
+          </a:p>
+          <a:p>
+            <a:pPr algn="justLow"/>
+            <a:r>
+              <a:rPr lang="fa-IR" dirty="0"/>
+              <a:t>قلم استفاده شده در نشان کلمه جیبرس، ایران یکان است. این قلم در لوگو استفاده شده است.</a:t>
             </a:r>
           </a:p>
         </p:txBody>
       </p:sp>
       <p:sp>
         <p:nvSpPr>
-          <p:cNvPr id="5" name="Slide Number Placeholder 4"/>
+          <p:cNvPr id="4" name="Slide Number Placeholder 3">
+            <a:extLst>
+              <a:ext uri="{FF2B5EF4-FFF2-40B4-BE49-F238E27FC236}">
+                <a16:creationId xmlns:a16="http://schemas.microsoft.com/office/drawing/2014/main" id="{9337A1E9-D264-4561-AAD1-94FE3C76FD93}"/>
+              </a:ext>
+            </a:extLst>
+          </p:cNvPr>
           <p:cNvSpPr>
             <a:spLocks noGrp="1"/>
           </p:cNvSpPr>
@@ -5149,6 +4451,7 @@
           <a:p>
             <a:fld id="{6B8230D4-A52F-48C3-88BB-7CF0A26BA1C5}" type="slidenum">
               <a:rPr lang="en-US" smtClean="0"/>
+              <a:pPr/>
               <a:t>12</a:t>
             </a:fld>
             <a:endParaRPr lang="en-US"/>
@@ -5157,107 +4460,272 @@
       </p:sp>
       <p:sp>
         <p:nvSpPr>
-          <p:cNvPr id="10" name="Content Placeholder 9">
+          <p:cNvPr id="11" name="Content Placeholder 9">
             <a:extLst>
               <a:ext uri="{FF2B5EF4-FFF2-40B4-BE49-F238E27FC236}">
-                <a16:creationId xmlns:a16="http://schemas.microsoft.com/office/drawing/2014/main" id="{0285FA8F-8B1D-41F0-93B6-D7DFF4C887ED}"/>
+                <a16:creationId xmlns:a16="http://schemas.microsoft.com/office/drawing/2014/main" id="{F373A7DF-B8E4-475A-B878-4824ACE059ED}"/>
               </a:ext>
             </a:extLst>
           </p:cNvPr>
-          <p:cNvSpPr>
-            <a:spLocks noGrp="1"/>
+          <p:cNvSpPr txBox="1">
+            <a:spLocks/>
           </p:cNvSpPr>
-          <p:nvPr>
-            <p:ph sz="quarter" idx="4294967295"/>
-          </p:nvPr>
+          <p:nvPr/>
         </p:nvSpPr>
         <p:spPr>
           <a:xfrm>
-            <a:off x="6825850" y="1993106"/>
+            <a:off x="2505310" y="2719046"/>
             <a:ext cx="2881312" cy="2871787"/>
           </a:xfrm>
+          <a:prstGeom prst="rect">
+            <a:avLst/>
+          </a:prstGeom>
         </p:spPr>
         <p:txBody>
-          <a:bodyPr>
+          <a:bodyPr vert="horz" lIns="91440" tIns="45720" rIns="91440" bIns="45720" rtlCol="0">
             <a:normAutofit/>
           </a:bodyPr>
-          <a:lstStyle/>
+          <a:lstStyle>
+            <a:lvl1pPr marL="228600" indent="-228600" algn="r" defTabSz="914400" rtl="1" eaLnBrk="1" latinLnBrk="0" hangingPunct="1">
+              <a:lnSpc>
+                <a:spcPct val="90000"/>
+              </a:lnSpc>
+              <a:spcBef>
+                <a:spcPts val="1000"/>
+              </a:spcBef>
+              <a:buFont typeface="Arial" panose="020B0604020202020204" pitchFamily="34" charset="0"/>
+              <a:buChar char="•"/>
+              <a:defRPr sz="2800" kern="1200">
+                <a:solidFill>
+                  <a:schemeClr val="tx1"/>
+                </a:solidFill>
+                <a:latin typeface="IRANYekan" panose="020B0506030804020204" pitchFamily="34" charset="-78"/>
+                <a:ea typeface="+mn-ea"/>
+                <a:cs typeface="IRANYekan" panose="020B0506030804020204" pitchFamily="34" charset="-78"/>
+              </a:defRPr>
+            </a:lvl1pPr>
+            <a:lvl2pPr marL="685800" indent="-228600" algn="r" defTabSz="914400" rtl="1" eaLnBrk="1" latinLnBrk="0" hangingPunct="1">
+              <a:lnSpc>
+                <a:spcPct val="90000"/>
+              </a:lnSpc>
+              <a:spcBef>
+                <a:spcPts val="500"/>
+              </a:spcBef>
+              <a:buFont typeface="Arial" panose="020B0604020202020204" pitchFamily="34" charset="0"/>
+              <a:buChar char="•"/>
+              <a:defRPr sz="2400" kern="1200">
+                <a:solidFill>
+                  <a:schemeClr val="tx1"/>
+                </a:solidFill>
+                <a:latin typeface="IRANYekan" panose="020B0506030804020204" pitchFamily="34" charset="-78"/>
+                <a:ea typeface="+mn-ea"/>
+                <a:cs typeface="IRANYekan" panose="020B0506030804020204" pitchFamily="34" charset="-78"/>
+              </a:defRPr>
+            </a:lvl2pPr>
+            <a:lvl3pPr marL="1143000" indent="-228600" algn="r" defTabSz="914400" rtl="1" eaLnBrk="1" latinLnBrk="0" hangingPunct="1">
+              <a:lnSpc>
+                <a:spcPct val="90000"/>
+              </a:lnSpc>
+              <a:spcBef>
+                <a:spcPts val="500"/>
+              </a:spcBef>
+              <a:buFont typeface="Arial" panose="020B0604020202020204" pitchFamily="34" charset="0"/>
+              <a:buChar char="•"/>
+              <a:defRPr sz="2000" kern="1200">
+                <a:solidFill>
+                  <a:schemeClr val="tx1"/>
+                </a:solidFill>
+                <a:latin typeface="IRANYekan" panose="020B0506030804020204" pitchFamily="34" charset="-78"/>
+                <a:ea typeface="+mn-ea"/>
+                <a:cs typeface="IRANYekan" panose="020B0506030804020204" pitchFamily="34" charset="-78"/>
+              </a:defRPr>
+            </a:lvl3pPr>
+            <a:lvl4pPr marL="1600200" indent="-228600" algn="r" defTabSz="914400" rtl="1" eaLnBrk="1" latinLnBrk="0" hangingPunct="1">
+              <a:lnSpc>
+                <a:spcPct val="90000"/>
+              </a:lnSpc>
+              <a:spcBef>
+                <a:spcPts val="500"/>
+              </a:spcBef>
+              <a:buFont typeface="Arial" panose="020B0604020202020204" pitchFamily="34" charset="0"/>
+              <a:buChar char="•"/>
+              <a:defRPr sz="1800" kern="1200">
+                <a:solidFill>
+                  <a:schemeClr val="tx1"/>
+                </a:solidFill>
+                <a:latin typeface="IRANYekan" panose="020B0506030804020204" pitchFamily="34" charset="-78"/>
+                <a:ea typeface="+mn-ea"/>
+                <a:cs typeface="IRANYekan" panose="020B0506030804020204" pitchFamily="34" charset="-78"/>
+              </a:defRPr>
+            </a:lvl4pPr>
+            <a:lvl5pPr marL="2057400" indent="-228600" algn="r" defTabSz="914400" rtl="1" eaLnBrk="1" latinLnBrk="0" hangingPunct="1">
+              <a:lnSpc>
+                <a:spcPct val="90000"/>
+              </a:lnSpc>
+              <a:spcBef>
+                <a:spcPts val="500"/>
+              </a:spcBef>
+              <a:buFont typeface="Arial" panose="020B0604020202020204" pitchFamily="34" charset="0"/>
+              <a:buChar char="•"/>
+              <a:defRPr sz="1800" kern="1200">
+                <a:solidFill>
+                  <a:schemeClr val="tx1"/>
+                </a:solidFill>
+                <a:latin typeface="IRANYekan" panose="020B0506030804020204" pitchFamily="34" charset="-78"/>
+                <a:ea typeface="+mn-ea"/>
+                <a:cs typeface="IRANYekan" panose="020B0506030804020204" pitchFamily="34" charset="-78"/>
+              </a:defRPr>
+            </a:lvl5pPr>
+            <a:lvl6pPr marL="2514600" indent="-228600" algn="l" defTabSz="914400" rtl="0" eaLnBrk="1" latinLnBrk="0" hangingPunct="1">
+              <a:lnSpc>
+                <a:spcPct val="90000"/>
+              </a:lnSpc>
+              <a:spcBef>
+                <a:spcPts val="500"/>
+              </a:spcBef>
+              <a:buFont typeface="Arial" panose="020B0604020202020204" pitchFamily="34" charset="0"/>
+              <a:buChar char="•"/>
+              <a:defRPr sz="1800" kern="1200">
+                <a:solidFill>
+                  <a:schemeClr val="tx1"/>
+                </a:solidFill>
+                <a:latin typeface="+mn-lt"/>
+                <a:ea typeface="+mn-ea"/>
+                <a:cs typeface="+mn-cs"/>
+              </a:defRPr>
+            </a:lvl6pPr>
+            <a:lvl7pPr marL="2971800" indent="-228600" algn="l" defTabSz="914400" rtl="0" eaLnBrk="1" latinLnBrk="0" hangingPunct="1">
+              <a:lnSpc>
+                <a:spcPct val="90000"/>
+              </a:lnSpc>
+              <a:spcBef>
+                <a:spcPts val="500"/>
+              </a:spcBef>
+              <a:buFont typeface="Arial" panose="020B0604020202020204" pitchFamily="34" charset="0"/>
+              <a:buChar char="•"/>
+              <a:defRPr sz="1800" kern="1200">
+                <a:solidFill>
+                  <a:schemeClr val="tx1"/>
+                </a:solidFill>
+                <a:latin typeface="+mn-lt"/>
+                <a:ea typeface="+mn-ea"/>
+                <a:cs typeface="+mn-cs"/>
+              </a:defRPr>
+            </a:lvl7pPr>
+            <a:lvl8pPr marL="3429000" indent="-228600" algn="l" defTabSz="914400" rtl="0" eaLnBrk="1" latinLnBrk="0" hangingPunct="1">
+              <a:lnSpc>
+                <a:spcPct val="90000"/>
+              </a:lnSpc>
+              <a:spcBef>
+                <a:spcPts val="500"/>
+              </a:spcBef>
+              <a:buFont typeface="Arial" panose="020B0604020202020204" pitchFamily="34" charset="0"/>
+              <a:buChar char="•"/>
+              <a:defRPr sz="1800" kern="1200">
+                <a:solidFill>
+                  <a:schemeClr val="tx1"/>
+                </a:solidFill>
+                <a:latin typeface="+mn-lt"/>
+                <a:ea typeface="+mn-ea"/>
+                <a:cs typeface="+mn-cs"/>
+              </a:defRPr>
+            </a:lvl8pPr>
+            <a:lvl9pPr marL="3886200" indent="-228600" algn="l" defTabSz="914400" rtl="0" eaLnBrk="1" latinLnBrk="0" hangingPunct="1">
+              <a:lnSpc>
+                <a:spcPct val="90000"/>
+              </a:lnSpc>
+              <a:spcBef>
+                <a:spcPts val="500"/>
+              </a:spcBef>
+              <a:buFont typeface="Arial" panose="020B0604020202020204" pitchFamily="34" charset="0"/>
+              <a:buChar char="•"/>
+              <a:defRPr sz="1800" kern="1200">
+                <a:solidFill>
+                  <a:schemeClr val="tx1"/>
+                </a:solidFill>
+                <a:latin typeface="+mn-lt"/>
+                <a:ea typeface="+mn-ea"/>
+                <a:cs typeface="+mn-cs"/>
+              </a:defRPr>
+            </a:lvl9pPr>
+          </a:lstStyle>
           <a:p>
             <a:pPr marL="0" indent="0">
+              <a:lnSpc>
+                <a:spcPct val="200000"/>
+              </a:lnSpc>
+              <a:buFont typeface="Arial" panose="020B0604020202020204" pitchFamily="34" charset="0"/>
               <a:buNone/>
             </a:pPr>
-            <a:endParaRPr lang="en-US" sz="1400" dirty="0">
-              <a:solidFill>
-                <a:srgbClr val="C80A5A"/>
-              </a:solidFill>
-            </a:endParaRPr>
-          </a:p>
-          <a:p>
-            <a:pPr marL="0" indent="0">
-              <a:buNone/>
-            </a:pPr>
-            <a:endParaRPr lang="en-US" sz="1400" dirty="0">
-              <a:solidFill>
-                <a:srgbClr val="C80A5A"/>
-              </a:solidFill>
-            </a:endParaRPr>
-          </a:p>
-          <a:p>
-            <a:pPr marL="0" indent="0">
-              <a:buNone/>
-            </a:pPr>
-            <a:r>
-              <a:rPr lang="en-US" sz="1400" dirty="0">
+            <a:r>
+              <a:rPr lang="fa-IR" sz="1400" dirty="0">
                 <a:solidFill>
                   <a:srgbClr val="C80A5A"/>
                 </a:solidFill>
+                <a:latin typeface="IRANYekan Bold" panose="020B0506030804020204" pitchFamily="34" charset="-78"/>
+                <a:cs typeface="IRANYekan Bold" panose="020B0506030804020204" pitchFamily="34" charset="-78"/>
               </a:rPr>
-              <a:t>Acre Medium</a:t>
+              <a:t>قلم ایران یکان - جیبرس</a:t>
             </a:r>
           </a:p>
           <a:p>
             <a:pPr marL="0" indent="0">
+              <a:lnSpc>
+                <a:spcPct val="200000"/>
+              </a:lnSpc>
               <a:buNone/>
             </a:pPr>
-            <a:endParaRPr lang="en-US" sz="1400" dirty="0">
-              <a:solidFill>
-                <a:srgbClr val="C80A5A"/>
-              </a:solidFill>
-            </a:endParaRPr>
-          </a:p>
-          <a:p>
-            <a:pPr marL="0" indent="0">
-              <a:buNone/>
-            </a:pPr>
-            <a:r>
-              <a:rPr lang="en-US" sz="1800" dirty="0">
+            <a:r>
+              <a:rPr lang="fa-IR" sz="1400" dirty="0">
                 <a:solidFill>
                   <a:srgbClr val="C80A5A"/>
                 </a:solidFill>
+                <a:latin typeface="IRANYekan Bold" panose="020B0506030804020204" pitchFamily="34" charset="-78"/>
+                <a:cs typeface="IRANYekan Bold" panose="020B0506030804020204" pitchFamily="34" charset="-78"/>
               </a:rPr>
-              <a:t>ABCDEFGHIJKLMNOPQR STUVWXYZ</a:t>
-            </a:r>
-          </a:p>
-          <a:p>
-            <a:pPr marL="0" indent="0">
-              <a:buNone/>
-            </a:pPr>
-            <a:r>
-              <a:rPr lang="en-US" sz="1500" dirty="0">
-                <a:solidFill>
-                  <a:srgbClr val="C80A5A"/>
-                </a:solidFill>
-              </a:rPr>
-              <a:t>abcdefghijklmnopqrstuvwxyz</a:t>
-            </a:r>
-            <a:endParaRPr lang="fa-IR" sz="1500" dirty="0">
-              <a:solidFill>
-                <a:srgbClr val="C80A5A"/>
-              </a:solidFill>
-            </a:endParaRPr>
+              <a:t>ا ب پ ت ث ج چ ح خ د ذ ر ز ژ س ‌ ش ص ض ط ظ ع غ ف ق ک گ ل م ن و ه ی - ء آ اً هٔ ة</a:t>
+            </a:r>
           </a:p>
         </p:txBody>
       </p:sp>
+      <p:pic>
+        <p:nvPicPr>
+          <p:cNvPr id="16" name="Graphic 15">
+            <a:extLst>
+              <a:ext uri="{FF2B5EF4-FFF2-40B4-BE49-F238E27FC236}">
+                <a16:creationId xmlns:a16="http://schemas.microsoft.com/office/drawing/2014/main" id="{9F1647EC-0088-42F9-8498-242298A731A7}"/>
+              </a:ext>
+            </a:extLst>
+          </p:cNvPr>
+          <p:cNvPicPr>
+            <a:picLocks noChangeAspect="1"/>
+          </p:cNvPicPr>
+          <p:nvPr/>
+        </p:nvPicPr>
+        <p:blipFill>
+          <a:blip r:embed="rId2" cstate="print">
+            <a:extLst>
+              <a:ext uri="{28A0092B-C50C-407E-A947-70E740481C1C}">
+                <a14:useLocalDpi xmlns:a14="http://schemas.microsoft.com/office/drawing/2010/main" val="0"/>
+              </a:ext>
+              <a:ext uri="{96DAC541-7B7A-43D3-8B79-37D633B846F1}">
+                <asvg:svgBlip xmlns:asvg="http://schemas.microsoft.com/office/drawing/2016/SVG/main" r:embed="rId3"/>
+              </a:ext>
+            </a:extLst>
+          </a:blip>
+          <a:srcRect/>
+          <a:stretch/>
+        </p:blipFill>
+        <p:spPr>
+          <a:xfrm>
+            <a:off x="3118622" y="1487590"/>
+            <a:ext cx="2268000" cy="654230"/>
+          </a:xfrm>
+          <a:prstGeom prst="rect">
+            <a:avLst/>
+          </a:prstGeom>
+        </p:spPr>
+      </p:pic>
     </p:spTree>
     <p:extLst>
       <p:ext uri="{BB962C8B-B14F-4D97-AF65-F5344CB8AC3E}">
@@ -5349,17 +4817,22 @@
           <a:lstStyle/>
           <a:p>
             <a:r>
-              <a:rPr lang="en-US" dirty="0"/>
-              <a:t>LOGO </a:t>
-            </a:r>
-            <a:r>
-              <a:rPr lang="en-US" dirty="0">
+              <a:rPr lang="fa-IR" dirty="0">
                 <a:solidFill>
                   <a:srgbClr val="FF0000"/>
                 </a:solidFill>
               </a:rPr>
-              <a:t>DON’TS </a:t>
-            </a:r>
+              <a:t>نبایدهای</a:t>
+            </a:r>
+            <a:r>
+              <a:rPr lang="fa-IR" dirty="0"/>
+              <a:t> نشان تجاری</a:t>
+            </a:r>
+            <a:endParaRPr lang="en-US" dirty="0">
+              <a:solidFill>
+                <a:srgbClr val="FF0000"/>
+              </a:solidFill>
+            </a:endParaRPr>
           </a:p>
         </p:txBody>
       </p:sp>
@@ -5378,16 +4851,30 @@
           <a:bodyPr/>
           <a:lstStyle/>
           <a:p>
-            <a:r>
-              <a:rPr lang="en-US" dirty="0"/>
-              <a:t>Use the Jibres logos as provided and please do not make any changes to them :)</a:t>
+            <a:pPr algn="justLow"/>
+            <a:r>
+              <a:rPr lang="fa-IR" dirty="0"/>
+              <a:t>لطفا مطابق دستورالعمل استفاده از نشان تجاری جیبرس از آن استفاده کنید.</a:t>
+            </a:r>
+          </a:p>
+          <a:p>
+            <a:pPr algn="justLow"/>
+            <a:r>
+              <a:rPr lang="fa-IR" dirty="0"/>
+              <a:t>خواهشمندیم هیچ‌گونه تغییری در نشان تجاری ما ایجاد نکنید:)</a:t>
             </a:r>
           </a:p>
         </p:txBody>
       </p:sp>
       <p:sp>
         <p:nvSpPr>
-          <p:cNvPr id="5" name="Slide Number Placeholder 4"/>
+          <p:cNvPr id="4" name="Slide Number Placeholder 3">
+            <a:extLst>
+              <a:ext uri="{FF2B5EF4-FFF2-40B4-BE49-F238E27FC236}">
+                <a16:creationId xmlns:a16="http://schemas.microsoft.com/office/drawing/2014/main" id="{3C35A6EA-B832-4A26-A647-A3F33F5DA77D}"/>
+              </a:ext>
+            </a:extLst>
+          </p:cNvPr>
           <p:cNvSpPr>
             <a:spLocks noGrp="1"/>
           </p:cNvSpPr>
@@ -5404,842 +4891,692 @@
               <a:rPr lang="en-US" smtClean="0"/>
               <a:t>14</a:t>
             </a:fld>
-            <a:endParaRPr lang="en-US"/>
+            <a:endParaRPr lang="en-US" dirty="0"/>
           </a:p>
         </p:txBody>
       </p:sp>
-      <p:grpSp>
-        <p:nvGrpSpPr>
-          <p:cNvPr id="38" name="Group 37">
+      <p:sp>
+        <p:nvSpPr>
+          <p:cNvPr id="11" name="Multiplication Sign 10">
             <a:extLst>
               <a:ext uri="{FF2B5EF4-FFF2-40B4-BE49-F238E27FC236}">
-                <a16:creationId xmlns:a16="http://schemas.microsoft.com/office/drawing/2014/main" id="{4855D4F0-2355-4819-8AF7-88FB44E54562}"/>
+                <a16:creationId xmlns:a16="http://schemas.microsoft.com/office/drawing/2014/main" id="{28430823-F0EA-4D87-AB0B-ABF06AF291A7}"/>
               </a:ext>
             </a:extLst>
           </p:cNvPr>
-          <p:cNvGrpSpPr/>
+          <p:cNvSpPr/>
           <p:nvPr/>
-        </p:nvGrpSpPr>
-        <p:grpSpPr>
+        </p:nvSpPr>
+        <p:spPr>
           <a:xfrm>
-            <a:off x="6231851" y="1054119"/>
-            <a:ext cx="3915630" cy="868892"/>
-            <a:chOff x="6249103" y="752197"/>
-            <a:chExt cx="3915630" cy="868892"/>
+            <a:off x="5706071" y="1657326"/>
+            <a:ext cx="252000" cy="252000"/>
           </a:xfrm>
-        </p:grpSpPr>
-        <p:grpSp>
-          <p:nvGrpSpPr>
-            <p:cNvPr id="13" name="Group 12">
-              <a:extLst>
-                <a:ext uri="{FF2B5EF4-FFF2-40B4-BE49-F238E27FC236}">
-                  <a16:creationId xmlns:a16="http://schemas.microsoft.com/office/drawing/2014/main" id="{77099C58-EDEE-4D74-8728-976B8CFE8FBA}"/>
-                </a:ext>
-              </a:extLst>
-            </p:cNvPr>
-            <p:cNvGrpSpPr/>
-            <p:nvPr/>
-          </p:nvGrpSpPr>
-          <p:grpSpPr>
-            <a:xfrm>
-              <a:off x="6249103" y="1296000"/>
-              <a:ext cx="3915630" cy="325089"/>
-              <a:chOff x="5551597" y="737839"/>
-              <a:chExt cx="3915630" cy="325089"/>
-            </a:xfrm>
-          </p:grpSpPr>
-          <p:sp>
-            <p:nvSpPr>
-              <p:cNvPr id="11" name="Multiplication Sign 10">
-                <a:extLst>
-                  <a:ext uri="{FF2B5EF4-FFF2-40B4-BE49-F238E27FC236}">
-                    <a16:creationId xmlns:a16="http://schemas.microsoft.com/office/drawing/2014/main" id="{28430823-F0EA-4D87-AB0B-ABF06AF291A7}"/>
-                  </a:ext>
-                </a:extLst>
-              </p:cNvPr>
-              <p:cNvSpPr/>
-              <p:nvPr/>
-            </p:nvSpPr>
-            <p:spPr>
-              <a:xfrm>
-                <a:off x="5551597" y="774383"/>
-                <a:ext cx="252000" cy="252000"/>
-              </a:xfrm>
-              <a:prstGeom prst="mathMultiply">
-                <a:avLst>
-                  <a:gd name="adj1" fmla="val 8783"/>
-                </a:avLst>
-              </a:prstGeom>
-              <a:solidFill>
-                <a:srgbClr val="FE0002"/>
-              </a:solidFill>
-              <a:ln>
-                <a:noFill/>
-              </a:ln>
-            </p:spPr>
-            <p:style>
-              <a:lnRef idx="2">
-                <a:schemeClr val="accent2">
-                  <a:shade val="50000"/>
-                </a:schemeClr>
-              </a:lnRef>
-              <a:fillRef idx="1">
-                <a:schemeClr val="accent2"/>
-              </a:fillRef>
-              <a:effectRef idx="0">
-                <a:schemeClr val="accent2"/>
-              </a:effectRef>
-              <a:fontRef idx="minor">
-                <a:schemeClr val="lt1"/>
-              </a:fontRef>
-            </p:style>
-            <p:txBody>
-              <a:bodyPr rtlCol="0" anchor="ctr"/>
-              <a:lstStyle/>
-              <a:p>
-                <a:pPr algn="ctr"/>
-                <a:endParaRPr lang="en-US"/>
-              </a:p>
-            </p:txBody>
-          </p:sp>
-          <p:sp>
-            <p:nvSpPr>
-              <p:cNvPr id="12" name="TextBox 11">
-                <a:extLst>
-                  <a:ext uri="{FF2B5EF4-FFF2-40B4-BE49-F238E27FC236}">
-                    <a16:creationId xmlns:a16="http://schemas.microsoft.com/office/drawing/2014/main" id="{8B3F1B98-6EE4-4134-BB7C-8535D84333EF}"/>
-                  </a:ext>
-                </a:extLst>
-              </p:cNvPr>
-              <p:cNvSpPr txBox="1"/>
-              <p:nvPr/>
-            </p:nvSpPr>
-            <p:spPr>
-              <a:xfrm>
-                <a:off x="5754881" y="737839"/>
-                <a:ext cx="3712346" cy="325089"/>
-              </a:xfrm>
-              <a:prstGeom prst="rect">
-                <a:avLst/>
-              </a:prstGeom>
-              <a:noFill/>
-              <a:ln>
-                <a:noFill/>
-              </a:ln>
-            </p:spPr>
-            <p:txBody>
-              <a:bodyPr wrap="square" rtlCol="0">
-                <a:spAutoFit/>
-              </a:bodyPr>
-              <a:lstStyle/>
-              <a:p>
-                <a:pPr>
-                  <a:lnSpc>
-                    <a:spcPct val="150000"/>
-                  </a:lnSpc>
-                </a:pPr>
-                <a:r>
-                  <a:rPr lang="en-US" sz="1100" dirty="0">
-                    <a:solidFill>
-                      <a:schemeClr val="tx1">
-                        <a:lumMod val="85000"/>
-                        <a:lumOff val="15000"/>
-                      </a:schemeClr>
-                    </a:solidFill>
-                    <a:latin typeface="IRANSans Light" panose="020B0506030804020204" pitchFamily="34" charset="-78"/>
-                    <a:cs typeface="IRANSans Light" panose="020B0506030804020204" pitchFamily="34" charset="-78"/>
-                  </a:rPr>
-                  <a:t>Do not change the typography.</a:t>
-                </a:r>
-              </a:p>
-            </p:txBody>
-          </p:sp>
-        </p:grpSp>
-        <p:grpSp>
-          <p:nvGrpSpPr>
-            <p:cNvPr id="16" name="Group 15">
-              <a:extLst>
-                <a:ext uri="{FF2B5EF4-FFF2-40B4-BE49-F238E27FC236}">
-                  <a16:creationId xmlns:a16="http://schemas.microsoft.com/office/drawing/2014/main" id="{A7BDE3F3-2E6A-4F1E-97C5-ECA50E5C8E16}"/>
-                </a:ext>
-              </a:extLst>
-            </p:cNvPr>
-            <p:cNvGrpSpPr/>
-            <p:nvPr/>
-          </p:nvGrpSpPr>
-          <p:grpSpPr>
-            <a:xfrm>
-              <a:off x="6249103" y="752197"/>
-              <a:ext cx="1914957" cy="540000"/>
-              <a:chOff x="8868064" y="1296000"/>
-              <a:chExt cx="1914957" cy="540000"/>
-            </a:xfrm>
-          </p:grpSpPr>
-          <p:pic>
-            <p:nvPicPr>
-              <p:cNvPr id="14" name="Graphic 13">
-                <a:extLst>
-                  <a:ext uri="{FF2B5EF4-FFF2-40B4-BE49-F238E27FC236}">
-                    <a16:creationId xmlns:a16="http://schemas.microsoft.com/office/drawing/2014/main" id="{F421EF8B-342B-48EF-8D98-1BDE36448099}"/>
-                  </a:ext>
-                </a:extLst>
-              </p:cNvPr>
-              <p:cNvPicPr>
-                <a:picLocks noChangeAspect="1"/>
-              </p:cNvPicPr>
-              <p:nvPr/>
-            </p:nvPicPr>
-            <p:blipFill>
-              <a:blip r:embed="rId2" cstate="print">
-                <a:extLst>
-                  <a:ext uri="{28A0092B-C50C-407E-A947-70E740481C1C}">
-                    <a14:useLocalDpi xmlns:a14="http://schemas.microsoft.com/office/drawing/2010/main" val="0"/>
-                  </a:ext>
-                  <a:ext uri="{96DAC541-7B7A-43D3-8B79-37D633B846F1}">
-                    <asvg:svgBlip xmlns:asvg="http://schemas.microsoft.com/office/drawing/2016/SVG/main" r:embed="rId3"/>
-                  </a:ext>
-                </a:extLst>
-              </a:blip>
-              <a:stretch>
-                <a:fillRect/>
-              </a:stretch>
-            </p:blipFill>
-            <p:spPr>
-              <a:xfrm>
-                <a:off x="8868064" y="1296000"/>
-                <a:ext cx="540000" cy="540000"/>
-              </a:xfrm>
-              <a:prstGeom prst="rect">
-                <a:avLst/>
-              </a:prstGeom>
-            </p:spPr>
-          </p:pic>
-          <p:sp>
-            <p:nvSpPr>
-              <p:cNvPr id="15" name="TextBox 14">
-                <a:extLst>
-                  <a:ext uri="{FF2B5EF4-FFF2-40B4-BE49-F238E27FC236}">
-                    <a16:creationId xmlns:a16="http://schemas.microsoft.com/office/drawing/2014/main" id="{17447808-2E7E-4C32-81D8-6184FB4AD034}"/>
-                  </a:ext>
-                </a:extLst>
-              </p:cNvPr>
-              <p:cNvSpPr txBox="1"/>
-              <p:nvPr/>
-            </p:nvSpPr>
-            <p:spPr>
-              <a:xfrm>
-                <a:off x="9351036" y="1381334"/>
-                <a:ext cx="1431985" cy="369332"/>
-              </a:xfrm>
-              <a:prstGeom prst="rect">
-                <a:avLst/>
-              </a:prstGeom>
-              <a:noFill/>
-            </p:spPr>
-            <p:txBody>
-              <a:bodyPr wrap="square" rtlCol="0">
-                <a:spAutoFit/>
-              </a:bodyPr>
-              <a:lstStyle/>
-              <a:p>
-                <a:r>
-                  <a:rPr lang="en-US" dirty="0">
-                    <a:latin typeface="Tahoma" panose="020B0604030504040204" pitchFamily="34" charset="0"/>
-                    <a:ea typeface="Tahoma" panose="020B0604030504040204" pitchFamily="34" charset="0"/>
-                    <a:cs typeface="Tahoma" panose="020B0604030504040204" pitchFamily="34" charset="0"/>
-                  </a:rPr>
-                  <a:t>Jibres</a:t>
-                </a:r>
-              </a:p>
-            </p:txBody>
-          </p:sp>
-        </p:grpSp>
-      </p:grpSp>
-      <p:grpSp>
-        <p:nvGrpSpPr>
-          <p:cNvPr id="37" name="Group 36">
+          <a:prstGeom prst="mathMultiply">
+            <a:avLst>
+              <a:gd name="adj1" fmla="val 8783"/>
+            </a:avLst>
+          </a:prstGeom>
+          <a:solidFill>
+            <a:srgbClr val="FE0002"/>
+          </a:solidFill>
+          <a:ln>
+            <a:noFill/>
+          </a:ln>
+        </p:spPr>
+        <p:style>
+          <a:lnRef idx="2">
+            <a:schemeClr val="accent2">
+              <a:shade val="50000"/>
+            </a:schemeClr>
+          </a:lnRef>
+          <a:fillRef idx="1">
+            <a:schemeClr val="accent2"/>
+          </a:fillRef>
+          <a:effectRef idx="0">
+            <a:schemeClr val="accent2"/>
+          </a:effectRef>
+          <a:fontRef idx="minor">
+            <a:schemeClr val="lt1"/>
+          </a:fontRef>
+        </p:style>
+        <p:txBody>
+          <a:bodyPr rtlCol="0" anchor="ctr"/>
+          <a:lstStyle/>
+          <a:p>
+            <a:pPr algn="ctr"/>
+            <a:endParaRPr lang="en-US">
+              <a:latin typeface="IRANYekan" panose="020B0506030804020204" pitchFamily="34" charset="-78"/>
+              <a:cs typeface="IRANYekan" panose="020B0506030804020204" pitchFamily="34" charset="-78"/>
+            </a:endParaRPr>
+          </a:p>
+        </p:txBody>
+      </p:sp>
+      <p:sp>
+        <p:nvSpPr>
+          <p:cNvPr id="12" name="TextBox 11">
             <a:extLst>
               <a:ext uri="{FF2B5EF4-FFF2-40B4-BE49-F238E27FC236}">
-                <a16:creationId xmlns:a16="http://schemas.microsoft.com/office/drawing/2014/main" id="{F0225AFC-26E1-4AB5-9784-3D2DFA826547}"/>
+                <a16:creationId xmlns:a16="http://schemas.microsoft.com/office/drawing/2014/main" id="{8B3F1B98-6EE4-4134-BB7C-8535D84333EF}"/>
               </a:ext>
             </a:extLst>
           </p:cNvPr>
-          <p:cNvGrpSpPr/>
+          <p:cNvSpPr txBox="1"/>
           <p:nvPr/>
-        </p:nvGrpSpPr>
-        <p:grpSpPr>
+        </p:nvSpPr>
+        <p:spPr>
           <a:xfrm>
-            <a:off x="6231851" y="2236383"/>
-            <a:ext cx="3915630" cy="886155"/>
-            <a:chOff x="6249103" y="1876486"/>
-            <a:chExt cx="3915630" cy="886155"/>
+            <a:off x="2046015" y="1597922"/>
+            <a:ext cx="3712346" cy="325089"/>
           </a:xfrm>
-        </p:grpSpPr>
-        <p:pic>
-          <p:nvPicPr>
-            <p:cNvPr id="19" name="Picture 18">
-              <a:extLst>
-                <a:ext uri="{FF2B5EF4-FFF2-40B4-BE49-F238E27FC236}">
-                  <a16:creationId xmlns:a16="http://schemas.microsoft.com/office/drawing/2014/main" id="{44BD5A25-FC53-4968-9E7F-9387C15E9E5D}"/>
-                </a:ext>
-              </a:extLst>
-            </p:cNvPr>
-            <p:cNvPicPr>
-              <a:picLocks noChangeAspect="1"/>
-            </p:cNvPicPr>
-            <p:nvPr/>
-          </p:nvPicPr>
-          <p:blipFill>
-            <a:blip r:embed="rId4" cstate="print">
-              <a:duotone>
-                <a:schemeClr val="accent6">
-                  <a:shade val="45000"/>
-                  <a:satMod val="135000"/>
+          <a:prstGeom prst="rect">
+            <a:avLst/>
+          </a:prstGeom>
+          <a:noFill/>
+          <a:ln>
+            <a:noFill/>
+          </a:ln>
+        </p:spPr>
+        <p:txBody>
+          <a:bodyPr wrap="square" rtlCol="0">
+            <a:spAutoFit/>
+          </a:bodyPr>
+          <a:lstStyle/>
+          <a:p>
+            <a:pPr algn="r" rtl="1">
+              <a:lnSpc>
+                <a:spcPct val="150000"/>
+              </a:lnSpc>
+            </a:pPr>
+            <a:r>
+              <a:rPr lang="fa-IR" sz="1100" dirty="0">
+                <a:solidFill>
+                  <a:schemeClr val="tx1">
+                    <a:lumMod val="85000"/>
+                    <a:lumOff val="15000"/>
+                  </a:schemeClr>
+                </a:solidFill>
+                <a:latin typeface="IRANYekan" panose="020B0506030804020204" pitchFamily="34" charset="-78"/>
+                <a:cs typeface="IRANYekan" panose="020B0506030804020204" pitchFamily="34" charset="-78"/>
+              </a:rPr>
+              <a:t>از قلم متفاوتی استفاده نکنید.</a:t>
+            </a:r>
+            <a:endParaRPr lang="en-US" sz="1100" dirty="0">
+              <a:solidFill>
+                <a:schemeClr val="tx1">
+                  <a:lumMod val="85000"/>
+                  <a:lumOff val="15000"/>
                 </a:schemeClr>
-                <a:prstClr val="white"/>
-              </a:duotone>
-              <a:extLst>
-                <a:ext uri="{28A0092B-C50C-407E-A947-70E740481C1C}">
-                  <a14:useLocalDpi xmlns:a14="http://schemas.microsoft.com/office/drawing/2010/main" val="0"/>
-                </a:ext>
-              </a:extLst>
-            </a:blip>
-            <a:srcRect/>
-            <a:stretch/>
-          </p:blipFill>
-          <p:spPr>
-            <a:xfrm>
-              <a:off x="6249103" y="1876486"/>
-              <a:ext cx="1720015" cy="584536"/>
-            </a:xfrm>
-            <a:prstGeom prst="rect">
-              <a:avLst/>
-            </a:prstGeom>
-          </p:spPr>
-        </p:pic>
-        <p:grpSp>
-          <p:nvGrpSpPr>
-            <p:cNvPr id="20" name="Group 19">
-              <a:extLst>
-                <a:ext uri="{FF2B5EF4-FFF2-40B4-BE49-F238E27FC236}">
-                  <a16:creationId xmlns:a16="http://schemas.microsoft.com/office/drawing/2014/main" id="{4D6F5B78-FCD4-4F66-A67B-0D693DDA6F86}"/>
-                </a:ext>
-              </a:extLst>
-            </p:cNvPr>
-            <p:cNvGrpSpPr/>
-            <p:nvPr/>
-          </p:nvGrpSpPr>
-          <p:grpSpPr>
-            <a:xfrm>
-              <a:off x="6249103" y="2437552"/>
-              <a:ext cx="3915630" cy="325089"/>
-              <a:chOff x="5551597" y="737839"/>
-              <a:chExt cx="3915630" cy="325089"/>
-            </a:xfrm>
-          </p:grpSpPr>
-          <p:sp>
-            <p:nvSpPr>
-              <p:cNvPr id="21" name="Multiplication Sign 20">
-                <a:extLst>
-                  <a:ext uri="{FF2B5EF4-FFF2-40B4-BE49-F238E27FC236}">
-                    <a16:creationId xmlns:a16="http://schemas.microsoft.com/office/drawing/2014/main" id="{390C8721-E2B7-46D2-BF6A-051C1CDB85C5}"/>
-                  </a:ext>
-                </a:extLst>
-              </p:cNvPr>
-              <p:cNvSpPr/>
-              <p:nvPr/>
-            </p:nvSpPr>
-            <p:spPr>
-              <a:xfrm>
-                <a:off x="5551597" y="774383"/>
-                <a:ext cx="252000" cy="252000"/>
-              </a:xfrm>
-              <a:prstGeom prst="mathMultiply">
-                <a:avLst>
-                  <a:gd name="adj1" fmla="val 8783"/>
-                </a:avLst>
-              </a:prstGeom>
-              <a:solidFill>
-                <a:srgbClr val="FE0002"/>
               </a:solidFill>
-              <a:ln>
-                <a:noFill/>
-              </a:ln>
-            </p:spPr>
-            <p:style>
-              <a:lnRef idx="2">
-                <a:schemeClr val="accent2">
-                  <a:shade val="50000"/>
-                </a:schemeClr>
-              </a:lnRef>
-              <a:fillRef idx="1">
-                <a:schemeClr val="accent2"/>
-              </a:fillRef>
-              <a:effectRef idx="0">
-                <a:schemeClr val="accent2"/>
-              </a:effectRef>
-              <a:fontRef idx="minor">
-                <a:schemeClr val="lt1"/>
-              </a:fontRef>
-            </p:style>
-            <p:txBody>
-              <a:bodyPr rtlCol="0" anchor="ctr"/>
-              <a:lstStyle/>
-              <a:p>
-                <a:pPr algn="ctr"/>
-                <a:endParaRPr lang="en-US"/>
-              </a:p>
-            </p:txBody>
-          </p:sp>
-          <p:sp>
-            <p:nvSpPr>
-              <p:cNvPr id="22" name="TextBox 21">
-                <a:extLst>
-                  <a:ext uri="{FF2B5EF4-FFF2-40B4-BE49-F238E27FC236}">
-                    <a16:creationId xmlns:a16="http://schemas.microsoft.com/office/drawing/2014/main" id="{558E6F76-C78F-4A45-BA0D-E66D1C77EB43}"/>
-                  </a:ext>
-                </a:extLst>
-              </p:cNvPr>
-              <p:cNvSpPr txBox="1"/>
-              <p:nvPr/>
-            </p:nvSpPr>
-            <p:spPr>
-              <a:xfrm>
-                <a:off x="5754881" y="737839"/>
-                <a:ext cx="3712346" cy="325089"/>
-              </a:xfrm>
-              <a:prstGeom prst="rect">
-                <a:avLst/>
-              </a:prstGeom>
-              <a:noFill/>
-              <a:ln>
-                <a:noFill/>
-              </a:ln>
-            </p:spPr>
-            <p:txBody>
-              <a:bodyPr wrap="square" rtlCol="0">
-                <a:spAutoFit/>
-              </a:bodyPr>
-              <a:lstStyle/>
-              <a:p>
-                <a:pPr>
-                  <a:lnSpc>
-                    <a:spcPct val="150000"/>
-                  </a:lnSpc>
-                </a:pPr>
-                <a:r>
-                  <a:rPr lang="en-US" sz="1100" dirty="0">
-                    <a:solidFill>
-                      <a:schemeClr val="tx1">
-                        <a:lumMod val="85000"/>
-                        <a:lumOff val="15000"/>
-                      </a:schemeClr>
-                    </a:solidFill>
-                    <a:latin typeface="IRANSans Light" panose="020B0506030804020204" pitchFamily="34" charset="-78"/>
-                    <a:cs typeface="IRANSans Light" panose="020B0506030804020204" pitchFamily="34" charset="-78"/>
-                  </a:rPr>
-                  <a:t>Do not change the color.</a:t>
-                </a:r>
-              </a:p>
-            </p:txBody>
-          </p:sp>
-        </p:grpSp>
-      </p:grpSp>
-      <p:grpSp>
-        <p:nvGrpSpPr>
-          <p:cNvPr id="36" name="Group 35">
+              <a:latin typeface="IRANYekan" panose="020B0506030804020204" pitchFamily="34" charset="-78"/>
+              <a:cs typeface="IRANYekan" panose="020B0506030804020204" pitchFamily="34" charset="-78"/>
+            </a:endParaRPr>
+          </a:p>
+        </p:txBody>
+      </p:sp>
+      <p:pic>
+        <p:nvPicPr>
+          <p:cNvPr id="14" name="Graphic 13">
             <a:extLst>
               <a:ext uri="{FF2B5EF4-FFF2-40B4-BE49-F238E27FC236}">
-                <a16:creationId xmlns:a16="http://schemas.microsoft.com/office/drawing/2014/main" id="{3359BF8B-E66F-46C2-94BC-B745A3E24933}"/>
+                <a16:creationId xmlns:a16="http://schemas.microsoft.com/office/drawing/2014/main" id="{F421EF8B-342B-48EF-8D98-1BDE36448099}"/>
               </a:ext>
             </a:extLst>
           </p:cNvPr>
-          <p:cNvGrpSpPr/>
+          <p:cNvPicPr>
+            <a:picLocks noChangeAspect="1"/>
+          </p:cNvPicPr>
           <p:nvPr/>
-        </p:nvGrpSpPr>
-        <p:grpSpPr>
+        </p:nvPicPr>
+        <p:blipFill>
+          <a:blip r:embed="rId2" cstate="print">
+            <a:extLst>
+              <a:ext uri="{28A0092B-C50C-407E-A947-70E740481C1C}">
+                <a14:useLocalDpi xmlns:a14="http://schemas.microsoft.com/office/drawing/2010/main" val="0"/>
+              </a:ext>
+              <a:ext uri="{96DAC541-7B7A-43D3-8B79-37D633B846F1}">
+                <asvg:svgBlip xmlns:asvg="http://schemas.microsoft.com/office/drawing/2016/SVG/main" r:embed="rId3"/>
+              </a:ext>
+            </a:extLst>
+          </a:blip>
+          <a:stretch>
+            <a:fillRect/>
+          </a:stretch>
+        </p:blipFill>
+        <p:spPr>
           <a:xfrm>
-            <a:off x="6231851" y="3435910"/>
-            <a:ext cx="3915630" cy="886155"/>
-            <a:chOff x="6249103" y="3020887"/>
-            <a:chExt cx="3915630" cy="886155"/>
+            <a:off x="5418071" y="1054119"/>
+            <a:ext cx="540000" cy="540000"/>
           </a:xfrm>
-        </p:grpSpPr>
-        <p:pic>
-          <p:nvPicPr>
-            <p:cNvPr id="23" name="Picture 22">
-              <a:extLst>
-                <a:ext uri="{FF2B5EF4-FFF2-40B4-BE49-F238E27FC236}">
-                  <a16:creationId xmlns:a16="http://schemas.microsoft.com/office/drawing/2014/main" id="{A14C16C8-EB35-40C9-A9AC-82E5D4A49D67}"/>
-                </a:ext>
-              </a:extLst>
-            </p:cNvPr>
-            <p:cNvPicPr>
-              <a:picLocks noChangeAspect="1"/>
-            </p:cNvPicPr>
-            <p:nvPr/>
-          </p:nvPicPr>
-          <p:blipFill>
-            <a:blip r:embed="rId5" cstate="print">
-              <a:duotone>
-                <a:schemeClr val="accent5">
-                  <a:shade val="45000"/>
-                  <a:satMod val="135000"/>
-                </a:schemeClr>
-                <a:prstClr val="white"/>
-              </a:duotone>
-              <a:extLst>
-                <a:ext uri="{BEBA8EAE-BF5A-486C-A8C5-ECC9F3942E4B}">
-                  <a14:imgProps xmlns:a14="http://schemas.microsoft.com/office/drawing/2010/main">
-                    <a14:imgLayer r:embed="rId6">
-                      <a14:imgEffect>
-                        <a14:artisticGlowEdges/>
-                      </a14:imgEffect>
-                    </a14:imgLayer>
-                  </a14:imgProps>
-                </a:ext>
-                <a:ext uri="{28A0092B-C50C-407E-A947-70E740481C1C}">
-                  <a14:useLocalDpi xmlns:a14="http://schemas.microsoft.com/office/drawing/2010/main" val="0"/>
-                </a:ext>
-              </a:extLst>
-            </a:blip>
-            <a:srcRect/>
-            <a:stretch/>
-          </p:blipFill>
-          <p:spPr>
-            <a:xfrm>
-              <a:off x="6249103" y="3020887"/>
-              <a:ext cx="1720015" cy="584536"/>
-            </a:xfrm>
-            <a:prstGeom prst="rect">
-              <a:avLst/>
-            </a:prstGeom>
-            <a:effectLst>
-              <a:glow rad="63500">
-                <a:schemeClr val="accent4">
-                  <a:satMod val="175000"/>
-                  <a:alpha val="40000"/>
-                </a:schemeClr>
-              </a:glow>
-              <a:outerShdw blurRad="50800" dist="38100" dir="18900000" algn="bl" rotWithShape="0">
-                <a:prstClr val="black">
-                  <a:alpha val="40000"/>
-                </a:prstClr>
-              </a:outerShdw>
-            </a:effectLst>
-          </p:spPr>
-        </p:pic>
-        <p:grpSp>
-          <p:nvGrpSpPr>
-            <p:cNvPr id="24" name="Group 23">
-              <a:extLst>
-                <a:ext uri="{FF2B5EF4-FFF2-40B4-BE49-F238E27FC236}">
-                  <a16:creationId xmlns:a16="http://schemas.microsoft.com/office/drawing/2014/main" id="{B2FE3DA9-1706-4BCB-A038-494F1F179C1A}"/>
-                </a:ext>
-              </a:extLst>
-            </p:cNvPr>
-            <p:cNvGrpSpPr/>
-            <p:nvPr/>
-          </p:nvGrpSpPr>
-          <p:grpSpPr>
-            <a:xfrm>
-              <a:off x="6249103" y="3581953"/>
-              <a:ext cx="3915630" cy="325089"/>
-              <a:chOff x="5551597" y="737839"/>
-              <a:chExt cx="3915630" cy="325089"/>
-            </a:xfrm>
-          </p:grpSpPr>
-          <p:sp>
-            <p:nvSpPr>
-              <p:cNvPr id="25" name="Multiplication Sign 24">
-                <a:extLst>
-                  <a:ext uri="{FF2B5EF4-FFF2-40B4-BE49-F238E27FC236}">
-                    <a16:creationId xmlns:a16="http://schemas.microsoft.com/office/drawing/2014/main" id="{9F4593EB-5CF8-4B76-A3B7-8107F24F0038}"/>
-                  </a:ext>
-                </a:extLst>
-              </p:cNvPr>
-              <p:cNvSpPr/>
-              <p:nvPr/>
-            </p:nvSpPr>
-            <p:spPr>
-              <a:xfrm>
-                <a:off x="5551597" y="774383"/>
-                <a:ext cx="252000" cy="252000"/>
-              </a:xfrm>
-              <a:prstGeom prst="mathMultiply">
-                <a:avLst>
-                  <a:gd name="adj1" fmla="val 8783"/>
-                </a:avLst>
-              </a:prstGeom>
-              <a:solidFill>
-                <a:srgbClr val="FE0002"/>
-              </a:solidFill>
-              <a:ln>
-                <a:noFill/>
-              </a:ln>
-            </p:spPr>
-            <p:style>
-              <a:lnRef idx="2">
-                <a:schemeClr val="accent2">
-                  <a:shade val="50000"/>
-                </a:schemeClr>
-              </a:lnRef>
-              <a:fillRef idx="1">
-                <a:schemeClr val="accent2"/>
-              </a:fillRef>
-              <a:effectRef idx="0">
-                <a:schemeClr val="accent2"/>
-              </a:effectRef>
-              <a:fontRef idx="minor">
-                <a:schemeClr val="lt1"/>
-              </a:fontRef>
-            </p:style>
-            <p:txBody>
-              <a:bodyPr rtlCol="0" anchor="ctr"/>
-              <a:lstStyle/>
-              <a:p>
-                <a:pPr algn="ctr"/>
-                <a:endParaRPr lang="en-US"/>
-              </a:p>
-            </p:txBody>
-          </p:sp>
-          <p:sp>
-            <p:nvSpPr>
-              <p:cNvPr id="26" name="TextBox 25">
-                <a:extLst>
-                  <a:ext uri="{FF2B5EF4-FFF2-40B4-BE49-F238E27FC236}">
-                    <a16:creationId xmlns:a16="http://schemas.microsoft.com/office/drawing/2014/main" id="{0F97E2AF-48B2-48D1-A560-7364DEF231F1}"/>
-                  </a:ext>
-                </a:extLst>
-              </p:cNvPr>
-              <p:cNvSpPr txBox="1"/>
-              <p:nvPr/>
-            </p:nvSpPr>
-            <p:spPr>
-              <a:xfrm>
-                <a:off x="5754881" y="737839"/>
-                <a:ext cx="3712346" cy="325089"/>
-              </a:xfrm>
-              <a:prstGeom prst="rect">
-                <a:avLst/>
-              </a:prstGeom>
-              <a:noFill/>
-              <a:ln>
-                <a:noFill/>
-              </a:ln>
-            </p:spPr>
-            <p:txBody>
-              <a:bodyPr wrap="square" rtlCol="0">
-                <a:spAutoFit/>
-              </a:bodyPr>
-              <a:lstStyle/>
-              <a:p>
-                <a:pPr>
-                  <a:lnSpc>
-                    <a:spcPct val="150000"/>
-                  </a:lnSpc>
-                </a:pPr>
-                <a:r>
-                  <a:rPr lang="en-US" sz="1100" dirty="0">
-                    <a:solidFill>
-                      <a:schemeClr val="tx1">
-                        <a:lumMod val="85000"/>
-                        <a:lumOff val="15000"/>
-                      </a:schemeClr>
-                    </a:solidFill>
-                    <a:latin typeface="IRANSans Light" panose="020B0506030804020204" pitchFamily="34" charset="-78"/>
-                    <a:cs typeface="IRANSans Light" panose="020B0506030804020204" pitchFamily="34" charset="-78"/>
-                  </a:rPr>
-                  <a:t>Do not add gradients, strokes or any other effects.</a:t>
-                </a:r>
-              </a:p>
-            </p:txBody>
-          </p:sp>
-        </p:grpSp>
-      </p:grpSp>
-      <p:grpSp>
-        <p:nvGrpSpPr>
-          <p:cNvPr id="35" name="Group 34">
+          <a:prstGeom prst="rect">
+            <a:avLst/>
+          </a:prstGeom>
+        </p:spPr>
+      </p:pic>
+      <p:sp>
+        <p:nvSpPr>
+          <p:cNvPr id="15" name="TextBox 14">
             <a:extLst>
               <a:ext uri="{FF2B5EF4-FFF2-40B4-BE49-F238E27FC236}">
-                <a16:creationId xmlns:a16="http://schemas.microsoft.com/office/drawing/2014/main" id="{44A43C2F-97DC-4CF6-8EC0-D77EA51F1680}"/>
+                <a16:creationId xmlns:a16="http://schemas.microsoft.com/office/drawing/2014/main" id="{17447808-2E7E-4C32-81D8-6184FB4AD034}"/>
               </a:ext>
             </a:extLst>
           </p:cNvPr>
-          <p:cNvGrpSpPr/>
+          <p:cNvSpPr txBox="1"/>
           <p:nvPr/>
-        </p:nvGrpSpPr>
-        <p:grpSpPr>
+        </p:nvSpPr>
+        <p:spPr>
           <a:xfrm>
-            <a:off x="6231851" y="4635436"/>
-            <a:ext cx="3915630" cy="886155"/>
-            <a:chOff x="6249103" y="4333514"/>
-            <a:chExt cx="3915630" cy="886155"/>
+            <a:off x="3956383" y="1139453"/>
+            <a:ext cx="1431985" cy="369332"/>
           </a:xfrm>
-        </p:grpSpPr>
-        <p:pic>
-          <p:nvPicPr>
-            <p:cNvPr id="31" name="Picture 30">
-              <a:extLst>
-                <a:ext uri="{FF2B5EF4-FFF2-40B4-BE49-F238E27FC236}">
-                  <a16:creationId xmlns:a16="http://schemas.microsoft.com/office/drawing/2014/main" id="{C0FDF4B1-2049-41AD-841C-271BD9DF7EA5}"/>
-                </a:ext>
-              </a:extLst>
-            </p:cNvPr>
-            <p:cNvPicPr>
-              <a:picLocks noChangeAspect="1"/>
-            </p:cNvPicPr>
-            <p:nvPr/>
-          </p:nvPicPr>
-          <p:blipFill>
-            <a:blip r:embed="rId4" cstate="print">
-              <a:extLst>
-                <a:ext uri="{28A0092B-C50C-407E-A947-70E740481C1C}">
-                  <a14:useLocalDpi xmlns:a14="http://schemas.microsoft.com/office/drawing/2010/main" val="0"/>
-                </a:ext>
-              </a:extLst>
-            </a:blip>
-            <a:srcRect/>
-            <a:stretch/>
-          </p:blipFill>
-          <p:spPr>
-            <a:xfrm>
-              <a:off x="6249103" y="4333514"/>
-              <a:ext cx="3170942" cy="584536"/>
-            </a:xfrm>
-            <a:prstGeom prst="rect">
-              <a:avLst/>
-            </a:prstGeom>
-          </p:spPr>
-        </p:pic>
-        <p:grpSp>
-          <p:nvGrpSpPr>
-            <p:cNvPr id="32" name="Group 31">
-              <a:extLst>
-                <a:ext uri="{FF2B5EF4-FFF2-40B4-BE49-F238E27FC236}">
-                  <a16:creationId xmlns:a16="http://schemas.microsoft.com/office/drawing/2014/main" id="{78E50F7C-0A8D-4344-8588-0AD199156845}"/>
-                </a:ext>
-              </a:extLst>
-            </p:cNvPr>
-            <p:cNvGrpSpPr/>
-            <p:nvPr/>
-          </p:nvGrpSpPr>
-          <p:grpSpPr>
-            <a:xfrm>
-              <a:off x="6249103" y="4894580"/>
-              <a:ext cx="3915630" cy="325089"/>
-              <a:chOff x="5551597" y="737839"/>
-              <a:chExt cx="3915630" cy="325089"/>
-            </a:xfrm>
-          </p:grpSpPr>
-          <p:sp>
-            <p:nvSpPr>
-              <p:cNvPr id="33" name="Multiplication Sign 32">
-                <a:extLst>
-                  <a:ext uri="{FF2B5EF4-FFF2-40B4-BE49-F238E27FC236}">
-                    <a16:creationId xmlns:a16="http://schemas.microsoft.com/office/drawing/2014/main" id="{2C08A9FE-6764-4D7C-A67D-B6F244968C98}"/>
-                  </a:ext>
-                </a:extLst>
-              </p:cNvPr>
-              <p:cNvSpPr/>
-              <p:nvPr/>
-            </p:nvSpPr>
-            <p:spPr>
-              <a:xfrm>
-                <a:off x="5551597" y="774383"/>
-                <a:ext cx="252000" cy="252000"/>
-              </a:xfrm>
-              <a:prstGeom prst="mathMultiply">
-                <a:avLst>
-                  <a:gd name="adj1" fmla="val 8783"/>
-                </a:avLst>
-              </a:prstGeom>
+          <a:prstGeom prst="rect">
+            <a:avLst/>
+          </a:prstGeom>
+          <a:noFill/>
+        </p:spPr>
+        <p:txBody>
+          <a:bodyPr wrap="square" rtlCol="0">
+            <a:spAutoFit/>
+          </a:bodyPr>
+          <a:lstStyle/>
+          <a:p>
+            <a:pPr algn="r" rtl="1"/>
+            <a:r>
+              <a:rPr lang="fa-IR" dirty="0">
+                <a:latin typeface="Tahoma" panose="020B0604030504040204" pitchFamily="34" charset="0"/>
+                <a:ea typeface="Tahoma" panose="020B0604030504040204" pitchFamily="34" charset="0"/>
+                <a:cs typeface="Tahoma" panose="020B0604030504040204" pitchFamily="34" charset="0"/>
+              </a:rPr>
+              <a:t>جیبرس</a:t>
+            </a:r>
+            <a:endParaRPr lang="en-US" dirty="0">
+              <a:latin typeface="Tahoma" panose="020B0604030504040204" pitchFamily="34" charset="0"/>
+              <a:ea typeface="Tahoma" panose="020B0604030504040204" pitchFamily="34" charset="0"/>
+              <a:cs typeface="Tahoma" panose="020B0604030504040204" pitchFamily="34" charset="0"/>
+            </a:endParaRPr>
+          </a:p>
+        </p:txBody>
+      </p:sp>
+      <p:pic>
+        <p:nvPicPr>
+          <p:cNvPr id="19" name="Picture 18">
+            <a:extLst>
+              <a:ext uri="{FF2B5EF4-FFF2-40B4-BE49-F238E27FC236}">
+                <a16:creationId xmlns:a16="http://schemas.microsoft.com/office/drawing/2014/main" id="{44BD5A25-FC53-4968-9E7F-9387C15E9E5D}"/>
+              </a:ext>
+            </a:extLst>
+          </p:cNvPr>
+          <p:cNvPicPr>
+            <a:picLocks noChangeAspect="1"/>
+          </p:cNvPicPr>
+          <p:nvPr/>
+        </p:nvPicPr>
+        <p:blipFill>
+          <a:blip r:embed="rId4" cstate="print">
+            <a:duotone>
+              <a:schemeClr val="accent6">
+                <a:shade val="45000"/>
+                <a:satMod val="135000"/>
+              </a:schemeClr>
+              <a:prstClr val="white"/>
+            </a:duotone>
+            <a:extLst>
+              <a:ext uri="{28A0092B-C50C-407E-A947-70E740481C1C}">
+                <a14:useLocalDpi xmlns:a14="http://schemas.microsoft.com/office/drawing/2010/main" val="0"/>
+              </a:ext>
+            </a:extLst>
+          </a:blip>
+          <a:srcRect/>
+          <a:stretch/>
+        </p:blipFill>
+        <p:spPr>
+          <a:xfrm>
+            <a:off x="4238056" y="2256539"/>
+            <a:ext cx="1720015" cy="544223"/>
+          </a:xfrm>
+          <a:prstGeom prst="rect">
+            <a:avLst/>
+          </a:prstGeom>
+        </p:spPr>
+      </p:pic>
+      <p:sp>
+        <p:nvSpPr>
+          <p:cNvPr id="21" name="Multiplication Sign 20">
+            <a:extLst>
+              <a:ext uri="{FF2B5EF4-FFF2-40B4-BE49-F238E27FC236}">
+                <a16:creationId xmlns:a16="http://schemas.microsoft.com/office/drawing/2014/main" id="{390C8721-E2B7-46D2-BF6A-051C1CDB85C5}"/>
+              </a:ext>
+            </a:extLst>
+          </p:cNvPr>
+          <p:cNvSpPr/>
+          <p:nvPr/>
+        </p:nvSpPr>
+        <p:spPr>
+          <a:xfrm>
+            <a:off x="5706071" y="2856853"/>
+            <a:ext cx="252000" cy="252000"/>
+          </a:xfrm>
+          <a:prstGeom prst="mathMultiply">
+            <a:avLst>
+              <a:gd name="adj1" fmla="val 8783"/>
+            </a:avLst>
+          </a:prstGeom>
+          <a:solidFill>
+            <a:srgbClr val="FE0002"/>
+          </a:solidFill>
+          <a:ln>
+            <a:noFill/>
+          </a:ln>
+        </p:spPr>
+        <p:style>
+          <a:lnRef idx="2">
+            <a:schemeClr val="accent2">
+              <a:shade val="50000"/>
+            </a:schemeClr>
+          </a:lnRef>
+          <a:fillRef idx="1">
+            <a:schemeClr val="accent2"/>
+          </a:fillRef>
+          <a:effectRef idx="0">
+            <a:schemeClr val="accent2"/>
+          </a:effectRef>
+          <a:fontRef idx="minor">
+            <a:schemeClr val="lt1"/>
+          </a:fontRef>
+        </p:style>
+        <p:txBody>
+          <a:bodyPr rtlCol="0" anchor="ctr"/>
+          <a:lstStyle/>
+          <a:p>
+            <a:pPr algn="ctr"/>
+            <a:endParaRPr lang="en-US">
+              <a:latin typeface="IRANYekan" panose="020B0506030804020204" pitchFamily="34" charset="-78"/>
+              <a:cs typeface="IRANYekan" panose="020B0506030804020204" pitchFamily="34" charset="-78"/>
+            </a:endParaRPr>
+          </a:p>
+        </p:txBody>
+      </p:sp>
+      <p:sp>
+        <p:nvSpPr>
+          <p:cNvPr id="22" name="TextBox 21">
+            <a:extLst>
+              <a:ext uri="{FF2B5EF4-FFF2-40B4-BE49-F238E27FC236}">
+                <a16:creationId xmlns:a16="http://schemas.microsoft.com/office/drawing/2014/main" id="{558E6F76-C78F-4A45-BA0D-E66D1C77EB43}"/>
+              </a:ext>
+            </a:extLst>
+          </p:cNvPr>
+          <p:cNvSpPr txBox="1"/>
+          <p:nvPr/>
+        </p:nvSpPr>
+        <p:spPr>
+          <a:xfrm>
+            <a:off x="2046015" y="2797449"/>
+            <a:ext cx="3712346" cy="325089"/>
+          </a:xfrm>
+          <a:prstGeom prst="rect">
+            <a:avLst/>
+          </a:prstGeom>
+          <a:noFill/>
+          <a:ln>
+            <a:noFill/>
+          </a:ln>
+        </p:spPr>
+        <p:txBody>
+          <a:bodyPr wrap="square" rtlCol="0">
+            <a:spAutoFit/>
+          </a:bodyPr>
+          <a:lstStyle/>
+          <a:p>
+            <a:pPr algn="r" rtl="1">
+              <a:lnSpc>
+                <a:spcPct val="150000"/>
+              </a:lnSpc>
+            </a:pPr>
+            <a:r>
+              <a:rPr lang="fa-IR" sz="1100" dirty="0">
+                <a:solidFill>
+                  <a:schemeClr val="tx1">
+                    <a:lumMod val="85000"/>
+                    <a:lumOff val="15000"/>
+                  </a:schemeClr>
+                </a:solidFill>
+                <a:latin typeface="IRANYekan" panose="020B0506030804020204" pitchFamily="34" charset="-78"/>
+                <a:cs typeface="IRANYekan" panose="020B0506030804020204" pitchFamily="34" charset="-78"/>
+              </a:rPr>
+              <a:t>رنگ را تغییر ندهید.</a:t>
+            </a:r>
+            <a:endParaRPr lang="en-US" sz="1100" dirty="0">
               <a:solidFill>
-                <a:srgbClr val="FE0002"/>
+                <a:schemeClr val="tx1">
+                  <a:lumMod val="85000"/>
+                  <a:lumOff val="15000"/>
+                </a:schemeClr>
               </a:solidFill>
-              <a:ln>
-                <a:noFill/>
-              </a:ln>
-            </p:spPr>
-            <p:style>
-              <a:lnRef idx="2">
-                <a:schemeClr val="accent2">
-                  <a:shade val="50000"/>
+              <a:latin typeface="IRANYekan" panose="020B0506030804020204" pitchFamily="34" charset="-78"/>
+              <a:cs typeface="IRANYekan" panose="020B0506030804020204" pitchFamily="34" charset="-78"/>
+            </a:endParaRPr>
+          </a:p>
+        </p:txBody>
+      </p:sp>
+      <p:sp>
+        <p:nvSpPr>
+          <p:cNvPr id="25" name="Multiplication Sign 24">
+            <a:extLst>
+              <a:ext uri="{FF2B5EF4-FFF2-40B4-BE49-F238E27FC236}">
+                <a16:creationId xmlns:a16="http://schemas.microsoft.com/office/drawing/2014/main" id="{9F4593EB-5CF8-4B76-A3B7-8107F24F0038}"/>
+              </a:ext>
+            </a:extLst>
+          </p:cNvPr>
+          <p:cNvSpPr/>
+          <p:nvPr/>
+        </p:nvSpPr>
+        <p:spPr>
+          <a:xfrm>
+            <a:off x="5706071" y="4056380"/>
+            <a:ext cx="252000" cy="252000"/>
+          </a:xfrm>
+          <a:prstGeom prst="mathMultiply">
+            <a:avLst>
+              <a:gd name="adj1" fmla="val 8783"/>
+            </a:avLst>
+          </a:prstGeom>
+          <a:solidFill>
+            <a:srgbClr val="FE0002"/>
+          </a:solidFill>
+          <a:ln>
+            <a:noFill/>
+          </a:ln>
+        </p:spPr>
+        <p:style>
+          <a:lnRef idx="2">
+            <a:schemeClr val="accent2">
+              <a:shade val="50000"/>
+            </a:schemeClr>
+          </a:lnRef>
+          <a:fillRef idx="1">
+            <a:schemeClr val="accent2"/>
+          </a:fillRef>
+          <a:effectRef idx="0">
+            <a:schemeClr val="accent2"/>
+          </a:effectRef>
+          <a:fontRef idx="minor">
+            <a:schemeClr val="lt1"/>
+          </a:fontRef>
+        </p:style>
+        <p:txBody>
+          <a:bodyPr rtlCol="0" anchor="ctr"/>
+          <a:lstStyle/>
+          <a:p>
+            <a:pPr algn="ctr"/>
+            <a:endParaRPr lang="en-US">
+              <a:latin typeface="IRANYekan" panose="020B0506030804020204" pitchFamily="34" charset="-78"/>
+              <a:cs typeface="IRANYekan" panose="020B0506030804020204" pitchFamily="34" charset="-78"/>
+            </a:endParaRPr>
+          </a:p>
+        </p:txBody>
+      </p:sp>
+      <p:sp>
+        <p:nvSpPr>
+          <p:cNvPr id="26" name="TextBox 25">
+            <a:extLst>
+              <a:ext uri="{FF2B5EF4-FFF2-40B4-BE49-F238E27FC236}">
+                <a16:creationId xmlns:a16="http://schemas.microsoft.com/office/drawing/2014/main" id="{0F97E2AF-48B2-48D1-A560-7364DEF231F1}"/>
+              </a:ext>
+            </a:extLst>
+          </p:cNvPr>
+          <p:cNvSpPr txBox="1"/>
+          <p:nvPr/>
+        </p:nvSpPr>
+        <p:spPr>
+          <a:xfrm>
+            <a:off x="2046015" y="3996976"/>
+            <a:ext cx="3712346" cy="325089"/>
+          </a:xfrm>
+          <a:prstGeom prst="rect">
+            <a:avLst/>
+          </a:prstGeom>
+          <a:noFill/>
+          <a:ln>
+            <a:noFill/>
+          </a:ln>
+        </p:spPr>
+        <p:txBody>
+          <a:bodyPr wrap="square" rtlCol="0">
+            <a:spAutoFit/>
+          </a:bodyPr>
+          <a:lstStyle/>
+          <a:p>
+            <a:pPr algn="r" rtl="1">
+              <a:lnSpc>
+                <a:spcPct val="150000"/>
+              </a:lnSpc>
+            </a:pPr>
+            <a:r>
+              <a:rPr lang="fa-IR" sz="1100" dirty="0">
+                <a:solidFill>
+                  <a:schemeClr val="tx1">
+                    <a:lumMod val="85000"/>
+                    <a:lumOff val="15000"/>
+                  </a:schemeClr>
+                </a:solidFill>
+                <a:latin typeface="IRANYekan" panose="020B0506030804020204" pitchFamily="34" charset="-78"/>
+                <a:cs typeface="IRANYekan" panose="020B0506030804020204" pitchFamily="34" charset="-78"/>
+              </a:rPr>
+              <a:t>طیف رنگی، خط دور، سایه یا هیچ افکتی اضافه نکنید.</a:t>
+            </a:r>
+          </a:p>
+        </p:txBody>
+      </p:sp>
+      <p:sp>
+        <p:nvSpPr>
+          <p:cNvPr id="33" name="Multiplication Sign 32">
+            <a:extLst>
+              <a:ext uri="{FF2B5EF4-FFF2-40B4-BE49-F238E27FC236}">
+                <a16:creationId xmlns:a16="http://schemas.microsoft.com/office/drawing/2014/main" id="{2C08A9FE-6764-4D7C-A67D-B6F244968C98}"/>
+              </a:ext>
+            </a:extLst>
+          </p:cNvPr>
+          <p:cNvSpPr/>
+          <p:nvPr/>
+        </p:nvSpPr>
+        <p:spPr>
+          <a:xfrm>
+            <a:off x="5706071" y="5255906"/>
+            <a:ext cx="252000" cy="252000"/>
+          </a:xfrm>
+          <a:prstGeom prst="mathMultiply">
+            <a:avLst>
+              <a:gd name="adj1" fmla="val 8783"/>
+            </a:avLst>
+          </a:prstGeom>
+          <a:solidFill>
+            <a:srgbClr val="FE0002"/>
+          </a:solidFill>
+          <a:ln>
+            <a:noFill/>
+          </a:ln>
+        </p:spPr>
+        <p:style>
+          <a:lnRef idx="2">
+            <a:schemeClr val="accent2">
+              <a:shade val="50000"/>
+            </a:schemeClr>
+          </a:lnRef>
+          <a:fillRef idx="1">
+            <a:schemeClr val="accent2"/>
+          </a:fillRef>
+          <a:effectRef idx="0">
+            <a:schemeClr val="accent2"/>
+          </a:effectRef>
+          <a:fontRef idx="minor">
+            <a:schemeClr val="lt1"/>
+          </a:fontRef>
+        </p:style>
+        <p:txBody>
+          <a:bodyPr rtlCol="0" anchor="ctr"/>
+          <a:lstStyle/>
+          <a:p>
+            <a:pPr algn="ctr"/>
+            <a:endParaRPr lang="en-US">
+              <a:latin typeface="IRANYekan" panose="020B0506030804020204" pitchFamily="34" charset="-78"/>
+              <a:cs typeface="IRANYekan" panose="020B0506030804020204" pitchFamily="34" charset="-78"/>
+            </a:endParaRPr>
+          </a:p>
+        </p:txBody>
+      </p:sp>
+      <p:sp>
+        <p:nvSpPr>
+          <p:cNvPr id="34" name="TextBox 33">
+            <a:extLst>
+              <a:ext uri="{FF2B5EF4-FFF2-40B4-BE49-F238E27FC236}">
+                <a16:creationId xmlns:a16="http://schemas.microsoft.com/office/drawing/2014/main" id="{A354E75B-A101-462C-BF31-42078C395866}"/>
+              </a:ext>
+            </a:extLst>
+          </p:cNvPr>
+          <p:cNvSpPr txBox="1"/>
+          <p:nvPr/>
+        </p:nvSpPr>
+        <p:spPr>
+          <a:xfrm>
+            <a:off x="2046015" y="5196502"/>
+            <a:ext cx="3712346" cy="325089"/>
+          </a:xfrm>
+          <a:prstGeom prst="rect">
+            <a:avLst/>
+          </a:prstGeom>
+          <a:noFill/>
+          <a:ln>
+            <a:noFill/>
+          </a:ln>
+        </p:spPr>
+        <p:txBody>
+          <a:bodyPr wrap="square" rtlCol="0">
+            <a:spAutoFit/>
+          </a:bodyPr>
+          <a:lstStyle/>
+          <a:p>
+            <a:pPr algn="r" rtl="1">
+              <a:lnSpc>
+                <a:spcPct val="150000"/>
+              </a:lnSpc>
+            </a:pPr>
+            <a:r>
+              <a:rPr lang="fa-IR" sz="1100" dirty="0">
+                <a:solidFill>
+                  <a:schemeClr val="tx1">
+                    <a:lumMod val="85000"/>
+                    <a:lumOff val="15000"/>
+                  </a:schemeClr>
+                </a:solidFill>
+                <a:latin typeface="IRANYekan" panose="020B0506030804020204" pitchFamily="34" charset="-78"/>
+                <a:cs typeface="IRANYekan" panose="020B0506030804020204" pitchFamily="34" charset="-78"/>
+              </a:rPr>
+              <a:t>لوگو را نکشید!</a:t>
+            </a:r>
+            <a:endParaRPr lang="en-US" sz="1100" dirty="0">
+              <a:solidFill>
+                <a:schemeClr val="tx1">
+                  <a:lumMod val="85000"/>
+                  <a:lumOff val="15000"/>
                 </a:schemeClr>
-              </a:lnRef>
-              <a:fillRef idx="1">
-                <a:schemeClr val="accent2"/>
-              </a:fillRef>
-              <a:effectRef idx="0">
-                <a:schemeClr val="accent2"/>
-              </a:effectRef>
-              <a:fontRef idx="minor">
-                <a:schemeClr val="lt1"/>
-              </a:fontRef>
-            </p:style>
-            <p:txBody>
-              <a:bodyPr rtlCol="0" anchor="ctr"/>
-              <a:lstStyle/>
-              <a:p>
-                <a:pPr algn="ctr"/>
-                <a:endParaRPr lang="en-US"/>
-              </a:p>
-            </p:txBody>
-          </p:sp>
-          <p:sp>
-            <p:nvSpPr>
-              <p:cNvPr id="34" name="TextBox 33">
-                <a:extLst>
-                  <a:ext uri="{FF2B5EF4-FFF2-40B4-BE49-F238E27FC236}">
-                    <a16:creationId xmlns:a16="http://schemas.microsoft.com/office/drawing/2014/main" id="{A354E75B-A101-462C-BF31-42078C395866}"/>
-                  </a:ext>
-                </a:extLst>
-              </p:cNvPr>
-              <p:cNvSpPr txBox="1"/>
-              <p:nvPr/>
-            </p:nvSpPr>
-            <p:spPr>
-              <a:xfrm>
-                <a:off x="5754881" y="737839"/>
-                <a:ext cx="3712346" cy="325089"/>
-              </a:xfrm>
-              <a:prstGeom prst="rect">
-                <a:avLst/>
-              </a:prstGeom>
-              <a:noFill/>
-              <a:ln>
-                <a:noFill/>
-              </a:ln>
-            </p:spPr>
-            <p:txBody>
-              <a:bodyPr wrap="square" rtlCol="0">
-                <a:spAutoFit/>
-              </a:bodyPr>
-              <a:lstStyle/>
-              <a:p>
-                <a:pPr>
-                  <a:lnSpc>
-                    <a:spcPct val="150000"/>
-                  </a:lnSpc>
-                </a:pPr>
-                <a:r>
-                  <a:rPr lang="en-US" sz="1100" dirty="0">
-                    <a:solidFill>
-                      <a:schemeClr val="tx1">
-                        <a:lumMod val="85000"/>
-                        <a:lumOff val="15000"/>
-                      </a:schemeClr>
-                    </a:solidFill>
-                    <a:latin typeface="IRANSans Light" panose="020B0506030804020204" pitchFamily="34" charset="-78"/>
-                    <a:cs typeface="IRANSans Light" panose="020B0506030804020204" pitchFamily="34" charset="-78"/>
-                  </a:rPr>
-                  <a:t>Do not stretch the logo!</a:t>
-                </a:r>
-              </a:p>
-            </p:txBody>
-          </p:sp>
-        </p:grpSp>
-      </p:grpSp>
+              </a:solidFill>
+              <a:latin typeface="IRANYekan" panose="020B0506030804020204" pitchFamily="34" charset="-78"/>
+              <a:cs typeface="IRANYekan" panose="020B0506030804020204" pitchFamily="34" charset="-78"/>
+            </a:endParaRPr>
+          </a:p>
+        </p:txBody>
+      </p:sp>
+      <p:pic>
+        <p:nvPicPr>
+          <p:cNvPr id="29" name="Picture 28">
+            <a:extLst>
+              <a:ext uri="{FF2B5EF4-FFF2-40B4-BE49-F238E27FC236}">
+                <a16:creationId xmlns:a16="http://schemas.microsoft.com/office/drawing/2014/main" id="{5C502124-6861-46C4-8CCC-CAC5A75AC432}"/>
+              </a:ext>
+            </a:extLst>
+          </p:cNvPr>
+          <p:cNvPicPr>
+            <a:picLocks noChangeAspect="1"/>
+          </p:cNvPicPr>
+          <p:nvPr/>
+        </p:nvPicPr>
+        <p:blipFill>
+          <a:blip r:embed="rId4" cstate="print">
+            <a:duotone>
+              <a:schemeClr val="accent5">
+                <a:shade val="45000"/>
+                <a:satMod val="135000"/>
+              </a:schemeClr>
+              <a:prstClr val="white"/>
+            </a:duotone>
+            <a:extLst>
+              <a:ext uri="{28A0092B-C50C-407E-A947-70E740481C1C}">
+                <a14:useLocalDpi xmlns:a14="http://schemas.microsoft.com/office/drawing/2010/main" val="0"/>
+              </a:ext>
+            </a:extLst>
+          </a:blip>
+          <a:srcRect/>
+          <a:stretch/>
+        </p:blipFill>
+        <p:spPr>
+          <a:xfrm>
+            <a:off x="4238056" y="3463351"/>
+            <a:ext cx="1720015" cy="544223"/>
+          </a:xfrm>
+          <a:prstGeom prst="rect">
+            <a:avLst/>
+          </a:prstGeom>
+          <a:effectLst>
+            <a:glow rad="101600">
+              <a:schemeClr val="accent4">
+                <a:satMod val="175000"/>
+                <a:alpha val="40000"/>
+              </a:schemeClr>
+            </a:glow>
+            <a:outerShdw blurRad="50800" dist="38100" dir="13500000" algn="br" rotWithShape="0">
+              <a:prstClr val="black">
+                <a:alpha val="40000"/>
+              </a:prstClr>
+            </a:outerShdw>
+          </a:effectLst>
+        </p:spPr>
+      </p:pic>
+      <p:pic>
+        <p:nvPicPr>
+          <p:cNvPr id="30" name="Picture 29">
+            <a:extLst>
+              <a:ext uri="{FF2B5EF4-FFF2-40B4-BE49-F238E27FC236}">
+                <a16:creationId xmlns:a16="http://schemas.microsoft.com/office/drawing/2014/main" id="{3B45F005-9FB0-4AD4-ACB5-4AA39F07E017}"/>
+              </a:ext>
+            </a:extLst>
+          </p:cNvPr>
+          <p:cNvPicPr>
+            <a:picLocks noChangeAspect="1"/>
+          </p:cNvPicPr>
+          <p:nvPr/>
+        </p:nvPicPr>
+        <p:blipFill>
+          <a:blip r:embed="rId4" cstate="print">
+            <a:extLst>
+              <a:ext uri="{28A0092B-C50C-407E-A947-70E740481C1C}">
+                <a14:useLocalDpi xmlns:a14="http://schemas.microsoft.com/office/drawing/2010/main" val="0"/>
+              </a:ext>
+            </a:extLst>
+          </a:blip>
+          <a:srcRect/>
+          <a:stretch/>
+        </p:blipFill>
+        <p:spPr>
+          <a:xfrm>
+            <a:off x="3131819" y="4681981"/>
+            <a:ext cx="2826251" cy="544223"/>
+          </a:xfrm>
+          <a:prstGeom prst="rect">
+            <a:avLst/>
+          </a:prstGeom>
+        </p:spPr>
+      </p:pic>
     </p:spTree>
     <p:extLst>
       <p:ext uri="{BB962C8B-B14F-4D97-AF65-F5344CB8AC3E}">
@@ -6320,7 +5657,7 @@
         </p:nvSpPr>
         <p:spPr>
           <a:xfrm>
-            <a:off x="10368953" y="5980142"/>
+            <a:off x="478193" y="5980142"/>
             <a:ext cx="1314032" cy="325089"/>
           </a:xfrm>
           <a:prstGeom prst="rect">
@@ -6337,13 +5674,13 @@
           </a:bodyPr>
           <a:lstStyle/>
           <a:p>
-            <a:pPr algn="r">
+            <a:pPr rtl="1">
               <a:lnSpc>
                 <a:spcPct val="150000"/>
               </a:lnSpc>
             </a:pPr>
             <a:r>
-              <a:rPr lang="en-US" sz="1100" dirty="0">
+              <a:rPr lang="fa-IR" sz="1100" dirty="0">
                 <a:solidFill>
                   <a:schemeClr val="tx1">
                     <a:lumMod val="85000"/>
@@ -6353,8 +5690,18 @@
                 <a:latin typeface="IRANSans Light" panose="020B0506030804020204" pitchFamily="34" charset="-78"/>
                 <a:cs typeface="IRANSans Light" panose="020B0506030804020204" pitchFamily="34" charset="-78"/>
               </a:rPr>
-              <a:t>v2</a:t>
-            </a:r>
+              <a:t>نسخه ۱</a:t>
+            </a:r>
+            <a:endParaRPr lang="en-US" sz="1100" dirty="0">
+              <a:solidFill>
+                <a:schemeClr val="tx1">
+                  <a:lumMod val="85000"/>
+                  <a:lumOff val="15000"/>
+                </a:schemeClr>
+              </a:solidFill>
+              <a:latin typeface="IRANSans Light" panose="020B0506030804020204" pitchFamily="34" charset="-78"/>
+              <a:cs typeface="IRANSans Light" panose="020B0506030804020204" pitchFamily="34" charset="-78"/>
+            </a:endParaRPr>
           </a:p>
         </p:txBody>
       </p:sp>
@@ -6401,14 +5748,19 @@
             <p:ph type="title"/>
           </p:nvPr>
         </p:nvSpPr>
-        <p:spPr/>
+        <p:spPr>
+          <a:xfrm>
+            <a:off x="7985760" y="1296000"/>
+            <a:ext cx="3144660" cy="720000"/>
+          </a:xfrm>
+        </p:spPr>
         <p:txBody>
           <a:bodyPr/>
           <a:lstStyle/>
           <a:p>
             <a:r>
               <a:rPr lang="fa-IR" dirty="0"/>
-              <a:t>با لوگو آشنا شوید</a:t>
+              <a:t>با نشان تجاری آشنا شوید</a:t>
             </a:r>
             <a:endParaRPr lang="en-US" dirty="0"/>
           </a:p>
@@ -6424,27 +5776,43 @@
             <p:ph type="body" sz="half" idx="2"/>
           </p:nvPr>
         </p:nvSpPr>
-        <p:spPr/>
+        <p:spPr>
+          <a:xfrm>
+            <a:off x="8250420" y="2232000"/>
+            <a:ext cx="2880000" cy="2520000"/>
+          </a:xfrm>
+        </p:spPr>
         <p:txBody>
-          <a:bodyPr/>
+          <a:bodyPr>
+            <a:normAutofit fontScale="92500" lnSpcReduction="20000"/>
+          </a:bodyPr>
           <a:lstStyle/>
           <a:p>
-            <a:r>
-              <a:rPr lang="en-US" dirty="0"/>
-              <a:t>Our logo represents simplicity, vivacity, agility scalability and reliability; Values that we believe them as a company.</a:t>
-            </a:r>
-          </a:p>
-          <a:p>
-            <a:r>
-              <a:rPr lang="en-US" dirty="0"/>
-              <a:t>These guidelines are here to help ensure that your use of the Jibres logo is consistent with the way we present ourselves.</a:t>
-            </a:r>
+            <a:pPr algn="justLow"/>
+            <a:r>
+              <a:rPr lang="fa-IR" dirty="0"/>
+              <a:t>لوگوی ما نمایانگر سادگی، سرزندگی، چابکی، مقیاس‌پذیری و قابلیت اطمینان است؛ ارزش‌هایی که ما به آن‌ها باور داریم.</a:t>
+            </a:r>
+          </a:p>
+          <a:p>
+            <a:pPr algn="justLow"/>
+            <a:r>
+              <a:rPr lang="fa-IR" dirty="0"/>
+              <a:t>این دستورالعمل‌ها برای کمک به شماست تا در کنار آن اطمینان حاصل کنیم که استفاده از نشان تجاری جیبرس، مطابق با روش ارائه شده توسط ما خواهد بود.</a:t>
+            </a:r>
+            <a:endParaRPr lang="en-US" dirty="0"/>
           </a:p>
         </p:txBody>
       </p:sp>
       <p:sp>
         <p:nvSpPr>
-          <p:cNvPr id="5" name="Slide Number Placeholder 4"/>
+          <p:cNvPr id="4" name="Slide Number Placeholder 3">
+            <a:extLst>
+              <a:ext uri="{FF2B5EF4-FFF2-40B4-BE49-F238E27FC236}">
+                <a16:creationId xmlns:a16="http://schemas.microsoft.com/office/drawing/2014/main" id="{8B1CDB3B-B817-4704-8BE1-3B7135E2BC56}"/>
+              </a:ext>
+            </a:extLst>
+          </p:cNvPr>
           <p:cNvSpPr>
             <a:spLocks noGrp="1"/>
           </p:cNvSpPr>
@@ -6459,7 +5827,6 @@
           <a:p>
             <a:fld id="{6B8230D4-A52F-48C3-88BB-7CF0A26BA1C5}" type="slidenum">
               <a:rPr lang="en-US" smtClean="0"/>
-              <a:pPr/>
               <a:t>3</a:t>
             </a:fld>
             <a:endParaRPr lang="en-US"/>
@@ -6515,9 +5882,10 @@
           <a:lstStyle/>
           <a:p>
             <a:r>
-              <a:rPr lang="en-US" dirty="0"/>
-              <a:t>STANDARD LOCKUP </a:t>
-            </a:r>
+              <a:rPr lang="fa-IR" dirty="0"/>
+              <a:t>حالت نمایش استاندارد</a:t>
+            </a:r>
+            <a:endParaRPr lang="en-US" dirty="0"/>
           </a:p>
         </p:txBody>
       </p:sp>
@@ -6533,46 +5901,32 @@
         </p:nvSpPr>
         <p:spPr/>
         <p:txBody>
-          <a:bodyPr/>
+          <a:bodyPr>
+            <a:normAutofit/>
+          </a:bodyPr>
           <a:lstStyle/>
           <a:p>
-            <a:r>
-              <a:rPr lang="en-US" dirty="0"/>
-              <a:t>Our standard horizontal lockup is our official logotype, consisting of the icon and our wordmark. If you aren’t sure which logo to use in your materials, use this one.</a:t>
-            </a:r>
-          </a:p>
-        </p:txBody>
-      </p:sp>
-      <p:sp>
-        <p:nvSpPr>
-          <p:cNvPr id="5" name="Slide Number Placeholder 4"/>
-          <p:cNvSpPr>
-            <a:spLocks noGrp="1"/>
-          </p:cNvSpPr>
-          <p:nvPr>
-            <p:ph type="sldNum" sz="quarter" idx="12"/>
-          </p:nvPr>
-        </p:nvSpPr>
-        <p:spPr/>
-        <p:txBody>
-          <a:bodyPr/>
-          <a:lstStyle/>
-          <a:p>
-            <a:fld id="{6B8230D4-A52F-48C3-88BB-7CF0A26BA1C5}" type="slidenum">
-              <a:rPr lang="en-US" smtClean="0"/>
-              <a:pPr/>
-              <a:t>4</a:t>
-            </a:fld>
-            <a:endParaRPr lang="en-US"/>
+            <a:pPr algn="justLow"/>
+            <a:r>
+              <a:rPr lang="fa-IR" dirty="0"/>
+              <a:t>نمایش افقی نشان تجاری، مدل استاندارد ما برای نمایش هویت بصری جیبرس است که از ترکیب آرم و نشان کلمه تشکیل شده است.</a:t>
+            </a:r>
+          </a:p>
+          <a:p>
+            <a:pPr algn="justLow"/>
+            <a:r>
+              <a:rPr lang="fa-IR" dirty="0"/>
+              <a:t>اگر مطمئن نیستید که از کدام یک از مدل‌های نشان تجاری ما استفاده کنید، از این یکی استفاده کنید!</a:t>
+            </a:r>
           </a:p>
         </p:txBody>
       </p:sp>
       <p:grpSp>
         <p:nvGrpSpPr>
-          <p:cNvPr id="26" name="Group 25">
+          <p:cNvPr id="8" name="Group 7">
             <a:extLst>
               <a:ext uri="{FF2B5EF4-FFF2-40B4-BE49-F238E27FC236}">
-                <a16:creationId xmlns:a16="http://schemas.microsoft.com/office/drawing/2014/main" id="{0F87D18E-959F-4F3B-AB33-03055AECCBC2}"/>
+                <a16:creationId xmlns:a16="http://schemas.microsoft.com/office/drawing/2014/main" id="{557595DC-FF26-485E-9F2C-F43F64044132}"/>
               </a:ext>
             </a:extLst>
           </p:cNvPr>
@@ -6581,18 +5935,18 @@
         </p:nvGrpSpPr>
         <p:grpSpPr>
           <a:xfrm>
-            <a:off x="6542748" y="1342626"/>
-            <a:ext cx="4166376" cy="877526"/>
-            <a:chOff x="6542748" y="1118344"/>
-            <a:chExt cx="4166376" cy="877526"/>
+            <a:off x="1443038" y="1342626"/>
+            <a:ext cx="4328330" cy="875837"/>
+            <a:chOff x="1443038" y="1342626"/>
+            <a:chExt cx="4328330" cy="875837"/>
           </a:xfrm>
         </p:grpSpPr>
         <p:grpSp>
           <p:nvGrpSpPr>
-            <p:cNvPr id="25" name="Group 24">
+            <p:cNvPr id="24" name="Group 23">
               <a:extLst>
                 <a:ext uri="{FF2B5EF4-FFF2-40B4-BE49-F238E27FC236}">
-                  <a16:creationId xmlns:a16="http://schemas.microsoft.com/office/drawing/2014/main" id="{945F51A1-4DD5-4B91-9DFC-E2EBAD71B11E}"/>
+                  <a16:creationId xmlns:a16="http://schemas.microsoft.com/office/drawing/2014/main" id="{5FC3C9B9-125C-4C45-BCE7-5E739DA84C25}"/>
                 </a:ext>
               </a:extLst>
             </p:cNvPr>
@@ -6601,230 +5955,223 @@
           </p:nvGrpSpPr>
           <p:grpSpPr>
             <a:xfrm>
-              <a:off x="6559132" y="1621764"/>
-              <a:ext cx="4149992" cy="374106"/>
+              <a:off x="4448396" y="1846046"/>
+              <a:ext cx="1299532" cy="368358"/>
               <a:chOff x="6559132" y="1621764"/>
-              <a:chExt cx="4149992" cy="374106"/>
+              <a:chExt cx="1299532" cy="368358"/>
             </a:xfrm>
           </p:grpSpPr>
-          <p:grpSp>
-            <p:nvGrpSpPr>
-              <p:cNvPr id="24" name="Group 23">
+          <p:cxnSp>
+            <p:nvCxnSpPr>
+              <p:cNvPr id="10" name="Straight Arrow Connector 9">
                 <a:extLst>
                   <a:ext uri="{FF2B5EF4-FFF2-40B4-BE49-F238E27FC236}">
-                    <a16:creationId xmlns:a16="http://schemas.microsoft.com/office/drawing/2014/main" id="{5FC3C9B9-125C-4C45-BCE7-5E739DA84C25}"/>
+                    <a16:creationId xmlns:a16="http://schemas.microsoft.com/office/drawing/2014/main" id="{9875D427-1944-429A-9141-0BEF59942EB7}"/>
                   </a:ext>
                 </a:extLst>
               </p:cNvPr>
-              <p:cNvGrpSpPr/>
+              <p:cNvCxnSpPr>
+                <a:cxnSpLocks/>
+              </p:cNvCxnSpPr>
               <p:nvPr/>
-            </p:nvGrpSpPr>
-            <p:grpSpPr>
+            </p:nvCxnSpPr>
+            <p:spPr>
+              <a:xfrm>
+                <a:off x="6559132" y="1990122"/>
+                <a:ext cx="1299532" cy="0"/>
+              </a:xfrm>
+              <a:prstGeom prst="straightConnector1">
+                <a:avLst/>
+              </a:prstGeom>
+              <a:ln cap="rnd">
+                <a:solidFill>
+                  <a:srgbClr val="C80A5A"/>
+                </a:solidFill>
+                <a:round/>
+                <a:headEnd type="oval" w="sm" len="sm"/>
+                <a:tailEnd type="oval" w="sm" len="sm"/>
+              </a:ln>
+            </p:spPr>
+            <p:style>
+              <a:lnRef idx="1">
+                <a:schemeClr val="accent1"/>
+              </a:lnRef>
+              <a:fillRef idx="0">
+                <a:schemeClr val="accent1"/>
+              </a:fillRef>
+              <a:effectRef idx="0">
+                <a:schemeClr val="accent1"/>
+              </a:effectRef>
+              <a:fontRef idx="minor">
+                <a:schemeClr val="tx1"/>
+              </a:fontRef>
+            </p:style>
+          </p:cxnSp>
+          <p:sp>
+            <p:nvSpPr>
+              <p:cNvPr id="19" name="TextBox 18">
+                <a:extLst>
+                  <a:ext uri="{FF2B5EF4-FFF2-40B4-BE49-F238E27FC236}">
+                    <a16:creationId xmlns:a16="http://schemas.microsoft.com/office/drawing/2014/main" id="{785748FC-3744-4BF0-AF0F-C3D89E1BE1AE}"/>
+                  </a:ext>
+                </a:extLst>
+              </p:cNvPr>
+              <p:cNvSpPr txBox="1"/>
+              <p:nvPr/>
+            </p:nvSpPr>
+            <p:spPr>
               <a:xfrm>
                 <a:off x="6559132" y="1621764"/>
-                <a:ext cx="1299532" cy="369332"/>
-                <a:chOff x="6559132" y="1621764"/>
-                <a:chExt cx="1299532" cy="369332"/>
+                <a:ext cx="1299532" cy="276999"/>
               </a:xfrm>
-            </p:grpSpPr>
-            <p:cxnSp>
-              <p:nvCxnSpPr>
-                <p:cNvPr id="10" name="Straight Arrow Connector 9">
-                  <a:extLst>
-                    <a:ext uri="{FF2B5EF4-FFF2-40B4-BE49-F238E27FC236}">
-                      <a16:creationId xmlns:a16="http://schemas.microsoft.com/office/drawing/2014/main" id="{9875D427-1944-429A-9141-0BEF59942EB7}"/>
-                    </a:ext>
-                  </a:extLst>
-                </p:cNvPr>
-                <p:cNvCxnSpPr>
-                  <a:cxnSpLocks/>
-                </p:cNvCxnSpPr>
-                <p:nvPr/>
-              </p:nvCxnSpPr>
-              <p:spPr>
-                <a:xfrm>
-                  <a:off x="6559132" y="1990122"/>
-                  <a:ext cx="1299532" cy="0"/>
-                </a:xfrm>
-                <a:prstGeom prst="straightConnector1">
-                  <a:avLst/>
-                </a:prstGeom>
-                <a:ln cap="rnd">
+              <a:prstGeom prst="rect">
+                <a:avLst/>
+              </a:prstGeom>
+              <a:noFill/>
+            </p:spPr>
+            <p:txBody>
+              <a:bodyPr wrap="square" rtlCol="0">
+                <a:spAutoFit/>
+              </a:bodyPr>
+              <a:lstStyle/>
+              <a:p>
+                <a:pPr algn="ctr" rtl="1"/>
+                <a:r>
+                  <a:rPr lang="fa-IR" sz="1200" dirty="0">
+                    <a:solidFill>
+                      <a:srgbClr val="C80A5A"/>
+                    </a:solidFill>
+                    <a:latin typeface="IRANSans Light" panose="020B0506030804020204" pitchFamily="34" charset="-78"/>
+                    <a:cs typeface="IRANSans Light" panose="020B0506030804020204" pitchFamily="34" charset="-78"/>
+                  </a:rPr>
+                  <a:t>آرم</a:t>
+                </a:r>
+                <a:endParaRPr lang="en-US" sz="1200" dirty="0">
                   <a:solidFill>
                     <a:srgbClr val="C80A5A"/>
                   </a:solidFill>
-                  <a:round/>
-                  <a:headEnd type="oval" w="sm" len="sm"/>
-                  <a:tailEnd type="oval" w="sm" len="sm"/>
-                </a:ln>
-              </p:spPr>
-              <p:style>
-                <a:lnRef idx="1">
-                  <a:schemeClr val="accent1"/>
-                </a:lnRef>
-                <a:fillRef idx="0">
-                  <a:schemeClr val="accent1"/>
-                </a:fillRef>
-                <a:effectRef idx="0">
-                  <a:schemeClr val="accent1"/>
-                </a:effectRef>
-                <a:fontRef idx="minor">
-                  <a:schemeClr val="tx1"/>
-                </a:fontRef>
-              </p:style>
-            </p:cxnSp>
-            <p:sp>
-              <p:nvSpPr>
-                <p:cNvPr id="19" name="TextBox 18">
-                  <a:extLst>
-                    <a:ext uri="{FF2B5EF4-FFF2-40B4-BE49-F238E27FC236}">
-                      <a16:creationId xmlns:a16="http://schemas.microsoft.com/office/drawing/2014/main" id="{785748FC-3744-4BF0-AF0F-C3D89E1BE1AE}"/>
-                    </a:ext>
-                  </a:extLst>
-                </p:cNvPr>
-                <p:cNvSpPr txBox="1"/>
-                <p:nvPr/>
-              </p:nvSpPr>
-              <p:spPr>
-                <a:xfrm>
-                  <a:off x="6559132" y="1621764"/>
-                  <a:ext cx="1299532" cy="369332"/>
-                </a:xfrm>
-                <a:prstGeom prst="rect">
-                  <a:avLst/>
-                </a:prstGeom>
-                <a:noFill/>
-              </p:spPr>
-              <p:txBody>
-                <a:bodyPr wrap="square" rtlCol="0">
-                  <a:spAutoFit/>
-                </a:bodyPr>
-                <a:lstStyle/>
-                <a:p>
-                  <a:pPr algn="ctr"/>
-                  <a:r>
-                    <a:rPr lang="en-US" dirty="0">
-                      <a:solidFill>
-                        <a:srgbClr val="C80A5A"/>
-                      </a:solidFill>
-                      <a:latin typeface="IRANSans Light" panose="020B0506030804020204" pitchFamily="34" charset="-78"/>
-                      <a:cs typeface="IRANSans Light" panose="020B0506030804020204" pitchFamily="34" charset="-78"/>
-                    </a:rPr>
-                    <a:t>icon</a:t>
-                  </a:r>
-                </a:p>
-              </p:txBody>
-            </p:sp>
-          </p:grpSp>
-          <p:grpSp>
-            <p:nvGrpSpPr>
-              <p:cNvPr id="23" name="Group 22">
+                  <a:latin typeface="IRANSans Light" panose="020B0506030804020204" pitchFamily="34" charset="-78"/>
+                  <a:cs typeface="IRANSans Light" panose="020B0506030804020204" pitchFamily="34" charset="-78"/>
+                </a:endParaRPr>
+              </a:p>
+            </p:txBody>
+          </p:sp>
+        </p:grpSp>
+        <p:grpSp>
+          <p:nvGrpSpPr>
+            <p:cNvPr id="23" name="Group 22">
+              <a:extLst>
+                <a:ext uri="{FF2B5EF4-FFF2-40B4-BE49-F238E27FC236}">
+                  <a16:creationId xmlns:a16="http://schemas.microsoft.com/office/drawing/2014/main" id="{A7C7AA60-7015-4E1D-80CC-644D96579672}"/>
+                </a:ext>
+              </a:extLst>
+            </p:cNvPr>
+            <p:cNvGrpSpPr/>
+            <p:nvPr/>
+          </p:nvGrpSpPr>
+          <p:grpSpPr>
+            <a:xfrm>
+              <a:off x="1443038" y="1850820"/>
+              <a:ext cx="2674791" cy="367643"/>
+              <a:chOff x="8034334" y="1626538"/>
+              <a:chExt cx="2674791" cy="367643"/>
+            </a:xfrm>
+          </p:grpSpPr>
+          <p:cxnSp>
+            <p:nvCxnSpPr>
+              <p:cNvPr id="14" name="Straight Arrow Connector 13">
                 <a:extLst>
                   <a:ext uri="{FF2B5EF4-FFF2-40B4-BE49-F238E27FC236}">
-                    <a16:creationId xmlns:a16="http://schemas.microsoft.com/office/drawing/2014/main" id="{A7C7AA60-7015-4E1D-80CC-644D96579672}"/>
+                    <a16:creationId xmlns:a16="http://schemas.microsoft.com/office/drawing/2014/main" id="{E9FF13D3-2B30-4D63-B8E8-9E4A79607ABE}"/>
                   </a:ext>
                 </a:extLst>
               </p:cNvPr>
-              <p:cNvGrpSpPr/>
+              <p:cNvCxnSpPr>
+                <a:cxnSpLocks/>
+              </p:cNvCxnSpPr>
               <p:nvPr/>
-            </p:nvGrpSpPr>
-            <p:grpSpPr>
+            </p:nvCxnSpPr>
+            <p:spPr>
               <a:xfrm>
-                <a:off x="8298791" y="1626538"/>
-                <a:ext cx="2410333" cy="369332"/>
-                <a:chOff x="8298791" y="1626538"/>
-                <a:chExt cx="2410333" cy="369332"/>
+                <a:off x="8034334" y="1994181"/>
+                <a:ext cx="2662421" cy="0"/>
               </a:xfrm>
-            </p:grpSpPr>
-            <p:cxnSp>
-              <p:nvCxnSpPr>
-                <p:cNvPr id="14" name="Straight Arrow Connector 13">
-                  <a:extLst>
-                    <a:ext uri="{FF2B5EF4-FFF2-40B4-BE49-F238E27FC236}">
-                      <a16:creationId xmlns:a16="http://schemas.microsoft.com/office/drawing/2014/main" id="{E9FF13D3-2B30-4D63-B8E8-9E4A79607ABE}"/>
-                    </a:ext>
-                  </a:extLst>
-                </p:cNvPr>
-                <p:cNvCxnSpPr>
-                  <a:cxnSpLocks/>
-                </p:cNvCxnSpPr>
-                <p:nvPr/>
-              </p:nvCxnSpPr>
-              <p:spPr>
-                <a:xfrm>
-                  <a:off x="8298791" y="1994181"/>
-                  <a:ext cx="2397964" cy="0"/>
-                </a:xfrm>
-                <a:prstGeom prst="straightConnector1">
-                  <a:avLst/>
-                </a:prstGeom>
-                <a:ln cap="rnd">
+              <a:prstGeom prst="straightConnector1">
+                <a:avLst/>
+              </a:prstGeom>
+              <a:ln cap="rnd">
+                <a:solidFill>
+                  <a:srgbClr val="C80A5A"/>
+                </a:solidFill>
+                <a:round/>
+                <a:headEnd type="oval" w="sm" len="sm"/>
+                <a:tailEnd type="oval" w="sm" len="sm"/>
+              </a:ln>
+            </p:spPr>
+            <p:style>
+              <a:lnRef idx="1">
+                <a:schemeClr val="accent1"/>
+              </a:lnRef>
+              <a:fillRef idx="0">
+                <a:schemeClr val="accent1"/>
+              </a:fillRef>
+              <a:effectRef idx="0">
+                <a:schemeClr val="accent1"/>
+              </a:effectRef>
+              <a:fontRef idx="minor">
+                <a:schemeClr val="tx1"/>
+              </a:fontRef>
+            </p:style>
+          </p:cxnSp>
+          <p:sp>
+            <p:nvSpPr>
+              <p:cNvPr id="20" name="TextBox 19">
+                <a:extLst>
+                  <a:ext uri="{FF2B5EF4-FFF2-40B4-BE49-F238E27FC236}">
+                    <a16:creationId xmlns:a16="http://schemas.microsoft.com/office/drawing/2014/main" id="{9508EECB-594E-4853-975C-715282E0264B}"/>
+                  </a:ext>
+                </a:extLst>
+              </p:cNvPr>
+              <p:cNvSpPr txBox="1"/>
+              <p:nvPr/>
+            </p:nvSpPr>
+            <p:spPr>
+              <a:xfrm>
+                <a:off x="8034335" y="1626538"/>
+                <a:ext cx="2674790" cy="276999"/>
+              </a:xfrm>
+              <a:prstGeom prst="rect">
+                <a:avLst/>
+              </a:prstGeom>
+              <a:noFill/>
+            </p:spPr>
+            <p:txBody>
+              <a:bodyPr wrap="square" rtlCol="0">
+                <a:spAutoFit/>
+              </a:bodyPr>
+              <a:lstStyle/>
+              <a:p>
+                <a:pPr algn="ctr" rtl="1"/>
+                <a:r>
+                  <a:rPr lang="fa-IR" sz="1200" dirty="0">
+                    <a:solidFill>
+                      <a:srgbClr val="C80A5A"/>
+                    </a:solidFill>
+                    <a:latin typeface="IRANSans Light" panose="020B0506030804020204" pitchFamily="34" charset="-78"/>
+                    <a:cs typeface="IRANSans Light" panose="020B0506030804020204" pitchFamily="34" charset="-78"/>
+                  </a:rPr>
+                  <a:t>نشان کلمه</a:t>
+                </a:r>
+                <a:endParaRPr lang="en-US" sz="1200" dirty="0">
                   <a:solidFill>
                     <a:srgbClr val="C80A5A"/>
                   </a:solidFill>
-                  <a:round/>
-                  <a:headEnd type="oval" w="sm" len="sm"/>
-                  <a:tailEnd type="oval" w="sm" len="sm"/>
-                </a:ln>
-              </p:spPr>
-              <p:style>
-                <a:lnRef idx="1">
-                  <a:schemeClr val="accent1"/>
-                </a:lnRef>
-                <a:fillRef idx="0">
-                  <a:schemeClr val="accent1"/>
-                </a:fillRef>
-                <a:effectRef idx="0">
-                  <a:schemeClr val="accent1"/>
-                </a:effectRef>
-                <a:fontRef idx="minor">
-                  <a:schemeClr val="tx1"/>
-                </a:fontRef>
-              </p:style>
-            </p:cxnSp>
-            <p:sp>
-              <p:nvSpPr>
-                <p:cNvPr id="20" name="TextBox 19">
-                  <a:extLst>
-                    <a:ext uri="{FF2B5EF4-FFF2-40B4-BE49-F238E27FC236}">
-                      <a16:creationId xmlns:a16="http://schemas.microsoft.com/office/drawing/2014/main" id="{9508EECB-594E-4853-975C-715282E0264B}"/>
-                    </a:ext>
-                  </a:extLst>
-                </p:cNvPr>
-                <p:cNvSpPr txBox="1"/>
-                <p:nvPr/>
-              </p:nvSpPr>
-              <p:spPr>
-                <a:xfrm>
-                  <a:off x="8298791" y="1626538"/>
-                  <a:ext cx="2410333" cy="369332"/>
-                </a:xfrm>
-                <a:prstGeom prst="rect">
-                  <a:avLst/>
-                </a:prstGeom>
-                <a:noFill/>
-              </p:spPr>
-              <p:txBody>
-                <a:bodyPr wrap="square" rtlCol="0">
-                  <a:spAutoFit/>
-                </a:bodyPr>
-                <a:lstStyle/>
-                <a:p>
-                  <a:pPr algn="ctr"/>
-                  <a:r>
-                    <a:rPr lang="en-US" dirty="0">
-                      <a:solidFill>
-                        <a:srgbClr val="C80A5A"/>
-                      </a:solidFill>
-                      <a:latin typeface="IRANSans Light" panose="020B0506030804020204" pitchFamily="34" charset="-78"/>
-                      <a:cs typeface="IRANSans Light" panose="020B0506030804020204" pitchFamily="34" charset="-78"/>
-                    </a:rPr>
-                    <a:t>wordmark</a:t>
-                  </a:r>
-                </a:p>
-              </p:txBody>
-            </p:sp>
-          </p:grpSp>
+                  <a:latin typeface="IRANSans Light" panose="020B0506030804020204" pitchFamily="34" charset="-78"/>
+                  <a:cs typeface="IRANSans Light" panose="020B0506030804020204" pitchFamily="34" charset="-78"/>
+                </a:endParaRPr>
+              </a:p>
+            </p:txBody>
+          </p:sp>
         </p:grpSp>
         <p:grpSp>
           <p:nvGrpSpPr>
@@ -6840,10 +6187,10 @@
           </p:nvGrpSpPr>
           <p:grpSpPr>
             <a:xfrm>
-              <a:off x="6542748" y="1118344"/>
-              <a:ext cx="4166376" cy="369332"/>
-              <a:chOff x="6542748" y="902686"/>
-              <a:chExt cx="4166376" cy="369332"/>
+              <a:off x="1443038" y="1342626"/>
+              <a:ext cx="4328330" cy="367436"/>
+              <a:chOff x="6380794" y="902686"/>
+              <a:chExt cx="4328330" cy="367436"/>
             </a:xfrm>
           </p:grpSpPr>
           <p:cxnSp>
@@ -6862,8 +6209,8 @@
             </p:nvCxnSpPr>
             <p:spPr>
               <a:xfrm>
-                <a:off x="6559132" y="1270122"/>
-                <a:ext cx="4137623" cy="0"/>
+                <a:off x="6380794" y="1270122"/>
+                <a:ext cx="4315961" cy="0"/>
               </a:xfrm>
               <a:prstGeom prst="straightConnector1">
                 <a:avLst/>
@@ -6906,8 +6253,8 @@
             </p:nvSpPr>
             <p:spPr>
               <a:xfrm>
-                <a:off x="6542748" y="902686"/>
-                <a:ext cx="4166376" cy="369332"/>
+                <a:off x="6380794" y="902686"/>
+                <a:ext cx="4328330" cy="276999"/>
               </a:xfrm>
               <a:prstGeom prst="rect">
                 <a:avLst/>
@@ -6920,22 +6267,58 @@
               </a:bodyPr>
               <a:lstStyle/>
               <a:p>
-                <a:pPr algn="ctr"/>
+                <a:pPr algn="ctr" rtl="1"/>
                 <a:r>
-                  <a:rPr lang="en-US" dirty="0">
+                  <a:rPr lang="fa-IR" sz="1200" dirty="0">
                     <a:solidFill>
                       <a:srgbClr val="C80A5A"/>
                     </a:solidFill>
                     <a:latin typeface="IRANSans Light" panose="020B0506030804020204" pitchFamily="34" charset="-78"/>
                     <a:cs typeface="IRANSans Light" panose="020B0506030804020204" pitchFamily="34" charset="-78"/>
                   </a:rPr>
-                  <a:t>logo</a:t>
+                  <a:t>لوگو یا نشان تجاری</a:t>
                 </a:r>
+                <a:endParaRPr lang="en-US" sz="1200" dirty="0">
+                  <a:solidFill>
+                    <a:srgbClr val="C80A5A"/>
+                  </a:solidFill>
+                  <a:latin typeface="IRANSans Light" panose="020B0506030804020204" pitchFamily="34" charset="-78"/>
+                  <a:cs typeface="IRANSans Light" panose="020B0506030804020204" pitchFamily="34" charset="-78"/>
+                </a:endParaRPr>
               </a:p>
             </p:txBody>
           </p:sp>
         </p:grpSp>
       </p:grpSp>
+      <p:sp>
+        <p:nvSpPr>
+          <p:cNvPr id="4" name="Slide Number Placeholder 3">
+            <a:extLst>
+              <a:ext uri="{FF2B5EF4-FFF2-40B4-BE49-F238E27FC236}">
+                <a16:creationId xmlns:a16="http://schemas.microsoft.com/office/drawing/2014/main" id="{DF3C175E-1E98-4D71-9DAE-015D09B84D4B}"/>
+              </a:ext>
+            </a:extLst>
+          </p:cNvPr>
+          <p:cNvSpPr>
+            <a:spLocks noGrp="1"/>
+          </p:cNvSpPr>
+          <p:nvPr>
+            <p:ph type="sldNum" sz="quarter" idx="12"/>
+          </p:nvPr>
+        </p:nvSpPr>
+        <p:spPr/>
+        <p:txBody>
+          <a:bodyPr/>
+          <a:lstStyle/>
+          <a:p>
+            <a:fld id="{6B8230D4-A52F-48C3-88BB-7CF0A26BA1C5}" type="slidenum">
+              <a:rPr lang="en-US" smtClean="0"/>
+              <a:t>4</a:t>
+            </a:fld>
+            <a:endParaRPr lang="en-US"/>
+          </a:p>
+        </p:txBody>
+      </p:sp>
     </p:spTree>
     <p:extLst>
       <p:ext uri="{BB962C8B-B14F-4D97-AF65-F5344CB8AC3E}">
@@ -6985,9 +6368,10 @@
           <a:lstStyle/>
           <a:p>
             <a:r>
-              <a:rPr lang="en-US" dirty="0"/>
-              <a:t>VERTICAL LOCKUP </a:t>
-            </a:r>
+              <a:rPr lang="fa-IR" dirty="0"/>
+              <a:t>حالت نمایش عمودی</a:t>
+            </a:r>
+            <a:endParaRPr lang="en-US" dirty="0"/>
           </a:p>
         </p:txBody>
       </p:sp>
@@ -7006,16 +6390,30 @@
           <a:bodyPr/>
           <a:lstStyle/>
           <a:p>
-            <a:r>
-              <a:rPr lang="en-US" dirty="0"/>
-              <a:t>The vertical lockup can be used when the provided space is square and use of the horizontal lockup will make the logo look too small.</a:t>
+            <a:pPr algn="justLow"/>
+            <a:r>
+              <a:rPr lang="fa-IR" dirty="0"/>
+              <a:t>در فضاهایی که نیاز به نمایش مربع از لوگو داریم، می‌توانید از حالت عمودی بهره ببرید.</a:t>
+            </a:r>
+          </a:p>
+          <a:p>
+            <a:pPr algn="justLow"/>
+            <a:r>
+              <a:rPr lang="fa-IR" dirty="0"/>
+              <a:t>در این حالت نشان تجاری کوچکتر از حد معمول به‌نظر می‌رسد.</a:t>
             </a:r>
           </a:p>
         </p:txBody>
       </p:sp>
       <p:sp>
         <p:nvSpPr>
-          <p:cNvPr id="5" name="Slide Number Placeholder 4"/>
+          <p:cNvPr id="4" name="Slide Number Placeholder 3">
+            <a:extLst>
+              <a:ext uri="{FF2B5EF4-FFF2-40B4-BE49-F238E27FC236}">
+                <a16:creationId xmlns:a16="http://schemas.microsoft.com/office/drawing/2014/main" id="{2057F1C3-1279-4FAA-A97A-1C59A4963606}"/>
+              </a:ext>
+            </a:extLst>
+          </p:cNvPr>
           <p:cNvSpPr>
             <a:spLocks noGrp="1"/>
           </p:cNvSpPr>
@@ -7030,7 +6428,6 @@
           <a:p>
             <a:fld id="{6B8230D4-A52F-48C3-88BB-7CF0A26BA1C5}" type="slidenum">
               <a:rPr lang="en-US" smtClean="0"/>
-              <a:pPr/>
               <a:t>5</a:t>
             </a:fld>
             <a:endParaRPr lang="en-US"/>
@@ -7086,9 +6483,10 @@
           <a:lstStyle/>
           <a:p>
             <a:r>
-              <a:rPr lang="en-US" dirty="0"/>
-              <a:t>ICON BY ITSELF </a:t>
-            </a:r>
+              <a:rPr lang="fa-IR" dirty="0"/>
+              <a:t>آرم به تنهایی</a:t>
+            </a:r>
+            <a:endParaRPr lang="en-US" dirty="0"/>
           </a:p>
         </p:txBody>
       </p:sp>
@@ -7104,19 +6502,43 @@
         </p:nvSpPr>
         <p:spPr/>
         <p:txBody>
-          <a:bodyPr/>
+          <a:bodyPr>
+            <a:normAutofit/>
+          </a:bodyPr>
           <a:lstStyle/>
           <a:p>
-            <a:r>
-              <a:rPr lang="en-US" dirty="0"/>
-              <a:t>Use the icon only when “Jibres” has been well established elsewhere on the page or in the design. When in doubt, use the full logotype.</a:t>
+            <a:pPr algn="justLow"/>
+            <a:r>
+              <a:rPr lang="fa-IR" dirty="0"/>
+              <a:t>تنها زمانی از آرم استفاده کنید که در جای دیگری از صفحه یا طرح شما عبارت </a:t>
+            </a:r>
+            <a:r>
+              <a:rPr lang="fa-IR" b="1" dirty="0"/>
+              <a:t>جیبرس</a:t>
+            </a:r>
+            <a:r>
+              <a:rPr lang="fa-IR" dirty="0"/>
+              <a:t> به خوبی نمایان باشد.</a:t>
+            </a:r>
+          </a:p>
+          <a:p>
+            <a:pPr algn="justLow"/>
+            <a:r>
+              <a:rPr lang="fa-IR" dirty="0"/>
+              <a:t>اگر شک دارید، لطفا از نشان تجاری کامل استفاده کنید.</a:t>
             </a:r>
           </a:p>
         </p:txBody>
       </p:sp>
       <p:sp>
         <p:nvSpPr>
-          <p:cNvPr id="5" name="Slide Number Placeholder 4"/>
+          <p:cNvPr id="4" name="Slide Number Placeholder 3">
+            <a:extLst>
+              <a:ext uri="{FF2B5EF4-FFF2-40B4-BE49-F238E27FC236}">
+                <a16:creationId xmlns:a16="http://schemas.microsoft.com/office/drawing/2014/main" id="{0F871DF2-9C06-416B-BD7D-B0C4C2A5607E}"/>
+              </a:ext>
+            </a:extLst>
+          </p:cNvPr>
           <p:cNvSpPr>
             <a:spLocks noGrp="1"/>
           </p:cNvSpPr>
@@ -7131,7 +6553,6 @@
           <a:p>
             <a:fld id="{6B8230D4-A52F-48C3-88BB-7CF0A26BA1C5}" type="slidenum">
               <a:rPr lang="en-US" smtClean="0"/>
-              <a:pPr/>
               <a:t>6</a:t>
             </a:fld>
             <a:endParaRPr lang="en-US"/>
@@ -7187,9 +6608,10 @@
           <a:lstStyle/>
           <a:p>
             <a:r>
-              <a:rPr lang="en-US" dirty="0"/>
-              <a:t>SAFE SPACE </a:t>
-            </a:r>
+              <a:rPr lang="fa-IR" dirty="0"/>
+              <a:t>فضای اطمینان</a:t>
+            </a:r>
+            <a:endParaRPr lang="en-US" dirty="0"/>
           </a:p>
         </p:txBody>
       </p:sp>
@@ -7205,25 +6627,35 @@
         </p:nvSpPr>
         <p:spPr/>
         <p:txBody>
-          <a:bodyPr/>
+          <a:bodyPr>
+            <a:normAutofit/>
+          </a:bodyPr>
           <a:lstStyle/>
           <a:p>
-            <a:r>
-              <a:rPr lang="en-US" dirty="0"/>
-              <a:t>Safe space acts as a buffer between the logo and other visual elements on a page, including text. </a:t>
-            </a:r>
-          </a:p>
-          <a:p>
-            <a:r>
-              <a:rPr lang="en-US" dirty="0"/>
-              <a:t>This space is the minimum distance needed and is equal to third the height of the icon.</a:t>
+            <a:pPr algn="justLow"/>
+            <a:r>
+              <a:rPr lang="fa-IR" dirty="0"/>
+              <a:t>رعایت فاصله مناسب نشان تجاری جیبرس با سایر المان‌ها یا متون موجود در صفحه که از آن به‌عنوان فضای اطمینان یاد می‌کنیم باید رعایت شود.</a:t>
+            </a:r>
+          </a:p>
+          <a:p>
+            <a:pPr algn="justLow"/>
+            <a:r>
+              <a:rPr lang="fa-IR" dirty="0"/>
+              <a:t>این فضا حداقل فاصله مورد نیاز است که برابر با یک سوم ارتفاع آرم ماست.</a:t>
             </a:r>
           </a:p>
         </p:txBody>
       </p:sp>
       <p:sp>
         <p:nvSpPr>
-          <p:cNvPr id="5" name="Slide Number Placeholder 4"/>
+          <p:cNvPr id="4" name="Slide Number Placeholder 3">
+            <a:extLst>
+              <a:ext uri="{FF2B5EF4-FFF2-40B4-BE49-F238E27FC236}">
+                <a16:creationId xmlns:a16="http://schemas.microsoft.com/office/drawing/2014/main" id="{C2B04481-C3F3-4288-9EF1-97947A41A982}"/>
+              </a:ext>
+            </a:extLst>
+          </p:cNvPr>
           <p:cNvSpPr>
             <a:spLocks noGrp="1"/>
           </p:cNvSpPr>
@@ -7238,10 +6670,9 @@
           <a:p>
             <a:fld id="{6B8230D4-A52F-48C3-88BB-7CF0A26BA1C5}" type="slidenum">
               <a:rPr lang="en-US" smtClean="0"/>
-              <a:pPr/>
               <a:t>7</a:t>
             </a:fld>
-            <a:endParaRPr lang="en-US"/>
+            <a:endParaRPr lang="en-US" dirty="0"/>
           </a:p>
         </p:txBody>
       </p:sp>
@@ -7259,7 +6690,7 @@
         </p:nvGrpSpPr>
         <p:grpSpPr>
           <a:xfrm>
-            <a:off x="6137276" y="3277962"/>
+            <a:off x="1786256" y="3277962"/>
             <a:ext cx="1192338" cy="720000"/>
             <a:chOff x="7914499" y="1512000"/>
             <a:chExt cx="1192338" cy="720000"/>
@@ -7576,7 +7007,7 @@
         </p:nvGrpSpPr>
         <p:grpSpPr>
           <a:xfrm>
-            <a:off x="6137276" y="1697786"/>
+            <a:off x="1786256" y="1697786"/>
             <a:ext cx="1224000" cy="1224000"/>
             <a:chOff x="7569995" y="2081902"/>
             <a:chExt cx="1224000" cy="1224000"/>
@@ -7620,104 +7051,6 @@
             </a:prstGeom>
           </p:spPr>
         </p:pic>
-        <p:cxnSp>
-          <p:nvCxnSpPr>
-            <p:cNvPr id="22" name="Straight Arrow Connector 21">
-              <a:extLst>
-                <a:ext uri="{FF2B5EF4-FFF2-40B4-BE49-F238E27FC236}">
-                  <a16:creationId xmlns:a16="http://schemas.microsoft.com/office/drawing/2014/main" id="{B3771ACA-F452-4538-8D34-FE7A9FBDA26A}"/>
-                </a:ext>
-              </a:extLst>
-            </p:cNvPr>
-            <p:cNvCxnSpPr>
-              <a:cxnSpLocks/>
-            </p:cNvCxnSpPr>
-            <p:nvPr/>
-          </p:nvCxnSpPr>
-          <p:spPr>
-            <a:xfrm>
-              <a:off x="7584187" y="2318072"/>
-              <a:ext cx="1192338" cy="0"/>
-            </a:xfrm>
-            <a:prstGeom prst="straightConnector1">
-              <a:avLst/>
-            </a:prstGeom>
-            <a:ln cap="rnd">
-              <a:solidFill>
-                <a:schemeClr val="accent1">
-                  <a:lumMod val="60000"/>
-                  <a:lumOff val="40000"/>
-                </a:schemeClr>
-              </a:solidFill>
-              <a:round/>
-              <a:headEnd type="none" w="sm" len="sm"/>
-              <a:tailEnd type="none" w="sm" len="sm"/>
-            </a:ln>
-          </p:spPr>
-          <p:style>
-            <a:lnRef idx="1">
-              <a:schemeClr val="accent1"/>
-            </a:lnRef>
-            <a:fillRef idx="0">
-              <a:schemeClr val="accent1"/>
-            </a:fillRef>
-            <a:effectRef idx="0">
-              <a:schemeClr val="accent1"/>
-            </a:effectRef>
-            <a:fontRef idx="minor">
-              <a:schemeClr val="tx1"/>
-            </a:fontRef>
-          </p:style>
-        </p:cxnSp>
-        <p:cxnSp>
-          <p:nvCxnSpPr>
-            <p:cNvPr id="23" name="Straight Arrow Connector 22">
-              <a:extLst>
-                <a:ext uri="{FF2B5EF4-FFF2-40B4-BE49-F238E27FC236}">
-                  <a16:creationId xmlns:a16="http://schemas.microsoft.com/office/drawing/2014/main" id="{49BFC356-B04D-4582-BEF2-D7CB4DDB61FD}"/>
-                </a:ext>
-              </a:extLst>
-            </p:cNvPr>
-            <p:cNvCxnSpPr>
-              <a:cxnSpLocks/>
-            </p:cNvCxnSpPr>
-            <p:nvPr/>
-          </p:nvCxnSpPr>
-          <p:spPr>
-            <a:xfrm>
-              <a:off x="7584187" y="3038072"/>
-              <a:ext cx="1192338" cy="0"/>
-            </a:xfrm>
-            <a:prstGeom prst="straightConnector1">
-              <a:avLst/>
-            </a:prstGeom>
-            <a:ln cap="rnd">
-              <a:solidFill>
-                <a:schemeClr val="accent1">
-                  <a:lumMod val="60000"/>
-                  <a:lumOff val="40000"/>
-                </a:schemeClr>
-              </a:solidFill>
-              <a:round/>
-              <a:headEnd type="none" w="sm" len="sm"/>
-              <a:tailEnd type="none" w="sm" len="sm"/>
-            </a:ln>
-          </p:spPr>
-          <p:style>
-            <a:lnRef idx="1">
-              <a:schemeClr val="accent1"/>
-            </a:lnRef>
-            <a:fillRef idx="0">
-              <a:schemeClr val="accent1"/>
-            </a:fillRef>
-            <a:effectRef idx="0">
-              <a:schemeClr val="accent1"/>
-            </a:effectRef>
-            <a:fontRef idx="minor">
-              <a:schemeClr val="tx1"/>
-            </a:fontRef>
-          </p:style>
-        </p:cxnSp>
         <p:sp>
           <p:nvSpPr>
             <p:cNvPr id="26" name="Rectangle 25">
@@ -7972,7 +7305,7 @@
         </p:nvGrpSpPr>
         <p:grpSpPr>
           <a:xfrm>
-            <a:off x="7726422" y="3276170"/>
+            <a:off x="3375402" y="3276170"/>
             <a:ext cx="1816940" cy="1728000"/>
             <a:chOff x="8710866" y="2048564"/>
             <a:chExt cx="1816940" cy="1728000"/>
@@ -8003,14 +7336,13 @@
                 </a:ext>
               </a:extLst>
             </a:blip>
-            <a:stretch>
-              <a:fillRect/>
-            </a:stretch>
+            <a:srcRect/>
+            <a:stretch/>
           </p:blipFill>
           <p:spPr>
             <a:xfrm>
-              <a:off x="8959503" y="2296729"/>
-              <a:ext cx="1318154" cy="1224000"/>
+              <a:off x="8959503" y="2373229"/>
+              <a:ext cx="1318154" cy="1071000"/>
             </a:xfrm>
             <a:prstGeom prst="rect">
               <a:avLst/>
@@ -8271,7 +7603,7 @@
         </p:nvGrpSpPr>
         <p:grpSpPr>
           <a:xfrm>
-            <a:off x="7726422" y="1682023"/>
+            <a:off x="3375402" y="1682023"/>
             <a:ext cx="2767076" cy="1224000"/>
             <a:chOff x="7192214" y="4590000"/>
             <a:chExt cx="2767076" cy="1224000"/>
@@ -8302,14 +7634,13 @@
                 </a:ext>
               </a:extLst>
             </a:blip>
-            <a:stretch>
-              <a:fillRect/>
-            </a:stretch>
+            <a:srcRect/>
+            <a:stretch/>
           </p:blipFill>
           <p:spPr>
             <a:xfrm>
-              <a:off x="7439093" y="4836270"/>
-              <a:ext cx="2268000" cy="708750"/>
+              <a:off x="7439093" y="4863530"/>
+              <a:ext cx="2268000" cy="654230"/>
             </a:xfrm>
             <a:prstGeom prst="rect">
               <a:avLst/>
@@ -8605,9 +7936,10 @@
           <a:lstStyle/>
           <a:p>
             <a:r>
-              <a:rPr lang="en-US" dirty="0"/>
-              <a:t>MINIMAL SIZE </a:t>
-            </a:r>
+              <a:rPr lang="fa-IR" dirty="0"/>
+              <a:t>حداقل اندازه</a:t>
+            </a:r>
+            <a:endParaRPr lang="en-US" dirty="0"/>
           </a:p>
         </p:txBody>
       </p:sp>
@@ -8626,16 +7958,30 @@
           <a:bodyPr/>
           <a:lstStyle/>
           <a:p>
-            <a:r>
-              <a:rPr lang="en-US" dirty="0"/>
-              <a:t>Here’s the recommended minimum size at which the logo may be reproduced. For legibility reasons, we ask that you stick to these dimensions.</a:t>
+            <a:pPr algn="justLow"/>
+            <a:r>
+              <a:rPr lang="fa-IR" dirty="0"/>
+              <a:t>در اینجا حداقل اندازه برای لوگو تدوین شده است که به دلیل نیاز به خوانایی، از شما می‌خواهیم به این ابعاد پایبند باشید.</a:t>
+            </a:r>
+          </a:p>
+          <a:p>
+            <a:pPr algn="justLow"/>
+            <a:r>
+              <a:rPr lang="fa-IR" dirty="0"/>
+              <a:t>لطفا از نشان تجاری جیبرس در ابعاد کوچکتر از این استفاده نکنید.</a:t>
             </a:r>
           </a:p>
         </p:txBody>
       </p:sp>
       <p:sp>
         <p:nvSpPr>
-          <p:cNvPr id="5" name="Slide Number Placeholder 4"/>
+          <p:cNvPr id="4" name="Slide Number Placeholder 3">
+            <a:extLst>
+              <a:ext uri="{FF2B5EF4-FFF2-40B4-BE49-F238E27FC236}">
+                <a16:creationId xmlns:a16="http://schemas.microsoft.com/office/drawing/2014/main" id="{F2802FF3-CE9D-4848-968B-43405CE53B9F}"/>
+              </a:ext>
+            </a:extLst>
+          </p:cNvPr>
           <p:cNvSpPr>
             <a:spLocks noGrp="1"/>
           </p:cNvSpPr>
@@ -8652,16 +7998,16 @@
               <a:rPr lang="en-US" smtClean="0"/>
               <a:t>8</a:t>
             </a:fld>
-            <a:endParaRPr lang="en-US"/>
+            <a:endParaRPr lang="en-US" dirty="0"/>
           </a:p>
         </p:txBody>
       </p:sp>
       <p:grpSp>
         <p:nvGrpSpPr>
-          <p:cNvPr id="38" name="Group 37">
+          <p:cNvPr id="34" name="Group 33">
             <a:extLst>
               <a:ext uri="{FF2B5EF4-FFF2-40B4-BE49-F238E27FC236}">
-                <a16:creationId xmlns:a16="http://schemas.microsoft.com/office/drawing/2014/main" id="{8706C43F-E149-4738-879F-0749C95D6F2A}"/>
+                <a16:creationId xmlns:a16="http://schemas.microsoft.com/office/drawing/2014/main" id="{250508C2-088D-4055-B1F8-5713AF42B546}"/>
               </a:ext>
             </a:extLst>
           </p:cNvPr>
@@ -8670,197 +8016,195 @@
         </p:nvGrpSpPr>
         <p:grpSpPr>
           <a:xfrm>
-            <a:off x="6890694" y="2623518"/>
-            <a:ext cx="2268249" cy="1320987"/>
-            <a:chOff x="10002188" y="4231588"/>
-            <a:chExt cx="2268249" cy="1320987"/>
+            <a:off x="3966448" y="2643518"/>
+            <a:ext cx="1588235" cy="616554"/>
+            <a:chOff x="8510854" y="1316000"/>
+            <a:chExt cx="1588235" cy="616554"/>
           </a:xfrm>
         </p:grpSpPr>
-        <p:grpSp>
-          <p:nvGrpSpPr>
-            <p:cNvPr id="34" name="Group 33">
+        <p:pic>
+          <p:nvPicPr>
+            <p:cNvPr id="10" name="Graphic 9">
               <a:extLst>
                 <a:ext uri="{FF2B5EF4-FFF2-40B4-BE49-F238E27FC236}">
-                  <a16:creationId xmlns:a16="http://schemas.microsoft.com/office/drawing/2014/main" id="{250508C2-088D-4055-B1F8-5713AF42B546}"/>
+                  <a16:creationId xmlns:a16="http://schemas.microsoft.com/office/drawing/2014/main" id="{6833B9DA-EBEB-4883-BD62-756E5A3CE85B}"/>
                 </a:ext>
               </a:extLst>
             </p:cNvPr>
-            <p:cNvGrpSpPr/>
+            <p:cNvPicPr>
+              <a:picLocks noChangeAspect="1"/>
+            </p:cNvPicPr>
             <p:nvPr/>
-          </p:nvGrpSpPr>
-          <p:grpSpPr>
-            <a:xfrm>
-              <a:off x="10071196" y="4231588"/>
-              <a:ext cx="1588235" cy="636554"/>
-              <a:chOff x="8510854" y="1296000"/>
-              <a:chExt cx="1588235" cy="636554"/>
-            </a:xfrm>
-          </p:grpSpPr>
-          <p:pic>
-            <p:nvPicPr>
-              <p:cNvPr id="10" name="Graphic 9">
-                <a:extLst>
-                  <a:ext uri="{FF2B5EF4-FFF2-40B4-BE49-F238E27FC236}">
-                    <a16:creationId xmlns:a16="http://schemas.microsoft.com/office/drawing/2014/main" id="{6833B9DA-EBEB-4883-BD62-756E5A3CE85B}"/>
-                  </a:ext>
-                </a:extLst>
-              </p:cNvPr>
-              <p:cNvPicPr>
-                <a:picLocks noChangeAspect="1"/>
-              </p:cNvPicPr>
-              <p:nvPr/>
-            </p:nvPicPr>
-            <p:blipFill>
-              <a:blip r:embed="rId2" cstate="print">
-                <a:extLst>
-                  <a:ext uri="{28A0092B-C50C-407E-A947-70E740481C1C}">
-                    <a14:useLocalDpi xmlns:a14="http://schemas.microsoft.com/office/drawing/2010/main" val="0"/>
-                  </a:ext>
-                  <a:ext uri="{96DAC541-7B7A-43D3-8B79-37D633B846F1}">
-                    <asvg:svgBlip xmlns:asvg="http://schemas.microsoft.com/office/drawing/2016/SVG/main" r:embed="rId3"/>
-                  </a:ext>
-                </a:extLst>
-              </a:blip>
-              <a:stretch>
-                <a:fillRect/>
-              </a:stretch>
-            </p:blipFill>
-            <p:spPr>
-              <a:xfrm>
-                <a:off x="8510854" y="1296000"/>
-                <a:ext cx="1588235" cy="540000"/>
-              </a:xfrm>
-              <a:prstGeom prst="rect">
-                <a:avLst/>
-              </a:prstGeom>
-            </p:spPr>
-          </p:pic>
-          <p:cxnSp>
-            <p:nvCxnSpPr>
-              <p:cNvPr id="17" name="Straight Arrow Connector 16">
-                <a:extLst>
-                  <a:ext uri="{FF2B5EF4-FFF2-40B4-BE49-F238E27FC236}">
-                    <a16:creationId xmlns:a16="http://schemas.microsoft.com/office/drawing/2014/main" id="{594BA0E3-9081-4582-89C2-34A6595C2385}"/>
-                  </a:ext>
-                </a:extLst>
-              </p:cNvPr>
-              <p:cNvCxnSpPr>
-                <a:cxnSpLocks/>
-              </p:cNvCxnSpPr>
-              <p:nvPr/>
-            </p:nvCxnSpPr>
-            <p:spPr>
-              <a:xfrm>
-                <a:off x="8562611" y="1932554"/>
-                <a:ext cx="1461283" cy="0"/>
-              </a:xfrm>
-              <a:prstGeom prst="straightConnector1">
-                <a:avLst/>
-              </a:prstGeom>
-              <a:ln cap="rnd">
-                <a:solidFill>
-                  <a:srgbClr val="C80A5A"/>
-                </a:solidFill>
-                <a:round/>
-                <a:headEnd type="oval" w="sm" len="sm"/>
-                <a:tailEnd type="oval" w="sm" len="sm"/>
-              </a:ln>
-            </p:spPr>
-            <p:style>
-              <a:lnRef idx="1">
-                <a:schemeClr val="accent1"/>
-              </a:lnRef>
-              <a:fillRef idx="0">
-                <a:schemeClr val="accent1"/>
-              </a:fillRef>
-              <a:effectRef idx="0">
-                <a:schemeClr val="accent1"/>
-              </a:effectRef>
-              <a:fontRef idx="minor">
-                <a:schemeClr val="tx1"/>
-              </a:fontRef>
-            </p:style>
-          </p:cxnSp>
-        </p:grpSp>
-        <p:sp>
-          <p:nvSpPr>
-            <p:cNvPr id="35" name="TextBox 34">
+          </p:nvPicPr>
+          <p:blipFill>
+            <a:blip r:embed="rId2" cstate="print">
               <a:extLst>
-                <a:ext uri="{FF2B5EF4-FFF2-40B4-BE49-F238E27FC236}">
-                  <a16:creationId xmlns:a16="http://schemas.microsoft.com/office/drawing/2014/main" id="{9CBF5667-E482-4607-98C5-66BBF6D0A5C9}"/>
+                <a:ext uri="{28A0092B-C50C-407E-A947-70E740481C1C}">
+                  <a14:useLocalDpi xmlns:a14="http://schemas.microsoft.com/office/drawing/2010/main" val="0"/>
+                </a:ext>
+                <a:ext uri="{96DAC541-7B7A-43D3-8B79-37D633B846F1}">
+                  <asvg:svgBlip xmlns:asvg="http://schemas.microsoft.com/office/drawing/2016/SVG/main" r:embed="rId3"/>
                 </a:ext>
               </a:extLst>
-            </p:cNvPr>
-            <p:cNvSpPr txBox="1"/>
-            <p:nvPr/>
-          </p:nvSpPr>
+            </a:blip>
+            <a:srcRect/>
+            <a:stretch/>
+          </p:blipFill>
           <p:spPr>
             <a:xfrm>
-              <a:off x="10002188" y="4973570"/>
-              <a:ext cx="2268249" cy="579005"/>
+              <a:off x="8510854" y="1316000"/>
+              <a:ext cx="1588235" cy="499999"/>
             </a:xfrm>
             <a:prstGeom prst="rect">
               <a:avLst/>
             </a:prstGeom>
-            <a:noFill/>
-            <a:ln>
-              <a:noFill/>
+          </p:spPr>
+        </p:pic>
+        <p:cxnSp>
+          <p:nvCxnSpPr>
+            <p:cNvPr id="17" name="Straight Arrow Connector 16">
+              <a:extLst>
+                <a:ext uri="{FF2B5EF4-FFF2-40B4-BE49-F238E27FC236}">
+                  <a16:creationId xmlns:a16="http://schemas.microsoft.com/office/drawing/2014/main" id="{594BA0E3-9081-4582-89C2-34A6595C2385}"/>
+                </a:ext>
+              </a:extLst>
+            </p:cNvPr>
+            <p:cNvCxnSpPr>
+              <a:cxnSpLocks/>
+            </p:cNvCxnSpPr>
+            <p:nvPr/>
+          </p:nvCxnSpPr>
+          <p:spPr>
+            <a:xfrm>
+              <a:off x="8562611" y="1932554"/>
+              <a:ext cx="1461283" cy="0"/>
+            </a:xfrm>
+            <a:prstGeom prst="straightConnector1">
+              <a:avLst/>
+            </a:prstGeom>
+            <a:ln cap="rnd">
+              <a:solidFill>
+                <a:srgbClr val="C80A5A"/>
+              </a:solidFill>
+              <a:round/>
+              <a:headEnd type="oval" w="sm" len="sm"/>
+              <a:tailEnd type="oval" w="sm" len="sm"/>
             </a:ln>
           </p:spPr>
-          <p:txBody>
-            <a:bodyPr wrap="square" rtlCol="0">
-              <a:spAutoFit/>
-            </a:bodyPr>
-            <a:lstStyle/>
-            <a:p>
-              <a:pPr>
-                <a:lnSpc>
-                  <a:spcPct val="150000"/>
-                </a:lnSpc>
-              </a:pPr>
-              <a:r>
-                <a:rPr lang="en-US" sz="1100" dirty="0">
-                  <a:solidFill>
-                    <a:schemeClr val="tx1">
-                      <a:lumMod val="85000"/>
-                      <a:lumOff val="15000"/>
-                    </a:schemeClr>
-                  </a:solidFill>
-                  <a:latin typeface="IRANSans Light" panose="020B0506030804020204" pitchFamily="34" charset="-78"/>
-                  <a:cs typeface="IRANSans Light" panose="020B0506030804020204" pitchFamily="34" charset="-78"/>
-                </a:rPr>
-                <a:t>Print size 2.5 cm wide</a:t>
-              </a:r>
-            </a:p>
-            <a:p>
-              <a:pPr>
-                <a:lnSpc>
-                  <a:spcPct val="150000"/>
-                </a:lnSpc>
-              </a:pPr>
-              <a:r>
-                <a:rPr lang="en-US" sz="1100" dirty="0">
-                  <a:solidFill>
-                    <a:schemeClr val="tx1">
-                      <a:lumMod val="85000"/>
-                      <a:lumOff val="15000"/>
-                    </a:schemeClr>
-                  </a:solidFill>
-                  <a:latin typeface="IRANSans Light" panose="020B0506030804020204" pitchFamily="34" charset="-78"/>
-                  <a:cs typeface="IRANSans Light" panose="020B0506030804020204" pitchFamily="34" charset="-78"/>
-                </a:rPr>
-                <a:t>Digital size 96 pixels wide</a:t>
-              </a:r>
-            </a:p>
-          </p:txBody>
-        </p:sp>
+          <p:style>
+            <a:lnRef idx="1">
+              <a:schemeClr val="accent1"/>
+            </a:lnRef>
+            <a:fillRef idx="0">
+              <a:schemeClr val="accent1"/>
+            </a:fillRef>
+            <a:effectRef idx="0">
+              <a:schemeClr val="accent1"/>
+            </a:effectRef>
+            <a:fontRef idx="minor">
+              <a:schemeClr val="tx1"/>
+            </a:fontRef>
+          </p:style>
+        </p:cxnSp>
       </p:grpSp>
+      <p:sp>
+        <p:nvSpPr>
+          <p:cNvPr id="35" name="TextBox 34">
+            <a:extLst>
+              <a:ext uri="{FF2B5EF4-FFF2-40B4-BE49-F238E27FC236}">
+                <a16:creationId xmlns:a16="http://schemas.microsoft.com/office/drawing/2014/main" id="{9CBF5667-E482-4607-98C5-66BBF6D0A5C9}"/>
+              </a:ext>
+            </a:extLst>
+          </p:cNvPr>
+          <p:cNvSpPr txBox="1"/>
+          <p:nvPr/>
+        </p:nvSpPr>
+        <p:spPr>
+          <a:xfrm>
+            <a:off x="2499360" y="3365500"/>
+            <a:ext cx="3055323" cy="579005"/>
+          </a:xfrm>
+          <a:prstGeom prst="rect">
+            <a:avLst/>
+          </a:prstGeom>
+          <a:noFill/>
+          <a:ln>
+            <a:noFill/>
+          </a:ln>
+        </p:spPr>
+        <p:txBody>
+          <a:bodyPr wrap="square" rtlCol="0">
+            <a:spAutoFit/>
+          </a:bodyPr>
+          <a:lstStyle/>
+          <a:p>
+            <a:pPr algn="r" rtl="1">
+              <a:lnSpc>
+                <a:spcPct val="150000"/>
+              </a:lnSpc>
+            </a:pPr>
+            <a:r>
+              <a:rPr lang="fa-IR" sz="1100" dirty="0">
+                <a:solidFill>
+                  <a:schemeClr val="tx1">
+                    <a:lumMod val="85000"/>
+                    <a:lumOff val="15000"/>
+                  </a:schemeClr>
+                </a:solidFill>
+                <a:latin typeface="IRANSans Light" panose="020B0506030804020204" pitchFamily="34" charset="-78"/>
+                <a:cs typeface="IRANSans Light" panose="020B0506030804020204" pitchFamily="34" charset="-78"/>
+              </a:rPr>
+              <a:t>عرض اندازه چاپ ۲.۵ سانتی‌متر</a:t>
+            </a:r>
+            <a:endParaRPr lang="en-US" sz="1100" dirty="0">
+              <a:solidFill>
+                <a:schemeClr val="tx1">
+                  <a:lumMod val="85000"/>
+                  <a:lumOff val="15000"/>
+                </a:schemeClr>
+              </a:solidFill>
+              <a:latin typeface="IRANSans Light" panose="020B0506030804020204" pitchFamily="34" charset="-78"/>
+              <a:cs typeface="IRANSans Light" panose="020B0506030804020204" pitchFamily="34" charset="-78"/>
+            </a:endParaRPr>
+          </a:p>
+          <a:p>
+            <a:pPr algn="r" rtl="1">
+              <a:lnSpc>
+                <a:spcPct val="150000"/>
+              </a:lnSpc>
+            </a:pPr>
+            <a:r>
+              <a:rPr lang="fa-IR" sz="1100" dirty="0">
+                <a:solidFill>
+                  <a:schemeClr val="tx1">
+                    <a:lumMod val="85000"/>
+                    <a:lumOff val="15000"/>
+                  </a:schemeClr>
+                </a:solidFill>
+                <a:latin typeface="IRANSans Light" panose="020B0506030804020204" pitchFamily="34" charset="-78"/>
+                <a:cs typeface="IRANSans Light" panose="020B0506030804020204" pitchFamily="34" charset="-78"/>
+              </a:rPr>
+              <a:t>عرض اندازه دیجیتالی ۹۶ پیکسل</a:t>
+            </a:r>
+            <a:endParaRPr lang="en-US" sz="1100" dirty="0">
+              <a:solidFill>
+                <a:schemeClr val="tx1">
+                  <a:lumMod val="85000"/>
+                  <a:lumOff val="15000"/>
+                </a:schemeClr>
+              </a:solidFill>
+              <a:latin typeface="IRANSans Light" panose="020B0506030804020204" pitchFamily="34" charset="-78"/>
+              <a:cs typeface="IRANSans Light" panose="020B0506030804020204" pitchFamily="34" charset="-78"/>
+            </a:endParaRPr>
+          </a:p>
+        </p:txBody>
+      </p:sp>
       <p:grpSp>
         <p:nvGrpSpPr>
-          <p:cNvPr id="39" name="Group 38">
+          <p:cNvPr id="32" name="Group 31">
             <a:extLst>
               <a:ext uri="{FF2B5EF4-FFF2-40B4-BE49-F238E27FC236}">
-                <a16:creationId xmlns:a16="http://schemas.microsoft.com/office/drawing/2014/main" id="{6F8F585B-7442-46A6-B592-400C07114FAD}"/>
+                <a16:creationId xmlns:a16="http://schemas.microsoft.com/office/drawing/2014/main" id="{38F858BF-4B3A-4608-BA93-812E555720FD}"/>
               </a:ext>
             </a:extLst>
           </p:cNvPr>
@@ -8869,197 +8213,195 @@
         </p:nvGrpSpPr>
         <p:grpSpPr>
           <a:xfrm>
-            <a:off x="6890694" y="4229470"/>
-            <a:ext cx="2268249" cy="1676459"/>
-            <a:chOff x="7535863" y="3876116"/>
-            <a:chExt cx="2268249" cy="1676459"/>
+            <a:off x="4590395" y="4282410"/>
+            <a:ext cx="964288" cy="939086"/>
+            <a:chOff x="7970854" y="2188012"/>
+            <a:chExt cx="964288" cy="939086"/>
           </a:xfrm>
         </p:grpSpPr>
-        <p:grpSp>
-          <p:nvGrpSpPr>
-            <p:cNvPr id="32" name="Group 31">
+        <p:pic>
+          <p:nvPicPr>
+            <p:cNvPr id="12" name="Graphic 11">
               <a:extLst>
                 <a:ext uri="{FF2B5EF4-FFF2-40B4-BE49-F238E27FC236}">
-                  <a16:creationId xmlns:a16="http://schemas.microsoft.com/office/drawing/2014/main" id="{38F858BF-4B3A-4608-BA93-812E555720FD}"/>
+                  <a16:creationId xmlns:a16="http://schemas.microsoft.com/office/drawing/2014/main" id="{7E0A357B-0EAC-4249-A01D-753B681DCFD8}"/>
                 </a:ext>
               </a:extLst>
             </p:cNvPr>
-            <p:cNvGrpSpPr/>
+            <p:cNvPicPr>
+              <a:picLocks noChangeAspect="1"/>
+            </p:cNvPicPr>
             <p:nvPr/>
-          </p:nvGrpSpPr>
-          <p:grpSpPr>
-            <a:xfrm>
-              <a:off x="7604871" y="3876116"/>
-              <a:ext cx="964288" cy="992026"/>
-              <a:chOff x="7970854" y="2135072"/>
-              <a:chExt cx="964288" cy="992026"/>
-            </a:xfrm>
-          </p:grpSpPr>
-          <p:pic>
-            <p:nvPicPr>
-              <p:cNvPr id="12" name="Graphic 11">
-                <a:extLst>
-                  <a:ext uri="{FF2B5EF4-FFF2-40B4-BE49-F238E27FC236}">
-                    <a16:creationId xmlns:a16="http://schemas.microsoft.com/office/drawing/2014/main" id="{7E0A357B-0EAC-4249-A01D-753B681DCFD8}"/>
-                  </a:ext>
-                </a:extLst>
-              </p:cNvPr>
-              <p:cNvPicPr>
-                <a:picLocks noChangeAspect="1"/>
-              </p:cNvPicPr>
-              <p:nvPr/>
-            </p:nvPicPr>
-            <p:blipFill>
-              <a:blip r:embed="rId4" cstate="print">
-                <a:extLst>
-                  <a:ext uri="{28A0092B-C50C-407E-A947-70E740481C1C}">
-                    <a14:useLocalDpi xmlns:a14="http://schemas.microsoft.com/office/drawing/2010/main" val="0"/>
-                  </a:ext>
-                  <a:ext uri="{96DAC541-7B7A-43D3-8B79-37D633B846F1}">
-                    <asvg:svgBlip xmlns:asvg="http://schemas.microsoft.com/office/drawing/2016/SVG/main" r:embed="rId5"/>
-                  </a:ext>
-                </a:extLst>
-              </a:blip>
-              <a:stretch>
-                <a:fillRect/>
-              </a:stretch>
-            </p:blipFill>
-            <p:spPr>
-              <a:xfrm>
-                <a:off x="7970854" y="2135072"/>
-                <a:ext cx="964288" cy="900000"/>
-              </a:xfrm>
-              <a:prstGeom prst="rect">
-                <a:avLst/>
-              </a:prstGeom>
-            </p:spPr>
-          </p:pic>
-          <p:cxnSp>
-            <p:nvCxnSpPr>
-              <p:cNvPr id="24" name="Straight Arrow Connector 23">
-                <a:extLst>
-                  <a:ext uri="{FF2B5EF4-FFF2-40B4-BE49-F238E27FC236}">
-                    <a16:creationId xmlns:a16="http://schemas.microsoft.com/office/drawing/2014/main" id="{19AEB816-2028-4B27-84D0-A4D2DD059417}"/>
-                  </a:ext>
-                </a:extLst>
-              </p:cNvPr>
-              <p:cNvCxnSpPr>
-                <a:cxnSpLocks/>
-              </p:cNvCxnSpPr>
-              <p:nvPr/>
-            </p:nvCxnSpPr>
-            <p:spPr>
-              <a:xfrm>
-                <a:off x="7993306" y="3127098"/>
-                <a:ext cx="907332" cy="0"/>
-              </a:xfrm>
-              <a:prstGeom prst="straightConnector1">
-                <a:avLst/>
-              </a:prstGeom>
-              <a:ln cap="rnd">
-                <a:solidFill>
-                  <a:srgbClr val="C80A5A"/>
-                </a:solidFill>
-                <a:round/>
-                <a:headEnd type="oval" w="sm" len="sm"/>
-                <a:tailEnd type="oval" w="sm" len="sm"/>
-              </a:ln>
-            </p:spPr>
-            <p:style>
-              <a:lnRef idx="1">
-                <a:schemeClr val="accent1"/>
-              </a:lnRef>
-              <a:fillRef idx="0">
-                <a:schemeClr val="accent1"/>
-              </a:fillRef>
-              <a:effectRef idx="0">
-                <a:schemeClr val="accent1"/>
-              </a:effectRef>
-              <a:fontRef idx="minor">
-                <a:schemeClr val="tx1"/>
-              </a:fontRef>
-            </p:style>
-          </p:cxnSp>
-        </p:grpSp>
-        <p:sp>
-          <p:nvSpPr>
-            <p:cNvPr id="36" name="TextBox 35">
+          </p:nvPicPr>
+          <p:blipFill>
+            <a:blip r:embed="rId4" cstate="print">
               <a:extLst>
-                <a:ext uri="{FF2B5EF4-FFF2-40B4-BE49-F238E27FC236}">
-                  <a16:creationId xmlns:a16="http://schemas.microsoft.com/office/drawing/2014/main" id="{2928031B-1957-4BED-9B50-8AC4DF3E815A}"/>
+                <a:ext uri="{28A0092B-C50C-407E-A947-70E740481C1C}">
+                  <a14:useLocalDpi xmlns:a14="http://schemas.microsoft.com/office/drawing/2010/main" val="0"/>
+                </a:ext>
+                <a:ext uri="{96DAC541-7B7A-43D3-8B79-37D633B846F1}">
+                  <asvg:svgBlip xmlns:asvg="http://schemas.microsoft.com/office/drawing/2016/SVG/main" r:embed="rId5"/>
                 </a:ext>
               </a:extLst>
-            </p:cNvPr>
-            <p:cNvSpPr txBox="1"/>
-            <p:nvPr/>
-          </p:nvSpPr>
+            </a:blip>
+            <a:srcRect/>
+            <a:stretch/>
+          </p:blipFill>
           <p:spPr>
             <a:xfrm>
-              <a:off x="7535863" y="4973570"/>
-              <a:ext cx="2268249" cy="579005"/>
+              <a:off x="7970854" y="2188012"/>
+              <a:ext cx="964288" cy="794119"/>
             </a:xfrm>
             <a:prstGeom prst="rect">
               <a:avLst/>
             </a:prstGeom>
-            <a:noFill/>
-            <a:ln>
-              <a:noFill/>
+          </p:spPr>
+        </p:pic>
+        <p:cxnSp>
+          <p:nvCxnSpPr>
+            <p:cNvPr id="24" name="Straight Arrow Connector 23">
+              <a:extLst>
+                <a:ext uri="{FF2B5EF4-FFF2-40B4-BE49-F238E27FC236}">
+                  <a16:creationId xmlns:a16="http://schemas.microsoft.com/office/drawing/2014/main" id="{19AEB816-2028-4B27-84D0-A4D2DD059417}"/>
+                </a:ext>
+              </a:extLst>
+            </p:cNvPr>
+            <p:cNvCxnSpPr>
+              <a:cxnSpLocks/>
+            </p:cNvCxnSpPr>
+            <p:nvPr/>
+          </p:nvCxnSpPr>
+          <p:spPr>
+            <a:xfrm>
+              <a:off x="7993306" y="3127098"/>
+              <a:ext cx="907332" cy="0"/>
+            </a:xfrm>
+            <a:prstGeom prst="straightConnector1">
+              <a:avLst/>
+            </a:prstGeom>
+            <a:ln cap="rnd">
+              <a:solidFill>
+                <a:srgbClr val="C80A5A"/>
+              </a:solidFill>
+              <a:round/>
+              <a:headEnd type="oval" w="sm" len="sm"/>
+              <a:tailEnd type="oval" w="sm" len="sm"/>
             </a:ln>
           </p:spPr>
-          <p:txBody>
-            <a:bodyPr wrap="square" rtlCol="0">
-              <a:spAutoFit/>
-            </a:bodyPr>
-            <a:lstStyle/>
-            <a:p>
-              <a:pPr>
-                <a:lnSpc>
-                  <a:spcPct val="150000"/>
-                </a:lnSpc>
-              </a:pPr>
-              <a:r>
-                <a:rPr lang="en-US" sz="1100" dirty="0">
-                  <a:solidFill>
-                    <a:schemeClr val="tx1">
-                      <a:lumMod val="85000"/>
-                      <a:lumOff val="15000"/>
-                    </a:schemeClr>
-                  </a:solidFill>
-                  <a:latin typeface="IRANSans Light" panose="020B0506030804020204" pitchFamily="34" charset="-78"/>
-                  <a:cs typeface="IRANSans Light" panose="020B0506030804020204" pitchFamily="34" charset="-78"/>
-                </a:rPr>
-                <a:t>Print size 1.7 cm wide</a:t>
-              </a:r>
-            </a:p>
-            <a:p>
-              <a:pPr>
-                <a:lnSpc>
-                  <a:spcPct val="150000"/>
-                </a:lnSpc>
-              </a:pPr>
-              <a:r>
-                <a:rPr lang="en-US" sz="1100" dirty="0">
-                  <a:solidFill>
-                    <a:schemeClr val="tx1">
-                      <a:lumMod val="85000"/>
-                      <a:lumOff val="15000"/>
-                    </a:schemeClr>
-                  </a:solidFill>
-                  <a:latin typeface="IRANSans Light" panose="020B0506030804020204" pitchFamily="34" charset="-78"/>
-                  <a:cs typeface="IRANSans Light" panose="020B0506030804020204" pitchFamily="34" charset="-78"/>
-                </a:rPr>
-                <a:t>Digital size 64 pixels wide</a:t>
-              </a:r>
-            </a:p>
-          </p:txBody>
-        </p:sp>
+          <p:style>
+            <a:lnRef idx="1">
+              <a:schemeClr val="accent1"/>
+            </a:lnRef>
+            <a:fillRef idx="0">
+              <a:schemeClr val="accent1"/>
+            </a:fillRef>
+            <a:effectRef idx="0">
+              <a:schemeClr val="accent1"/>
+            </a:effectRef>
+            <a:fontRef idx="minor">
+              <a:schemeClr val="tx1"/>
+            </a:fontRef>
+          </p:style>
+        </p:cxnSp>
       </p:grpSp>
+      <p:sp>
+        <p:nvSpPr>
+          <p:cNvPr id="36" name="TextBox 35">
+            <a:extLst>
+              <a:ext uri="{FF2B5EF4-FFF2-40B4-BE49-F238E27FC236}">
+                <a16:creationId xmlns:a16="http://schemas.microsoft.com/office/drawing/2014/main" id="{2928031B-1957-4BED-9B50-8AC4DF3E815A}"/>
+              </a:ext>
+            </a:extLst>
+          </p:cNvPr>
+          <p:cNvSpPr txBox="1"/>
+          <p:nvPr/>
+        </p:nvSpPr>
+        <p:spPr>
+          <a:xfrm>
+            <a:off x="2499360" y="5326924"/>
+            <a:ext cx="3055323" cy="579005"/>
+          </a:xfrm>
+          <a:prstGeom prst="rect">
+            <a:avLst/>
+          </a:prstGeom>
+          <a:noFill/>
+          <a:ln>
+            <a:noFill/>
+          </a:ln>
+        </p:spPr>
+        <p:txBody>
+          <a:bodyPr wrap="square" rtlCol="0">
+            <a:spAutoFit/>
+          </a:bodyPr>
+          <a:lstStyle/>
+          <a:p>
+            <a:pPr algn="r" rtl="1">
+              <a:lnSpc>
+                <a:spcPct val="150000"/>
+              </a:lnSpc>
+            </a:pPr>
+            <a:r>
+              <a:rPr lang="fa-IR" sz="1100" dirty="0">
+                <a:solidFill>
+                  <a:schemeClr val="tx1">
+                    <a:lumMod val="85000"/>
+                    <a:lumOff val="15000"/>
+                  </a:schemeClr>
+                </a:solidFill>
+                <a:latin typeface="IRANSans Light" panose="020B0506030804020204" pitchFamily="34" charset="-78"/>
+                <a:cs typeface="IRANSans Light" panose="020B0506030804020204" pitchFamily="34" charset="-78"/>
+              </a:rPr>
+              <a:t>عرض اندازه چاپ ۱.۷ سانتی‌متر</a:t>
+            </a:r>
+            <a:endParaRPr lang="en-US" sz="1100" dirty="0">
+              <a:solidFill>
+                <a:schemeClr val="tx1">
+                  <a:lumMod val="85000"/>
+                  <a:lumOff val="15000"/>
+                </a:schemeClr>
+              </a:solidFill>
+              <a:latin typeface="IRANSans Light" panose="020B0506030804020204" pitchFamily="34" charset="-78"/>
+              <a:cs typeface="IRANSans Light" panose="020B0506030804020204" pitchFamily="34" charset="-78"/>
+            </a:endParaRPr>
+          </a:p>
+          <a:p>
+            <a:pPr algn="r" rtl="1">
+              <a:lnSpc>
+                <a:spcPct val="150000"/>
+              </a:lnSpc>
+            </a:pPr>
+            <a:r>
+              <a:rPr lang="fa-IR" sz="1100" dirty="0">
+                <a:solidFill>
+                  <a:schemeClr val="tx1">
+                    <a:lumMod val="85000"/>
+                    <a:lumOff val="15000"/>
+                  </a:schemeClr>
+                </a:solidFill>
+                <a:latin typeface="IRANSans Light" panose="020B0506030804020204" pitchFamily="34" charset="-78"/>
+                <a:cs typeface="IRANSans Light" panose="020B0506030804020204" pitchFamily="34" charset="-78"/>
+              </a:rPr>
+              <a:t>عرض اندازه دیجیتالی ۶۴ پیکسل</a:t>
+            </a:r>
+            <a:endParaRPr lang="en-US" sz="1100" dirty="0">
+              <a:solidFill>
+                <a:schemeClr val="tx1">
+                  <a:lumMod val="85000"/>
+                  <a:lumOff val="15000"/>
+                </a:schemeClr>
+              </a:solidFill>
+              <a:latin typeface="IRANSans Light" panose="020B0506030804020204" pitchFamily="34" charset="-78"/>
+              <a:cs typeface="IRANSans Light" panose="020B0506030804020204" pitchFamily="34" charset="-78"/>
+            </a:endParaRPr>
+          </a:p>
+        </p:txBody>
+      </p:sp>
       <p:grpSp>
         <p:nvGrpSpPr>
-          <p:cNvPr id="40" name="Group 39">
+          <p:cNvPr id="33" name="Group 32">
             <a:extLst>
               <a:ext uri="{FF2B5EF4-FFF2-40B4-BE49-F238E27FC236}">
-                <a16:creationId xmlns:a16="http://schemas.microsoft.com/office/drawing/2014/main" id="{C4C266FE-F53F-4270-96D5-521DB2F8472E}"/>
+                <a16:creationId xmlns:a16="http://schemas.microsoft.com/office/drawing/2014/main" id="{594C091B-AE6F-45CE-8653-D8D711D0ABB3}"/>
               </a:ext>
             </a:extLst>
           </p:cNvPr>
@@ -9068,191 +8410,190 @@
         </p:nvGrpSpPr>
         <p:grpSpPr>
           <a:xfrm>
-            <a:off x="6890694" y="1016715"/>
-            <a:ext cx="2268249" cy="1321838"/>
-            <a:chOff x="5307893" y="4230737"/>
-            <a:chExt cx="2268249" cy="1321838"/>
+            <a:off x="5014683" y="1016715"/>
+            <a:ext cx="540000" cy="637405"/>
+            <a:chOff x="7970854" y="1296000"/>
+            <a:chExt cx="540000" cy="637405"/>
           </a:xfrm>
         </p:grpSpPr>
-        <p:grpSp>
-          <p:nvGrpSpPr>
-            <p:cNvPr id="33" name="Group 32">
+        <p:pic>
+          <p:nvPicPr>
+            <p:cNvPr id="14" name="Graphic 13">
               <a:extLst>
                 <a:ext uri="{FF2B5EF4-FFF2-40B4-BE49-F238E27FC236}">
-                  <a16:creationId xmlns:a16="http://schemas.microsoft.com/office/drawing/2014/main" id="{594C091B-AE6F-45CE-8653-D8D711D0ABB3}"/>
+                  <a16:creationId xmlns:a16="http://schemas.microsoft.com/office/drawing/2014/main" id="{48A81B30-8B89-4617-82CF-C80F6961B86D}"/>
                 </a:ext>
               </a:extLst>
             </p:cNvPr>
-            <p:cNvGrpSpPr/>
+            <p:cNvPicPr>
+              <a:picLocks noChangeAspect="1"/>
+            </p:cNvPicPr>
             <p:nvPr/>
-          </p:nvGrpSpPr>
-          <p:grpSpPr>
-            <a:xfrm>
-              <a:off x="5376901" y="4230737"/>
-              <a:ext cx="540000" cy="637405"/>
-              <a:chOff x="7970854" y="1296000"/>
-              <a:chExt cx="540000" cy="637405"/>
-            </a:xfrm>
-          </p:grpSpPr>
-          <p:pic>
-            <p:nvPicPr>
-              <p:cNvPr id="14" name="Graphic 13">
-                <a:extLst>
-                  <a:ext uri="{FF2B5EF4-FFF2-40B4-BE49-F238E27FC236}">
-                    <a16:creationId xmlns:a16="http://schemas.microsoft.com/office/drawing/2014/main" id="{48A81B30-8B89-4617-82CF-C80F6961B86D}"/>
-                  </a:ext>
-                </a:extLst>
-              </p:cNvPr>
-              <p:cNvPicPr>
-                <a:picLocks noChangeAspect="1"/>
-              </p:cNvPicPr>
-              <p:nvPr/>
-            </p:nvPicPr>
-            <p:blipFill>
-              <a:blip r:embed="rId6" cstate="print">
-                <a:extLst>
-                  <a:ext uri="{28A0092B-C50C-407E-A947-70E740481C1C}">
-                    <a14:useLocalDpi xmlns:a14="http://schemas.microsoft.com/office/drawing/2010/main" val="0"/>
-                  </a:ext>
-                  <a:ext uri="{96DAC541-7B7A-43D3-8B79-37D633B846F1}">
-                    <asvg:svgBlip xmlns:asvg="http://schemas.microsoft.com/office/drawing/2016/SVG/main" r:embed="rId7"/>
-                  </a:ext>
-                </a:extLst>
-              </a:blip>
-              <a:stretch>
-                <a:fillRect/>
-              </a:stretch>
-            </p:blipFill>
-            <p:spPr>
-              <a:xfrm>
-                <a:off x="7970854" y="1296000"/>
-                <a:ext cx="540000" cy="540000"/>
-              </a:xfrm>
-              <a:prstGeom prst="rect">
-                <a:avLst/>
-              </a:prstGeom>
-            </p:spPr>
-          </p:pic>
-          <p:cxnSp>
-            <p:nvCxnSpPr>
-              <p:cNvPr id="27" name="Straight Arrow Connector 26">
-                <a:extLst>
-                  <a:ext uri="{FF2B5EF4-FFF2-40B4-BE49-F238E27FC236}">
-                    <a16:creationId xmlns:a16="http://schemas.microsoft.com/office/drawing/2014/main" id="{B285A062-7224-4072-81F8-6CC93A1D184A}"/>
-                  </a:ext>
-                </a:extLst>
-              </p:cNvPr>
-              <p:cNvCxnSpPr>
-                <a:cxnSpLocks/>
-              </p:cNvCxnSpPr>
-              <p:nvPr/>
-            </p:nvCxnSpPr>
-            <p:spPr>
-              <a:xfrm>
-                <a:off x="8022565" y="1933405"/>
-                <a:ext cx="422691" cy="0"/>
-              </a:xfrm>
-              <a:prstGeom prst="straightConnector1">
-                <a:avLst/>
-              </a:prstGeom>
-              <a:ln cap="rnd">
-                <a:solidFill>
-                  <a:srgbClr val="C80A5A"/>
-                </a:solidFill>
-                <a:round/>
-                <a:headEnd type="oval" w="sm" len="sm"/>
-                <a:tailEnd type="oval" w="sm" len="sm"/>
-              </a:ln>
-            </p:spPr>
-            <p:style>
-              <a:lnRef idx="1">
-                <a:schemeClr val="accent1"/>
-              </a:lnRef>
-              <a:fillRef idx="0">
-                <a:schemeClr val="accent1"/>
-              </a:fillRef>
-              <a:effectRef idx="0">
-                <a:schemeClr val="accent1"/>
-              </a:effectRef>
-              <a:fontRef idx="minor">
-                <a:schemeClr val="tx1"/>
-              </a:fontRef>
-            </p:style>
-          </p:cxnSp>
-        </p:grpSp>
-        <p:sp>
-          <p:nvSpPr>
-            <p:cNvPr id="37" name="TextBox 36">
+          </p:nvPicPr>
+          <p:blipFill>
+            <a:blip r:embed="rId6" cstate="print">
               <a:extLst>
-                <a:ext uri="{FF2B5EF4-FFF2-40B4-BE49-F238E27FC236}">
-                  <a16:creationId xmlns:a16="http://schemas.microsoft.com/office/drawing/2014/main" id="{EFFB8082-34DC-4BD9-AE15-32F6DB23559B}"/>
+                <a:ext uri="{28A0092B-C50C-407E-A947-70E740481C1C}">
+                  <a14:useLocalDpi xmlns:a14="http://schemas.microsoft.com/office/drawing/2010/main" val="0"/>
+                </a:ext>
+                <a:ext uri="{96DAC541-7B7A-43D3-8B79-37D633B846F1}">
+                  <asvg:svgBlip xmlns:asvg="http://schemas.microsoft.com/office/drawing/2016/SVG/main" r:embed="rId7"/>
                 </a:ext>
               </a:extLst>
-            </p:cNvPr>
-            <p:cNvSpPr txBox="1"/>
-            <p:nvPr/>
-          </p:nvSpPr>
+            </a:blip>
+            <a:stretch>
+              <a:fillRect/>
+            </a:stretch>
+          </p:blipFill>
           <p:spPr>
             <a:xfrm>
-              <a:off x="5307893" y="4973570"/>
-              <a:ext cx="2268249" cy="579005"/>
+              <a:off x="7970854" y="1296000"/>
+              <a:ext cx="540000" cy="540000"/>
             </a:xfrm>
             <a:prstGeom prst="rect">
               <a:avLst/>
             </a:prstGeom>
-            <a:noFill/>
-            <a:ln>
-              <a:noFill/>
+          </p:spPr>
+        </p:pic>
+        <p:cxnSp>
+          <p:nvCxnSpPr>
+            <p:cNvPr id="27" name="Straight Arrow Connector 26">
+              <a:extLst>
+                <a:ext uri="{FF2B5EF4-FFF2-40B4-BE49-F238E27FC236}">
+                  <a16:creationId xmlns:a16="http://schemas.microsoft.com/office/drawing/2014/main" id="{B285A062-7224-4072-81F8-6CC93A1D184A}"/>
+                </a:ext>
+              </a:extLst>
+            </p:cNvPr>
+            <p:cNvCxnSpPr>
+              <a:cxnSpLocks/>
+            </p:cNvCxnSpPr>
+            <p:nvPr/>
+          </p:nvCxnSpPr>
+          <p:spPr>
+            <a:xfrm>
+              <a:off x="8022565" y="1933405"/>
+              <a:ext cx="422691" cy="0"/>
+            </a:xfrm>
+            <a:prstGeom prst="straightConnector1">
+              <a:avLst/>
+            </a:prstGeom>
+            <a:ln cap="rnd">
+              <a:solidFill>
+                <a:srgbClr val="C80A5A"/>
+              </a:solidFill>
+              <a:round/>
+              <a:headEnd type="oval" w="sm" len="sm"/>
+              <a:tailEnd type="oval" w="sm" len="sm"/>
             </a:ln>
           </p:spPr>
-          <p:txBody>
-            <a:bodyPr wrap="square" rtlCol="0">
-              <a:spAutoFit/>
-            </a:bodyPr>
-            <a:lstStyle/>
-            <a:p>
-              <a:pPr>
-                <a:lnSpc>
-                  <a:spcPct val="150000"/>
-                </a:lnSpc>
-              </a:pPr>
-              <a:r>
-                <a:rPr lang="en-US" sz="1100" dirty="0">
-                  <a:solidFill>
-                    <a:schemeClr val="tx1">
-                      <a:lumMod val="85000"/>
-                      <a:lumOff val="15000"/>
-                    </a:schemeClr>
-                  </a:solidFill>
-                  <a:latin typeface="IRANSans Light" panose="020B0506030804020204" pitchFamily="34" charset="-78"/>
-                  <a:cs typeface="IRANSans Light" panose="020B0506030804020204" pitchFamily="34" charset="-78"/>
-                </a:rPr>
-                <a:t>Print size 1 cm wide</a:t>
-              </a:r>
-            </a:p>
-            <a:p>
-              <a:pPr>
-                <a:lnSpc>
-                  <a:spcPct val="150000"/>
-                </a:lnSpc>
-              </a:pPr>
-              <a:r>
-                <a:rPr lang="en-US" sz="1100" dirty="0">
-                  <a:solidFill>
-                    <a:schemeClr val="tx1">
-                      <a:lumMod val="85000"/>
-                      <a:lumOff val="15000"/>
-                    </a:schemeClr>
-                  </a:solidFill>
-                  <a:latin typeface="IRANSans Light" panose="020B0506030804020204" pitchFamily="34" charset="-78"/>
-                  <a:cs typeface="IRANSans Light" panose="020B0506030804020204" pitchFamily="34" charset="-78"/>
-                </a:rPr>
-                <a:t>Digital size 36 pixels wide</a:t>
-              </a:r>
-            </a:p>
-          </p:txBody>
-        </p:sp>
+          <p:style>
+            <a:lnRef idx="1">
+              <a:schemeClr val="accent1"/>
+            </a:lnRef>
+            <a:fillRef idx="0">
+              <a:schemeClr val="accent1"/>
+            </a:fillRef>
+            <a:effectRef idx="0">
+              <a:schemeClr val="accent1"/>
+            </a:effectRef>
+            <a:fontRef idx="minor">
+              <a:schemeClr val="tx1"/>
+            </a:fontRef>
+          </p:style>
+        </p:cxnSp>
       </p:grpSp>
+      <p:sp>
+        <p:nvSpPr>
+          <p:cNvPr id="37" name="TextBox 36">
+            <a:extLst>
+              <a:ext uri="{FF2B5EF4-FFF2-40B4-BE49-F238E27FC236}">
+                <a16:creationId xmlns:a16="http://schemas.microsoft.com/office/drawing/2014/main" id="{EFFB8082-34DC-4BD9-AE15-32F6DB23559B}"/>
+              </a:ext>
+            </a:extLst>
+          </p:cNvPr>
+          <p:cNvSpPr txBox="1"/>
+          <p:nvPr/>
+        </p:nvSpPr>
+        <p:spPr>
+          <a:xfrm>
+            <a:off x="2499360" y="1759548"/>
+            <a:ext cx="3055323" cy="579005"/>
+          </a:xfrm>
+          <a:prstGeom prst="rect">
+            <a:avLst/>
+          </a:prstGeom>
+          <a:noFill/>
+          <a:ln>
+            <a:noFill/>
+          </a:ln>
+        </p:spPr>
+        <p:txBody>
+          <a:bodyPr wrap="square" rtlCol="0">
+            <a:spAutoFit/>
+          </a:bodyPr>
+          <a:lstStyle/>
+          <a:p>
+            <a:pPr algn="r" rtl="1">
+              <a:lnSpc>
+                <a:spcPct val="150000"/>
+              </a:lnSpc>
+            </a:pPr>
+            <a:r>
+              <a:rPr lang="fa-IR" sz="1100" dirty="0">
+                <a:solidFill>
+                  <a:schemeClr val="tx1">
+                    <a:lumMod val="85000"/>
+                    <a:lumOff val="15000"/>
+                  </a:schemeClr>
+                </a:solidFill>
+                <a:latin typeface="IRANSans Light" panose="020B0506030804020204" pitchFamily="34" charset="-78"/>
+                <a:cs typeface="IRANSans Light" panose="020B0506030804020204" pitchFamily="34" charset="-78"/>
+              </a:rPr>
+              <a:t>عرض اندازه چاپ ۱ سانتی‌متر</a:t>
+            </a:r>
+            <a:endParaRPr lang="en-US" sz="1100" dirty="0">
+              <a:solidFill>
+                <a:schemeClr val="tx1">
+                  <a:lumMod val="85000"/>
+                  <a:lumOff val="15000"/>
+                </a:schemeClr>
+              </a:solidFill>
+              <a:latin typeface="IRANSans Light" panose="020B0506030804020204" pitchFamily="34" charset="-78"/>
+              <a:cs typeface="IRANSans Light" panose="020B0506030804020204" pitchFamily="34" charset="-78"/>
+            </a:endParaRPr>
+          </a:p>
+          <a:p>
+            <a:pPr algn="r" rtl="1">
+              <a:lnSpc>
+                <a:spcPct val="150000"/>
+              </a:lnSpc>
+            </a:pPr>
+            <a:r>
+              <a:rPr lang="fa-IR" sz="1100" dirty="0">
+                <a:solidFill>
+                  <a:schemeClr val="tx1">
+                    <a:lumMod val="85000"/>
+                    <a:lumOff val="15000"/>
+                  </a:schemeClr>
+                </a:solidFill>
+                <a:latin typeface="IRANSans Light" panose="020B0506030804020204" pitchFamily="34" charset="-78"/>
+                <a:cs typeface="IRANSans Light" panose="020B0506030804020204" pitchFamily="34" charset="-78"/>
+              </a:rPr>
+              <a:t>عرض اندازه دیجیتالی ۳۶ پیکسل</a:t>
+            </a:r>
+            <a:endParaRPr lang="en-US" sz="1100" dirty="0">
+              <a:solidFill>
+                <a:schemeClr val="tx1">
+                  <a:lumMod val="85000"/>
+                  <a:lumOff val="15000"/>
+                </a:schemeClr>
+              </a:solidFill>
+              <a:latin typeface="IRANSans Light" panose="020B0506030804020204" pitchFamily="34" charset="-78"/>
+              <a:cs typeface="IRANSans Light" panose="020B0506030804020204" pitchFamily="34" charset="-78"/>
+            </a:endParaRPr>
+          </a:p>
+        </p:txBody>
+      </p:sp>
     </p:spTree>
     <p:extLst>
       <p:ext uri="{BB962C8B-B14F-4D97-AF65-F5344CB8AC3E}">
@@ -9302,9 +8643,10 @@
           <a:lstStyle/>
           <a:p>
             <a:r>
-              <a:rPr lang="en-US" dirty="0"/>
-              <a:t>JIBRES RED</a:t>
-            </a:r>
+              <a:rPr lang="fa-IR" dirty="0"/>
+              <a:t>رنگ قرمز جیبرس</a:t>
+            </a:r>
+            <a:endParaRPr lang="en-US" dirty="0"/>
           </a:p>
         </p:txBody>
       </p:sp>
@@ -9320,37 +8662,23 @@
         </p:nvSpPr>
         <p:spPr/>
         <p:txBody>
-          <a:bodyPr/>
+          <a:bodyPr>
+            <a:normAutofit/>
+          </a:bodyPr>
           <a:lstStyle/>
           <a:p>
-            <a:r>
-              <a:rPr lang="en-US" dirty="0"/>
-              <a:t>The Jibres red is bright and vibrant and we want it to stand out clearly. To that end, here are the color values you can use for both digital and print.</a:t>
-            </a:r>
-          </a:p>
-        </p:txBody>
-      </p:sp>
-      <p:sp>
-        <p:nvSpPr>
-          <p:cNvPr id="5" name="Slide Number Placeholder 4"/>
-          <p:cNvSpPr>
-            <a:spLocks noGrp="1"/>
-          </p:cNvSpPr>
-          <p:nvPr>
-            <p:ph type="sldNum" sz="quarter" idx="12"/>
-          </p:nvPr>
-        </p:nvSpPr>
-        <p:spPr/>
-        <p:txBody>
-          <a:bodyPr/>
-          <a:lstStyle/>
-          <a:p>
-            <a:fld id="{6B8230D4-A52F-48C3-88BB-7CF0A26BA1C5}" type="slidenum">
-              <a:rPr lang="en-US" smtClean="0"/>
-              <a:pPr/>
-              <a:t>9</a:t>
-            </a:fld>
-            <a:endParaRPr lang="en-US"/>
+            <a:pPr algn="justLow"/>
+            <a:r>
+              <a:rPr lang="fa-IR" dirty="0"/>
+              <a:t>قرمز جیبرس درخشان و پر جنب و جوش است و ما به وضوح خواستار آن هستیم.</a:t>
+            </a:r>
+          </a:p>
+          <a:p>
+            <a:pPr algn="justLow"/>
+            <a:r>
+              <a:rPr lang="fa-IR" dirty="0"/>
+              <a:t>برای این منظور مقادیر رنگی استفاده در دنیای دیجیتالی و چاپ را برای استفاده شما ارائه کردیم.</a:t>
+            </a:r>
           </a:p>
         </p:txBody>
       </p:sp>
@@ -9372,7 +8700,7 @@
         </p:nvSpPr>
         <p:spPr>
           <a:xfrm>
-            <a:off x="7544489" y="1988344"/>
+            <a:off x="1783769" y="1988344"/>
             <a:ext cx="2881312" cy="2881312"/>
           </a:xfrm>
           <a:solidFill>
@@ -9383,7 +8711,7 @@
           <a:bodyPr anchor="ctr"/>
           <a:lstStyle/>
           <a:p>
-            <a:pPr indent="0" defTabSz="1346200">
+            <a:pPr indent="0" algn="l" defTabSz="1346200" rtl="0">
               <a:buNone/>
             </a:pPr>
             <a:r>
@@ -9396,7 +8724,7 @@
             </a:r>
           </a:p>
           <a:p>
-            <a:pPr indent="0" defTabSz="1346200">
+            <a:pPr indent="0" algn="l" defTabSz="1346200" rtl="0">
               <a:buNone/>
             </a:pPr>
             <a:r>
@@ -9409,7 +8737,7 @@
             </a:r>
           </a:p>
           <a:p>
-            <a:pPr indent="0" defTabSz="1346200">
+            <a:pPr indent="0" algn="l" defTabSz="1346200" rtl="0">
               <a:buNone/>
             </a:pPr>
             <a:r>
@@ -9422,7 +8750,7 @@
             </a:r>
           </a:p>
           <a:p>
-            <a:pPr indent="0" defTabSz="1346200">
+            <a:pPr indent="0" algn="l" defTabSz="1346200" rtl="0">
               <a:buNone/>
             </a:pPr>
             <a:r>
@@ -9433,6 +8761,35 @@
               </a:rPr>
               <a:t>HSL	335, 90%, 41%</a:t>
             </a:r>
+          </a:p>
+        </p:txBody>
+      </p:sp>
+      <p:sp>
+        <p:nvSpPr>
+          <p:cNvPr id="4" name="Slide Number Placeholder 3">
+            <a:extLst>
+              <a:ext uri="{FF2B5EF4-FFF2-40B4-BE49-F238E27FC236}">
+                <a16:creationId xmlns:a16="http://schemas.microsoft.com/office/drawing/2014/main" id="{DECCBB4A-1FCE-4A5F-B076-5CFD2DF0F700}"/>
+              </a:ext>
+            </a:extLst>
+          </p:cNvPr>
+          <p:cNvSpPr>
+            <a:spLocks noGrp="1"/>
+          </p:cNvSpPr>
+          <p:nvPr>
+            <p:ph type="sldNum" sz="quarter" idx="12"/>
+          </p:nvPr>
+        </p:nvSpPr>
+        <p:spPr/>
+        <p:txBody>
+          <a:bodyPr/>
+          <a:lstStyle/>
+          <a:p>
+            <a:fld id="{6B8230D4-A52F-48C3-88BB-7CF0A26BA1C5}" type="slidenum">
+              <a:rPr lang="en-US" smtClean="0"/>
+              <a:t>9</a:t>
+            </a:fld>
+            <a:endParaRPr lang="en-US"/>
           </a:p>
         </p:txBody>
       </p:sp>
